--- a/PHP Essentials/011_Автозагрузка классов, namespace/011_Автозагрузка классов, namespace (Презентация).pptx
+++ b/PHP Essentials/011_Автозагрузка классов, namespace/011_Автозагрузка классов, namespace (Презентация).pptx
@@ -8,16 +8,16 @@
     <p:notesMasterId r:id="rId12"/>
   </p:notesMasterIdLst>
   <p:sldIdLst>
-    <p:sldId id="418" r:id="rId2"/>
-    <p:sldId id="386" r:id="rId3"/>
+    <p:sldId id="448" r:id="rId2"/>
+    <p:sldId id="449" r:id="rId3"/>
     <p:sldId id="428" r:id="rId4"/>
     <p:sldId id="435" r:id="rId5"/>
-    <p:sldId id="429" r:id="rId6"/>
-    <p:sldId id="430" r:id="rId7"/>
-    <p:sldId id="431" r:id="rId8"/>
-    <p:sldId id="436" r:id="rId9"/>
-    <p:sldId id="419" r:id="rId10"/>
-    <p:sldId id="437" r:id="rId11"/>
+    <p:sldId id="438" r:id="rId6"/>
+    <p:sldId id="463" r:id="rId7"/>
+    <p:sldId id="464" r:id="rId8"/>
+    <p:sldId id="451" r:id="rId9"/>
+    <p:sldId id="452" r:id="rId10"/>
+    <p:sldId id="453" r:id="rId11"/>
   </p:sldIdLst>
   <p:sldSz cx="12192000" cy="6858000"/>
   <p:notesSz cx="6858000" cy="9144000"/>
@@ -121,16 +121,16 @@
       <p14:sectionLst xmlns:p14="http://schemas.microsoft.com/office/powerpoint/2010/main">
         <p14:section name="Раздел по умолчанию" id="{66D933E5-E614-4B22-A819-1A7400BDA476}">
           <p14:sldIdLst>
-            <p14:sldId id="418"/>
-            <p14:sldId id="386"/>
+            <p14:sldId id="448"/>
+            <p14:sldId id="449"/>
             <p14:sldId id="428"/>
             <p14:sldId id="435"/>
-            <p14:sldId id="429"/>
-            <p14:sldId id="430"/>
-            <p14:sldId id="431"/>
-            <p14:sldId id="436"/>
-            <p14:sldId id="419"/>
-            <p14:sldId id="437"/>
+            <p14:sldId id="438"/>
+            <p14:sldId id="463"/>
+            <p14:sldId id="464"/>
+            <p14:sldId id="451"/>
+            <p14:sldId id="452"/>
+            <p14:sldId id="453"/>
           </p14:sldIdLst>
         </p14:section>
       </p14:sectionLst>
@@ -235,7 +235,7 @@
           <a:p>
             <a:fld id="{39EEAABF-1A21-4BDA-A92C-F0636835B84E}" type="datetimeFigureOut">
               <a:rPr lang="en-US" smtClean="0"/>
-              <a:t>9/23/2020</a:t>
+              <a:t>12/9/2020</a:t>
             </a:fld>
             <a:endParaRPr lang="en-US"/>
           </a:p>
@@ -299,35 +299,35 @@
           <a:p>
             <a:pPr lvl="0"/>
             <a:r>
-              <a:rPr lang="ru-RU" smtClean="0"/>
+              <a:rPr lang="ru-RU"/>
               <a:t>Образец текста</a:t>
             </a:r>
           </a:p>
           <a:p>
             <a:pPr lvl="1"/>
             <a:r>
-              <a:rPr lang="ru-RU" smtClean="0"/>
+              <a:rPr lang="ru-RU"/>
               <a:t>Второй уровень</a:t>
             </a:r>
           </a:p>
           <a:p>
             <a:pPr lvl="2"/>
             <a:r>
-              <a:rPr lang="ru-RU" smtClean="0"/>
+              <a:rPr lang="ru-RU"/>
               <a:t>Третий уровень</a:t>
             </a:r>
           </a:p>
           <a:p>
             <a:pPr lvl="3"/>
             <a:r>
-              <a:rPr lang="ru-RU" smtClean="0"/>
+              <a:rPr lang="ru-RU"/>
               <a:t>Четвертый уровень</a:t>
             </a:r>
           </a:p>
           <a:p>
             <a:pPr lvl="4"/>
             <a:r>
-              <a:rPr lang="ru-RU" smtClean="0"/>
+              <a:rPr lang="ru-RU"/>
               <a:t>Пятый уровень</a:t>
             </a:r>
             <a:endParaRPr lang="en-US"/>
@@ -582,7 +582,7 @@
     </p:spTree>
     <p:extLst>
       <p:ext uri="{BB962C8B-B14F-4D97-AF65-F5344CB8AC3E}">
-        <p14:creationId xmlns:p14="http://schemas.microsoft.com/office/powerpoint/2010/main" val="78478699"/>
+        <p14:creationId xmlns:p14="http://schemas.microsoft.com/office/powerpoint/2010/main" val="2917332921"/>
       </p:ext>
     </p:extLst>
   </p:cSld>
@@ -671,7 +671,7 @@
     </p:spTree>
     <p:extLst>
       <p:ext uri="{BB962C8B-B14F-4D97-AF65-F5344CB8AC3E}">
-        <p14:creationId xmlns:p14="http://schemas.microsoft.com/office/powerpoint/2010/main" val="2629809955"/>
+        <p14:creationId xmlns:p14="http://schemas.microsoft.com/office/powerpoint/2010/main" val="1960278145"/>
       </p:ext>
     </p:extLst>
   </p:cSld>
@@ -938,7 +938,7 @@
     </p:spTree>
     <p:extLst>
       <p:ext uri="{BB962C8B-B14F-4D97-AF65-F5344CB8AC3E}">
-        <p14:creationId xmlns:p14="http://schemas.microsoft.com/office/powerpoint/2010/main" val="2686741233"/>
+        <p14:creationId xmlns:p14="http://schemas.microsoft.com/office/powerpoint/2010/main" val="2626006507"/>
       </p:ext>
     </p:extLst>
   </p:cSld>
@@ -1027,7 +1027,7 @@
     </p:spTree>
     <p:extLst>
       <p:ext uri="{BB962C8B-B14F-4D97-AF65-F5344CB8AC3E}">
-        <p14:creationId xmlns:p14="http://schemas.microsoft.com/office/powerpoint/2010/main" val="2684663624"/>
+        <p14:creationId xmlns:p14="http://schemas.microsoft.com/office/powerpoint/2010/main" val="52879812"/>
       </p:ext>
     </p:extLst>
   </p:cSld>
@@ -1116,7 +1116,7 @@
     </p:spTree>
     <p:extLst>
       <p:ext uri="{BB962C8B-B14F-4D97-AF65-F5344CB8AC3E}">
-        <p14:creationId xmlns:p14="http://schemas.microsoft.com/office/powerpoint/2010/main" val="2638935895"/>
+        <p14:creationId xmlns:p14="http://schemas.microsoft.com/office/powerpoint/2010/main" val="3241446244"/>
       </p:ext>
     </p:extLst>
   </p:cSld>
@@ -1195,7 +1195,7 @@
                 <a:spcPct val="0"/>
               </a:spcBef>
             </a:pPr>
-            <a:endParaRPr lang="uk-UA" smtClean="0"/>
+            <a:endParaRPr lang="uk-UA"/>
           </a:p>
         </p:txBody>
       </p:sp>
@@ -1256,7 +1256,7 @@
     </p:spTree>
     <p:extLst>
       <p:ext uri="{BB962C8B-B14F-4D97-AF65-F5344CB8AC3E}">
-        <p14:creationId xmlns:p14="http://schemas.microsoft.com/office/powerpoint/2010/main" val="420716299"/>
+        <p14:creationId xmlns:p14="http://schemas.microsoft.com/office/powerpoint/2010/main" val="809263370"/>
       </p:ext>
     </p:extLst>
   </p:cSld>
@@ -1345,7 +1345,7 @@
     </p:spTree>
     <p:extLst>
       <p:ext uri="{BB962C8B-B14F-4D97-AF65-F5344CB8AC3E}">
-        <p14:creationId xmlns:p14="http://schemas.microsoft.com/office/powerpoint/2010/main" val="4258933088"/>
+        <p14:creationId xmlns:p14="http://schemas.microsoft.com/office/powerpoint/2010/main" val="1590788275"/>
       </p:ext>
     </p:extLst>
   </p:cSld>
@@ -1393,10 +1393,9 @@
           <a:lstStyle/>
           <a:p>
             <a:r>
-              <a:rPr lang="ru-RU" smtClean="0"/>
+              <a:rPr lang="ru-RU"/>
               <a:t>Образец заголовка</a:t>
             </a:r>
-            <a:endParaRPr lang="ru-RU"/>
           </a:p>
         </p:txBody>
       </p:sp>
@@ -1512,10 +1511,9 @@
           </a:lstStyle>
           <a:p>
             <a:r>
-              <a:rPr lang="ru-RU" smtClean="0"/>
+              <a:rPr lang="ru-RU"/>
               <a:t>Образец подзаголовка</a:t>
             </a:r>
-            <a:endParaRPr lang="ru-RU"/>
           </a:p>
         </p:txBody>
       </p:sp>
@@ -1536,7 +1534,7 @@
           <a:p>
             <a:fld id="{7138E089-62ED-4B99-9D85-4233106172C3}" type="datetime1">
               <a:rPr lang="ru-RU" smtClean="0"/>
-              <a:t>23.09.2020</a:t>
+              <a:t>09.12.2020</a:t>
             </a:fld>
             <a:endParaRPr lang="ru-RU"/>
           </a:p>
@@ -1634,10 +1632,9 @@
           <a:lstStyle/>
           <a:p>
             <a:r>
-              <a:rPr lang="ru-RU" smtClean="0"/>
+              <a:rPr lang="ru-RU"/>
               <a:t>Образец заголовка</a:t>
             </a:r>
-            <a:endParaRPr lang="ru-RU"/>
           </a:p>
         </p:txBody>
       </p:sp>
@@ -1658,38 +1655,37 @@
           <a:p>
             <a:pPr lvl="0"/>
             <a:r>
-              <a:rPr lang="ru-RU" smtClean="0"/>
+              <a:rPr lang="ru-RU"/>
               <a:t>Образец текста</a:t>
             </a:r>
           </a:p>
           <a:p>
             <a:pPr lvl="1"/>
             <a:r>
-              <a:rPr lang="ru-RU" smtClean="0"/>
+              <a:rPr lang="ru-RU"/>
               <a:t>Второй уровень</a:t>
             </a:r>
           </a:p>
           <a:p>
             <a:pPr lvl="2"/>
             <a:r>
-              <a:rPr lang="ru-RU" smtClean="0"/>
+              <a:rPr lang="ru-RU"/>
               <a:t>Третий уровень</a:t>
             </a:r>
           </a:p>
           <a:p>
             <a:pPr lvl="3"/>
             <a:r>
-              <a:rPr lang="ru-RU" smtClean="0"/>
+              <a:rPr lang="ru-RU"/>
               <a:t>Четвертый уровень</a:t>
             </a:r>
           </a:p>
           <a:p>
             <a:pPr lvl="4"/>
             <a:r>
-              <a:rPr lang="ru-RU" smtClean="0"/>
+              <a:rPr lang="ru-RU"/>
               <a:t>Пятый уровень</a:t>
             </a:r>
-            <a:endParaRPr lang="ru-RU"/>
           </a:p>
         </p:txBody>
       </p:sp>
@@ -1710,7 +1706,7 @@
           <a:p>
             <a:fld id="{1C55742B-6A67-44BA-9E65-E8ED5897B169}" type="datetime1">
               <a:rPr lang="ru-RU" smtClean="0"/>
-              <a:t>23.09.2020</a:t>
+              <a:t>09.12.2020</a:t>
             </a:fld>
             <a:endParaRPr lang="ru-RU"/>
           </a:p>
@@ -1813,10 +1809,9 @@
           <a:lstStyle/>
           <a:p>
             <a:r>
-              <a:rPr lang="ru-RU" smtClean="0"/>
+              <a:rPr lang="ru-RU"/>
               <a:t>Образец заголовка</a:t>
             </a:r>
-            <a:endParaRPr lang="ru-RU"/>
           </a:p>
         </p:txBody>
       </p:sp>
@@ -1842,38 +1837,37 @@
           <a:p>
             <a:pPr lvl="0"/>
             <a:r>
-              <a:rPr lang="ru-RU" smtClean="0"/>
+              <a:rPr lang="ru-RU"/>
               <a:t>Образец текста</a:t>
             </a:r>
           </a:p>
           <a:p>
             <a:pPr lvl="1"/>
             <a:r>
-              <a:rPr lang="ru-RU" smtClean="0"/>
+              <a:rPr lang="ru-RU"/>
               <a:t>Второй уровень</a:t>
             </a:r>
           </a:p>
           <a:p>
             <a:pPr lvl="2"/>
             <a:r>
-              <a:rPr lang="ru-RU" smtClean="0"/>
+              <a:rPr lang="ru-RU"/>
               <a:t>Третий уровень</a:t>
             </a:r>
           </a:p>
           <a:p>
             <a:pPr lvl="3"/>
             <a:r>
-              <a:rPr lang="ru-RU" smtClean="0"/>
+              <a:rPr lang="ru-RU"/>
               <a:t>Четвертый уровень</a:t>
             </a:r>
           </a:p>
           <a:p>
             <a:pPr lvl="4"/>
             <a:r>
-              <a:rPr lang="ru-RU" smtClean="0"/>
+              <a:rPr lang="ru-RU"/>
               <a:t>Пятый уровень</a:t>
             </a:r>
-            <a:endParaRPr lang="ru-RU"/>
           </a:p>
         </p:txBody>
       </p:sp>
@@ -1894,7 +1888,7 @@
           <a:p>
             <a:fld id="{31D9B4FD-8306-4B74-B1F8-D2E67870986E}" type="datetime1">
               <a:rPr lang="ru-RU" smtClean="0"/>
-              <a:t>23.09.2020</a:t>
+              <a:t>09.12.2020</a:t>
             </a:fld>
             <a:endParaRPr lang="ru-RU"/>
           </a:p>
@@ -1992,10 +1986,9 @@
           <a:lstStyle/>
           <a:p>
             <a:r>
-              <a:rPr lang="ru-RU" smtClean="0"/>
+              <a:rPr lang="ru-RU"/>
               <a:t>Образец заголовка</a:t>
             </a:r>
-            <a:endParaRPr lang="ru-RU"/>
           </a:p>
         </p:txBody>
       </p:sp>
@@ -2016,38 +2009,37 @@
           <a:p>
             <a:pPr lvl="0"/>
             <a:r>
-              <a:rPr lang="ru-RU" smtClean="0"/>
+              <a:rPr lang="ru-RU"/>
               <a:t>Образец текста</a:t>
             </a:r>
           </a:p>
           <a:p>
             <a:pPr lvl="1"/>
             <a:r>
-              <a:rPr lang="ru-RU" smtClean="0"/>
+              <a:rPr lang="ru-RU"/>
               <a:t>Второй уровень</a:t>
             </a:r>
           </a:p>
           <a:p>
             <a:pPr lvl="2"/>
             <a:r>
-              <a:rPr lang="ru-RU" smtClean="0"/>
+              <a:rPr lang="ru-RU"/>
               <a:t>Третий уровень</a:t>
             </a:r>
           </a:p>
           <a:p>
             <a:pPr lvl="3"/>
             <a:r>
-              <a:rPr lang="ru-RU" smtClean="0"/>
+              <a:rPr lang="ru-RU"/>
               <a:t>Четвертый уровень</a:t>
             </a:r>
           </a:p>
           <a:p>
             <a:pPr lvl="4"/>
             <a:r>
-              <a:rPr lang="ru-RU" smtClean="0"/>
+              <a:rPr lang="ru-RU"/>
               <a:t>Пятый уровень</a:t>
             </a:r>
-            <a:endParaRPr lang="ru-RU"/>
           </a:p>
         </p:txBody>
       </p:sp>
@@ -2068,7 +2060,7 @@
           <a:p>
             <a:fld id="{32E4D2F2-8EAD-4248-A8AF-937EE57F2432}" type="datetime1">
               <a:rPr lang="ru-RU" smtClean="0"/>
-              <a:t>23.09.2020</a:t>
+              <a:t>09.12.2020</a:t>
             </a:fld>
             <a:endParaRPr lang="ru-RU"/>
           </a:p>
@@ -2175,10 +2167,9 @@
           </a:lstStyle>
           <a:p>
             <a:r>
-              <a:rPr lang="ru-RU" smtClean="0"/>
+              <a:rPr lang="ru-RU"/>
               <a:t>Образец заголовка</a:t>
             </a:r>
-            <a:endParaRPr lang="ru-RU"/>
           </a:p>
         </p:txBody>
       </p:sp>
@@ -2295,7 +2286,7 @@
           <a:p>
             <a:pPr lvl="0"/>
             <a:r>
-              <a:rPr lang="ru-RU" smtClean="0"/>
+              <a:rPr lang="ru-RU"/>
               <a:t>Образец текста</a:t>
             </a:r>
           </a:p>
@@ -2318,7 +2309,7 @@
           <a:p>
             <a:fld id="{FB71B655-9686-4700-A3E3-2677DD26807C}" type="datetime1">
               <a:rPr lang="ru-RU" smtClean="0"/>
-              <a:t>23.09.2020</a:t>
+              <a:t>09.12.2020</a:t>
             </a:fld>
             <a:endParaRPr lang="ru-RU"/>
           </a:p>
@@ -2416,10 +2407,9 @@
           <a:lstStyle/>
           <a:p>
             <a:r>
-              <a:rPr lang="ru-RU" smtClean="0"/>
+              <a:rPr lang="ru-RU"/>
               <a:t>Образец заголовка</a:t>
             </a:r>
-            <a:endParaRPr lang="ru-RU"/>
           </a:p>
         </p:txBody>
       </p:sp>
@@ -2473,38 +2463,37 @@
           <a:p>
             <a:pPr lvl="0"/>
             <a:r>
-              <a:rPr lang="ru-RU" smtClean="0"/>
+              <a:rPr lang="ru-RU"/>
               <a:t>Образец текста</a:t>
             </a:r>
           </a:p>
           <a:p>
             <a:pPr lvl="1"/>
             <a:r>
-              <a:rPr lang="ru-RU" smtClean="0"/>
+              <a:rPr lang="ru-RU"/>
               <a:t>Второй уровень</a:t>
             </a:r>
           </a:p>
           <a:p>
             <a:pPr lvl="2"/>
             <a:r>
-              <a:rPr lang="ru-RU" smtClean="0"/>
+              <a:rPr lang="ru-RU"/>
               <a:t>Третий уровень</a:t>
             </a:r>
           </a:p>
           <a:p>
             <a:pPr lvl="3"/>
             <a:r>
-              <a:rPr lang="ru-RU" smtClean="0"/>
+              <a:rPr lang="ru-RU"/>
               <a:t>Четвертый уровень</a:t>
             </a:r>
           </a:p>
           <a:p>
             <a:pPr lvl="4"/>
             <a:r>
-              <a:rPr lang="ru-RU" smtClean="0"/>
+              <a:rPr lang="ru-RU"/>
               <a:t>Пятый уровень</a:t>
             </a:r>
-            <a:endParaRPr lang="ru-RU"/>
           </a:p>
         </p:txBody>
       </p:sp>
@@ -2558,38 +2547,37 @@
           <a:p>
             <a:pPr lvl="0"/>
             <a:r>
-              <a:rPr lang="ru-RU" smtClean="0"/>
+              <a:rPr lang="ru-RU"/>
               <a:t>Образец текста</a:t>
             </a:r>
           </a:p>
           <a:p>
             <a:pPr lvl="1"/>
             <a:r>
-              <a:rPr lang="ru-RU" smtClean="0"/>
+              <a:rPr lang="ru-RU"/>
               <a:t>Второй уровень</a:t>
             </a:r>
           </a:p>
           <a:p>
             <a:pPr lvl="2"/>
             <a:r>
-              <a:rPr lang="ru-RU" smtClean="0"/>
+              <a:rPr lang="ru-RU"/>
               <a:t>Третий уровень</a:t>
             </a:r>
           </a:p>
           <a:p>
             <a:pPr lvl="3"/>
             <a:r>
-              <a:rPr lang="ru-RU" smtClean="0"/>
+              <a:rPr lang="ru-RU"/>
               <a:t>Четвертый уровень</a:t>
             </a:r>
           </a:p>
           <a:p>
             <a:pPr lvl="4"/>
             <a:r>
-              <a:rPr lang="ru-RU" smtClean="0"/>
+              <a:rPr lang="ru-RU"/>
               <a:t>Пятый уровень</a:t>
             </a:r>
-            <a:endParaRPr lang="ru-RU"/>
           </a:p>
         </p:txBody>
       </p:sp>
@@ -2610,7 +2598,7 @@
           <a:p>
             <a:fld id="{4AEFA3A0-0963-40F8-917D-76DEAAEFC216}" type="datetime1">
               <a:rPr lang="ru-RU" smtClean="0"/>
-              <a:t>23.09.2020</a:t>
+              <a:t>09.12.2020</a:t>
             </a:fld>
             <a:endParaRPr lang="ru-RU"/>
           </a:p>
@@ -2712,10 +2700,9 @@
           </a:lstStyle>
           <a:p>
             <a:r>
-              <a:rPr lang="ru-RU" smtClean="0"/>
+              <a:rPr lang="ru-RU"/>
               <a:t>Образец заголовка</a:t>
             </a:r>
-            <a:endParaRPr lang="ru-RU"/>
           </a:p>
         </p:txBody>
       </p:sp>
@@ -2778,7 +2765,7 @@
           <a:p>
             <a:pPr lvl="0"/>
             <a:r>
-              <a:rPr lang="ru-RU" smtClean="0"/>
+              <a:rPr lang="ru-RU"/>
               <a:t>Образец текста</a:t>
             </a:r>
           </a:p>
@@ -2834,38 +2821,37 @@
           <a:p>
             <a:pPr lvl="0"/>
             <a:r>
-              <a:rPr lang="ru-RU" smtClean="0"/>
+              <a:rPr lang="ru-RU"/>
               <a:t>Образец текста</a:t>
             </a:r>
           </a:p>
           <a:p>
             <a:pPr lvl="1"/>
             <a:r>
-              <a:rPr lang="ru-RU" smtClean="0"/>
+              <a:rPr lang="ru-RU"/>
               <a:t>Второй уровень</a:t>
             </a:r>
           </a:p>
           <a:p>
             <a:pPr lvl="2"/>
             <a:r>
-              <a:rPr lang="ru-RU" smtClean="0"/>
+              <a:rPr lang="ru-RU"/>
               <a:t>Третий уровень</a:t>
             </a:r>
           </a:p>
           <a:p>
             <a:pPr lvl="3"/>
             <a:r>
-              <a:rPr lang="ru-RU" smtClean="0"/>
+              <a:rPr lang="ru-RU"/>
               <a:t>Четвертый уровень</a:t>
             </a:r>
           </a:p>
           <a:p>
             <a:pPr lvl="4"/>
             <a:r>
-              <a:rPr lang="ru-RU" smtClean="0"/>
+              <a:rPr lang="ru-RU"/>
               <a:t>Пятый уровень</a:t>
             </a:r>
-            <a:endParaRPr lang="ru-RU"/>
           </a:p>
         </p:txBody>
       </p:sp>
@@ -2928,7 +2914,7 @@
           <a:p>
             <a:pPr lvl="0"/>
             <a:r>
-              <a:rPr lang="ru-RU" smtClean="0"/>
+              <a:rPr lang="ru-RU"/>
               <a:t>Образец текста</a:t>
             </a:r>
           </a:p>
@@ -2984,38 +2970,37 @@
           <a:p>
             <a:pPr lvl="0"/>
             <a:r>
-              <a:rPr lang="ru-RU" smtClean="0"/>
+              <a:rPr lang="ru-RU"/>
               <a:t>Образец текста</a:t>
             </a:r>
           </a:p>
           <a:p>
             <a:pPr lvl="1"/>
             <a:r>
-              <a:rPr lang="ru-RU" smtClean="0"/>
+              <a:rPr lang="ru-RU"/>
               <a:t>Второй уровень</a:t>
             </a:r>
           </a:p>
           <a:p>
             <a:pPr lvl="2"/>
             <a:r>
-              <a:rPr lang="ru-RU" smtClean="0"/>
+              <a:rPr lang="ru-RU"/>
               <a:t>Третий уровень</a:t>
             </a:r>
           </a:p>
           <a:p>
             <a:pPr lvl="3"/>
             <a:r>
-              <a:rPr lang="ru-RU" smtClean="0"/>
+              <a:rPr lang="ru-RU"/>
               <a:t>Четвертый уровень</a:t>
             </a:r>
           </a:p>
           <a:p>
             <a:pPr lvl="4"/>
             <a:r>
-              <a:rPr lang="ru-RU" smtClean="0"/>
+              <a:rPr lang="ru-RU"/>
               <a:t>Пятый уровень</a:t>
             </a:r>
-            <a:endParaRPr lang="ru-RU"/>
           </a:p>
         </p:txBody>
       </p:sp>
@@ -3036,7 +3021,7 @@
           <a:p>
             <a:fld id="{DEF2FADE-2241-4AB9-A208-782AC4633E65}" type="datetime1">
               <a:rPr lang="ru-RU" smtClean="0"/>
-              <a:t>23.09.2020</a:t>
+              <a:t>09.12.2020</a:t>
             </a:fld>
             <a:endParaRPr lang="ru-RU"/>
           </a:p>
@@ -3134,10 +3119,9 @@
           <a:lstStyle/>
           <a:p>
             <a:r>
-              <a:rPr lang="ru-RU" smtClean="0"/>
+              <a:rPr lang="ru-RU"/>
               <a:t>Образец заголовка</a:t>
             </a:r>
-            <a:endParaRPr lang="ru-RU"/>
           </a:p>
         </p:txBody>
       </p:sp>
@@ -3158,7 +3142,7 @@
           <a:p>
             <a:fld id="{F73ABB79-FB1F-4563-8AEC-F75E8EA4533C}" type="datetime1">
               <a:rPr lang="ru-RU" smtClean="0"/>
-              <a:t>23.09.2020</a:t>
+              <a:t>09.12.2020</a:t>
             </a:fld>
             <a:endParaRPr lang="ru-RU"/>
           </a:p>
@@ -3257,7 +3241,7 @@
           <a:p>
             <a:fld id="{698CEBD2-D067-4C87-98E7-17140CF67479}" type="datetime1">
               <a:rPr lang="ru-RU" smtClean="0"/>
-              <a:t>23.09.2020</a:t>
+              <a:t>09.12.2020</a:t>
             </a:fld>
             <a:endParaRPr lang="ru-RU"/>
           </a:p>
@@ -3364,10 +3348,9 @@
           </a:lstStyle>
           <a:p>
             <a:r>
-              <a:rPr lang="ru-RU" smtClean="0"/>
+              <a:rPr lang="ru-RU"/>
               <a:t>Образец заголовка</a:t>
             </a:r>
-            <a:endParaRPr lang="ru-RU"/>
           </a:p>
         </p:txBody>
       </p:sp>
@@ -3421,38 +3404,37 @@
           <a:p>
             <a:pPr lvl="0"/>
             <a:r>
-              <a:rPr lang="ru-RU" smtClean="0"/>
+              <a:rPr lang="ru-RU"/>
               <a:t>Образец текста</a:t>
             </a:r>
           </a:p>
           <a:p>
             <a:pPr lvl="1"/>
             <a:r>
-              <a:rPr lang="ru-RU" smtClean="0"/>
+              <a:rPr lang="ru-RU"/>
               <a:t>Второй уровень</a:t>
             </a:r>
           </a:p>
           <a:p>
             <a:pPr lvl="2"/>
             <a:r>
-              <a:rPr lang="ru-RU" smtClean="0"/>
+              <a:rPr lang="ru-RU"/>
               <a:t>Третий уровень</a:t>
             </a:r>
           </a:p>
           <a:p>
             <a:pPr lvl="3"/>
             <a:r>
-              <a:rPr lang="ru-RU" smtClean="0"/>
+              <a:rPr lang="ru-RU"/>
               <a:t>Четвертый уровень</a:t>
             </a:r>
           </a:p>
           <a:p>
             <a:pPr lvl="4"/>
             <a:r>
-              <a:rPr lang="ru-RU" smtClean="0"/>
+              <a:rPr lang="ru-RU"/>
               <a:t>Пятый уровень</a:t>
             </a:r>
-            <a:endParaRPr lang="ru-RU"/>
           </a:p>
         </p:txBody>
       </p:sp>
@@ -3515,7 +3497,7 @@
           <a:p>
             <a:pPr lvl="0"/>
             <a:r>
-              <a:rPr lang="ru-RU" smtClean="0"/>
+              <a:rPr lang="ru-RU"/>
               <a:t>Образец текста</a:t>
             </a:r>
           </a:p>
@@ -3538,7 +3520,7 @@
           <a:p>
             <a:fld id="{98A170F8-514C-479C-AACB-5022023134F7}" type="datetime1">
               <a:rPr lang="ru-RU" smtClean="0"/>
-              <a:t>23.09.2020</a:t>
+              <a:t>09.12.2020</a:t>
             </a:fld>
             <a:endParaRPr lang="ru-RU"/>
           </a:p>
@@ -3645,10 +3627,9 @@
           </a:lstStyle>
           <a:p>
             <a:r>
-              <a:rPr lang="ru-RU" smtClean="0"/>
+              <a:rPr lang="ru-RU"/>
               <a:t>Образец заголовка</a:t>
             </a:r>
-            <a:endParaRPr lang="ru-RU"/>
           </a:p>
         </p:txBody>
       </p:sp>
@@ -3710,10 +3691,9 @@
           </a:lstStyle>
           <a:p>
             <a:r>
-              <a:rPr lang="ru-RU" smtClean="0"/>
+              <a:rPr lang="ru-RU"/>
               <a:t>Вставка рисунка</a:t>
             </a:r>
-            <a:endParaRPr lang="ru-RU"/>
           </a:p>
         </p:txBody>
       </p:sp>
@@ -3776,7 +3756,7 @@
           <a:p>
             <a:pPr lvl="0"/>
             <a:r>
-              <a:rPr lang="ru-RU" smtClean="0"/>
+              <a:rPr lang="ru-RU"/>
               <a:t>Образец текста</a:t>
             </a:r>
           </a:p>
@@ -3799,7 +3779,7 @@
           <a:p>
             <a:fld id="{AA83611C-DD27-4ADB-92CD-801180824883}" type="datetime1">
               <a:rPr lang="ru-RU" smtClean="0"/>
-              <a:t>23.09.2020</a:t>
+              <a:t>09.12.2020</a:t>
             </a:fld>
             <a:endParaRPr lang="ru-RU"/>
           </a:p>
@@ -3915,10 +3895,9 @@
           <a:lstStyle/>
           <a:p>
             <a:r>
-              <a:rPr lang="ru-RU" smtClean="0"/>
+              <a:rPr lang="ru-RU"/>
               <a:t>Образец заголовка</a:t>
             </a:r>
-            <a:endParaRPr lang="ru-RU"/>
           </a:p>
         </p:txBody>
       </p:sp>
@@ -3949,38 +3928,37 @@
           <a:p>
             <a:pPr lvl="0"/>
             <a:r>
-              <a:rPr lang="ru-RU" smtClean="0"/>
+              <a:rPr lang="ru-RU"/>
               <a:t>Образец текста</a:t>
             </a:r>
           </a:p>
           <a:p>
             <a:pPr lvl="1"/>
             <a:r>
-              <a:rPr lang="ru-RU" smtClean="0"/>
+              <a:rPr lang="ru-RU"/>
               <a:t>Второй уровень</a:t>
             </a:r>
           </a:p>
           <a:p>
             <a:pPr lvl="2"/>
             <a:r>
-              <a:rPr lang="ru-RU" smtClean="0"/>
+              <a:rPr lang="ru-RU"/>
               <a:t>Третий уровень</a:t>
             </a:r>
           </a:p>
           <a:p>
             <a:pPr lvl="3"/>
             <a:r>
-              <a:rPr lang="ru-RU" smtClean="0"/>
+              <a:rPr lang="ru-RU"/>
               <a:t>Четвертый уровень</a:t>
             </a:r>
           </a:p>
           <a:p>
             <a:pPr lvl="4"/>
             <a:r>
-              <a:rPr lang="ru-RU" smtClean="0"/>
+              <a:rPr lang="ru-RU"/>
               <a:t>Пятый уровень</a:t>
             </a:r>
-            <a:endParaRPr lang="ru-RU"/>
           </a:p>
         </p:txBody>
       </p:sp>
@@ -4019,7 +3997,7 @@
           <a:p>
             <a:fld id="{772C2E8B-7AD5-4B74-A391-C1BAFFD06762}" type="datetime1">
               <a:rPr lang="ru-RU" smtClean="0"/>
-              <a:t>23.09.2020</a:t>
+              <a:t>09.12.2020</a:t>
             </a:fld>
             <a:endParaRPr lang="ru-RU"/>
           </a:p>
@@ -4458,7 +4436,7 @@
         </p:nvSpPr>
         <p:spPr>
           <a:xfrm>
-            <a:off x="1099411" y="4842017"/>
+            <a:off x="1219200" y="4271170"/>
             <a:ext cx="8458200" cy="698835"/>
           </a:xfrm>
           <a:prstGeom prst="rect">
@@ -4488,24 +4466,14 @@
           <a:p>
             <a:pPr algn="l"/>
             <a:r>
-              <a:rPr lang="ru-RU" sz="2800" dirty="0" smtClean="0">
+              <a:rPr lang="ru-RU" sz="2800" dirty="0">
                 <a:solidFill>
                   <a:srgbClr val="6D6D6D"/>
                 </a:solidFill>
                 <a:latin typeface="Segoe UI Light" panose="020B0502040204020203" pitchFamily="34" charset="0"/>
                 <a:cs typeface="Segoe UI Light" panose="020B0502040204020203" pitchFamily="34" charset="0"/>
               </a:rPr>
-              <a:t>Введение. Шаблон </a:t>
-            </a:r>
-            <a:r>
-              <a:rPr lang="en-US" sz="2800" dirty="0" smtClean="0">
-                <a:solidFill>
-                  <a:srgbClr val="6D6D6D"/>
-                </a:solidFill>
-                <a:latin typeface="Segoe UI Light" panose="020B0502040204020203" pitchFamily="34" charset="0"/>
-                <a:cs typeface="Segoe UI Light" panose="020B0502040204020203" pitchFamily="34" charset="0"/>
-              </a:rPr>
-              <a:t>MVC</a:t>
+              <a:t>Знакомство с ООП.</a:t>
             </a:r>
             <a:endParaRPr lang="en-US" sz="2800" dirty="0">
               <a:solidFill>
@@ -4519,84 +4487,6 @@
       </p:sp>
       <p:sp>
         <p:nvSpPr>
-          <p:cNvPr id="12" name="Прямоугольник 11"/>
-          <p:cNvSpPr/>
-          <p:nvPr/>
-        </p:nvSpPr>
-        <p:spPr>
-          <a:xfrm>
-            <a:off x="1055013" y="3117036"/>
-            <a:ext cx="9575535" cy="1754326"/>
-          </a:xfrm>
-          <a:prstGeom prst="rect">
-            <a:avLst/>
-          </a:prstGeom>
-        </p:spPr>
-        <p:txBody>
-          <a:bodyPr wrap="square">
-            <a:spAutoFit/>
-          </a:bodyPr>
-          <a:lstStyle/>
-          <a:p>
-            <a:r>
-              <a:rPr lang="ru-RU" sz="5400" dirty="0" smtClean="0">
-                <a:solidFill>
-                  <a:srgbClr val="D1501F"/>
-                </a:solidFill>
-                <a:latin typeface="Segoe UI Light" pitchFamily="34" charset="0"/>
-              </a:rPr>
-              <a:t>Создание пользовательского интерфейса в </a:t>
-            </a:r>
-            <a:r>
-              <a:rPr lang="en-US" sz="5400" dirty="0" smtClean="0">
-                <a:solidFill>
-                  <a:srgbClr val="D1501F"/>
-                </a:solidFill>
-                <a:latin typeface="Segoe UI Light" pitchFamily="34" charset="0"/>
-              </a:rPr>
-              <a:t>ASP.NET Core</a:t>
-            </a:r>
-            <a:endParaRPr lang="ru-RU" sz="5400" dirty="0" smtClean="0">
-              <a:solidFill>
-                <a:srgbClr val="D1501F"/>
-              </a:solidFill>
-              <a:latin typeface="Segoe UI Light" pitchFamily="34" charset="0"/>
-            </a:endParaRPr>
-          </a:p>
-        </p:txBody>
-      </p:sp>
-      <p:pic>
-        <p:nvPicPr>
-          <p:cNvPr id="5" name="Рисунок 4"/>
-          <p:cNvPicPr>
-            <a:picLocks noChangeAspect="1"/>
-          </p:cNvPicPr>
-          <p:nvPr/>
-        </p:nvPicPr>
-        <p:blipFill>
-          <a:blip r:embed="rId3" cstate="print">
-            <a:extLst>
-              <a:ext uri="{28A0092B-C50C-407E-A947-70E740481C1C}">
-                <a14:useLocalDpi xmlns:a14="http://schemas.microsoft.com/office/drawing/2010/main" val="0"/>
-              </a:ext>
-            </a:extLst>
-          </a:blip>
-          <a:stretch>
-            <a:fillRect/>
-          </a:stretch>
-        </p:blipFill>
-        <p:spPr>
-          <a:xfrm>
-            <a:off x="9759449" y="457200"/>
-            <a:ext cx="1899151" cy="817539"/>
-          </a:xfrm>
-          <a:prstGeom prst="rect">
-            <a:avLst/>
-          </a:prstGeom>
-        </p:spPr>
-      </p:pic>
-      <p:sp>
-        <p:nvSpPr>
           <p:cNvPr id="13" name="Прямоугольник 12"/>
           <p:cNvSpPr/>
           <p:nvPr/>
@@ -4624,25 +4514,8 @@
                 <a:latin typeface="Segoe UI Light" panose="020B0502040204020203" pitchFamily="34" charset="0"/>
                 <a:cs typeface="Segoe UI Light" panose="020B0502040204020203" pitchFamily="34" charset="0"/>
               </a:rPr>
-              <a:t>Information Technology Video Developer </a:t>
-            </a:r>
-            <a:r>
-              <a:rPr lang="en-US" sz="1400" dirty="0" smtClean="0">
-                <a:solidFill>
-                  <a:schemeClr val="bg1"/>
-                </a:solidFill>
-                <a:latin typeface="Segoe UI Light" panose="020B0502040204020203" pitchFamily="34" charset="0"/>
-                <a:cs typeface="Segoe UI Light" panose="020B0502040204020203" pitchFamily="34" charset="0"/>
-              </a:rPr>
-              <a:t>Network</a:t>
-            </a:r>
-            <a:endParaRPr lang="en-US" sz="1400" dirty="0">
-              <a:solidFill>
-                <a:schemeClr val="bg1"/>
-              </a:solidFill>
-              <a:latin typeface="Segoe UI Light" panose="020B0502040204020203" pitchFamily="34" charset="0"/>
-              <a:cs typeface="Segoe UI Light" panose="020B0502040204020203" pitchFamily="34" charset="0"/>
-            </a:endParaRPr>
+              <a:t>Information Technology Video Developer Network</a:t>
+            </a:r>
           </a:p>
         </p:txBody>
       </p:sp>
@@ -4675,27 +4548,7 @@
                 <a:latin typeface="Segoe UI Light" panose="020B0502040204020203" pitchFamily="34" charset="0"/>
                 <a:cs typeface="Segoe UI Light" panose="020B0502040204020203" pitchFamily="34" charset="0"/>
               </a:rPr>
-              <a:t>Информационный </a:t>
-            </a:r>
-            <a:r>
-              <a:rPr lang="ru-RU" sz="1400" dirty="0" smtClean="0">
-                <a:solidFill>
-                  <a:schemeClr val="bg1"/>
-                </a:solidFill>
-                <a:latin typeface="Segoe UI Light" panose="020B0502040204020203" pitchFamily="34" charset="0"/>
-                <a:cs typeface="Segoe UI Light" panose="020B0502040204020203" pitchFamily="34" charset="0"/>
-              </a:rPr>
-              <a:t>видеосервис </a:t>
-            </a:r>
-            <a:r>
-              <a:rPr lang="ru-RU" sz="1400" dirty="0">
-                <a:solidFill>
-                  <a:schemeClr val="bg1"/>
-                </a:solidFill>
-                <a:latin typeface="Segoe UI Light" panose="020B0502040204020203" pitchFamily="34" charset="0"/>
-                <a:cs typeface="Segoe UI Light" panose="020B0502040204020203" pitchFamily="34" charset="0"/>
-              </a:rPr>
-              <a:t>для разработчиков программного обеспечения</a:t>
+              <a:t>Информационный видеосервис для разработчиков программного обеспечения</a:t>
             </a:r>
             <a:endParaRPr lang="en-US" sz="1400" dirty="0">
               <a:solidFill>
@@ -4716,7 +4569,7 @@
           <p:nvPr/>
         </p:nvPicPr>
         <p:blipFill>
-          <a:blip r:embed="rId4"/>
+          <a:blip r:embed="rId3"/>
           <a:stretch>
             <a:fillRect/>
           </a:stretch>
@@ -4753,7 +4606,7 @@
           <a:lstStyle/>
           <a:p>
             <a:r>
-              <a:rPr lang="en-US" sz="1400" dirty="0" smtClean="0">
+              <a:rPr lang="en-US" sz="1400" dirty="0">
                 <a:solidFill>
                   <a:schemeClr val="bg1"/>
                 </a:solidFill>
@@ -4762,46 +4615,9 @@
               </a:rPr>
               <a:t>http://itvdn.com</a:t>
             </a:r>
-            <a:endParaRPr lang="en-US" sz="1400" dirty="0">
-              <a:solidFill>
-                <a:schemeClr val="bg1"/>
-              </a:solidFill>
-              <a:latin typeface="Segoe UI Light" panose="020B0502040204020203" pitchFamily="34" charset="0"/>
-              <a:cs typeface="Segoe UI Light" panose="020B0502040204020203" pitchFamily="34" charset="0"/>
-            </a:endParaRPr>
-          </a:p>
-        </p:txBody>
-      </p:sp>
-      <p:pic>
-        <p:nvPicPr>
-          <p:cNvPr id="17" name="Picture 16"/>
-          <p:cNvPicPr>
-            <a:picLocks noChangeAspect="1"/>
-          </p:cNvPicPr>
-          <p:nvPr/>
-        </p:nvPicPr>
-        <p:blipFill>
-          <a:blip r:embed="rId5">
-            <a:extLst>
-              <a:ext uri="{28A0092B-C50C-407E-A947-70E740481C1C}">
-                <a14:useLocalDpi xmlns:a14="http://schemas.microsoft.com/office/drawing/2010/main" val="0"/>
-              </a:ext>
-            </a:extLst>
-          </a:blip>
-          <a:stretch>
-            <a:fillRect/>
-          </a:stretch>
-        </p:blipFill>
-        <p:spPr>
-          <a:xfrm>
-            <a:off x="1225091" y="996986"/>
-            <a:ext cx="3098536" cy="1183641"/>
-          </a:xfrm>
-          <a:prstGeom prst="rect">
-            <a:avLst/>
-          </a:prstGeom>
-        </p:spPr>
-      </p:pic>
+          </a:p>
+        </p:txBody>
+      </p:sp>
       <p:pic>
         <p:nvPicPr>
           <p:cNvPr id="18" name="Рисунок 17">
@@ -4817,7 +4633,7 @@
           <p:nvPr/>
         </p:nvPicPr>
         <p:blipFill>
-          <a:blip r:embed="rId6" cstate="print">
+          <a:blip r:embed="rId4" cstate="print">
             <a:extLst>
               <a:ext uri="{28A0092B-C50C-407E-A947-70E740481C1C}">
                 <a14:useLocalDpi xmlns:a14="http://schemas.microsoft.com/office/drawing/2010/main" val="0"/>
@@ -4838,10 +4654,78 @@
           </a:prstGeom>
         </p:spPr>
       </p:pic>
+      <p:pic>
+        <p:nvPicPr>
+          <p:cNvPr id="2" name="Рисунок 1"/>
+          <p:cNvPicPr>
+            <a:picLocks noChangeAspect="1"/>
+          </p:cNvPicPr>
+          <p:nvPr/>
+        </p:nvPicPr>
+        <p:blipFill rotWithShape="1">
+          <a:blip r:embed="rId5" cstate="print">
+            <a:extLst>
+              <a:ext uri="{28A0092B-C50C-407E-A947-70E740481C1C}">
+                <a14:useLocalDpi xmlns:a14="http://schemas.microsoft.com/office/drawing/2010/main" val="0"/>
+              </a:ext>
+            </a:extLst>
+          </a:blip>
+          <a:srcRect l="17668" t="13866" r="15215" b="7769"/>
+          <a:stretch/>
+        </p:blipFill>
+        <p:spPr>
+          <a:xfrm>
+            <a:off x="1295400" y="1063134"/>
+            <a:ext cx="1905000" cy="838200"/>
+          </a:xfrm>
+          <a:prstGeom prst="rect">
+            <a:avLst/>
+          </a:prstGeom>
+        </p:spPr>
+      </p:pic>
+      <p:sp>
+        <p:nvSpPr>
+          <p:cNvPr id="11" name="Прямоугольник 10"/>
+          <p:cNvSpPr/>
+          <p:nvPr/>
+        </p:nvSpPr>
+        <p:spPr>
+          <a:xfrm>
+            <a:off x="1168967" y="2964469"/>
+            <a:ext cx="9575535" cy="923330"/>
+          </a:xfrm>
+          <a:prstGeom prst="rect">
+            <a:avLst/>
+          </a:prstGeom>
+        </p:spPr>
+        <p:txBody>
+          <a:bodyPr wrap="square">
+            <a:spAutoFit/>
+          </a:bodyPr>
+          <a:lstStyle/>
+          <a:p>
+            <a:r>
+              <a:rPr lang="en-US" sz="5400" dirty="0">
+                <a:solidFill>
+                  <a:srgbClr val="D1501F"/>
+                </a:solidFill>
+                <a:latin typeface="Segoe UI Light" pitchFamily="34" charset="0"/>
+              </a:rPr>
+              <a:t>PHP Essentials</a:t>
+            </a:r>
+            <a:endParaRPr lang="ru-RU" sz="5400" dirty="0">
+              <a:solidFill>
+                <a:srgbClr val="D1501F"/>
+              </a:solidFill>
+              <a:latin typeface="Segoe UI Light" pitchFamily="34" charset="0"/>
+            </a:endParaRPr>
+          </a:p>
+        </p:txBody>
+      </p:sp>
     </p:spTree>
     <p:extLst>
       <p:ext uri="{BB962C8B-B14F-4D97-AF65-F5344CB8AC3E}">
-        <p14:creationId xmlns:p14="http://schemas.microsoft.com/office/powerpoint/2010/main" val="1747186782"/>
+        <p14:creationId xmlns:p14="http://schemas.microsoft.com/office/powerpoint/2010/main" val="4266990460"/>
       </p:ext>
     </p:extLst>
   </p:cSld>
@@ -4851,13 +4735,6 @@
   <p:transition spd="slow">
     <p:cover/>
   </p:transition>
-  <p:timing>
-    <p:tnLst>
-      <p:par>
-        <p:cTn id="1" dur="indefinite" restart="never" nodeType="tmRoot"/>
-      </p:par>
-    </p:tnLst>
-  </p:timing>
 </p:sld>
 </file>
 
@@ -5478,7 +5355,7 @@
     </p:spTree>
     <p:extLst>
       <p:ext uri="{BB962C8B-B14F-4D97-AF65-F5344CB8AC3E}">
-        <p14:creationId xmlns:p14="http://schemas.microsoft.com/office/powerpoint/2010/main" val="3250147169"/>
+        <p14:creationId xmlns:p14="http://schemas.microsoft.com/office/powerpoint/2010/main" val="86518601"/>
       </p:ext>
     </p:extLst>
   </p:cSld>
@@ -5591,7 +5468,7 @@
           </a:lstStyle>
           <a:p>
             <a:r>
-              <a:rPr lang="ru-RU" sz="3600" dirty="0" smtClean="0">
+              <a:rPr lang="en-US" sz="3600" dirty="0">
                 <a:solidFill>
                   <a:schemeClr val="bg1"/>
                 </a:solidFill>
@@ -5599,16 +5476,8 @@
                 <a:ea typeface="Segoe UI" pitchFamily="34" charset="0"/>
                 <a:cs typeface="Segoe UI Light" panose="020B0502040204020203" pitchFamily="34" charset="0"/>
               </a:rPr>
-              <a:t>Тема курса</a:t>
-            </a:r>
-            <a:endParaRPr lang="en-US" sz="3600" dirty="0">
-              <a:solidFill>
-                <a:schemeClr val="bg1"/>
-              </a:solidFill>
-              <a:latin typeface="Segoe UI Light" panose="020B0502040204020203" pitchFamily="34" charset="0"/>
-              <a:ea typeface="Segoe UI" pitchFamily="34" charset="0"/>
-              <a:cs typeface="Segoe UI Light" panose="020B0502040204020203" pitchFamily="34" charset="0"/>
-            </a:endParaRPr>
+              <a:t>PHP Essential</a:t>
+            </a:r>
           </a:p>
         </p:txBody>
       </p:sp>
@@ -5620,7 +5489,7 @@
         </p:nvSpPr>
         <p:spPr>
           <a:xfrm>
-            <a:off x="3581400" y="2006439"/>
+            <a:off x="4907137" y="1915765"/>
             <a:ext cx="3703463" cy="677108"/>
           </a:xfrm>
           <a:prstGeom prst="rect">
@@ -5634,14 +5503,24 @@
           <a:lstStyle/>
           <a:p>
             <a:r>
-              <a:rPr lang="ru-RU" sz="2000" b="1" dirty="0" smtClean="0">
+              <a:rPr lang="ru-RU" sz="2000" b="1" dirty="0">
                 <a:solidFill>
                   <a:srgbClr val="D04E1D"/>
                 </a:solidFill>
                 <a:latin typeface="Segoe UI Light" panose="020B0502040204020203" pitchFamily="34" charset="0"/>
                 <a:cs typeface="Segoe UI Light" panose="020B0502040204020203" pitchFamily="34" charset="0"/>
               </a:rPr>
-              <a:t>Охрименко Дмитрий</a:t>
+              <a:t>Александр </a:t>
+            </a:r>
+            <a:r>
+              <a:rPr lang="ru-RU" sz="2000" b="1" dirty="0" err="1">
+                <a:solidFill>
+                  <a:srgbClr val="D04E1D"/>
+                </a:solidFill>
+                <a:latin typeface="Segoe UI Light" panose="020B0502040204020203" pitchFamily="34" charset="0"/>
+                <a:cs typeface="Segoe UI Light" panose="020B0502040204020203" pitchFamily="34" charset="0"/>
+              </a:rPr>
+              <a:t>Хонько</a:t>
             </a:r>
             <a:endParaRPr lang="ru-RU" sz="2000" b="1" dirty="0">
               <a:solidFill>
@@ -5660,7 +5539,7 @@
                 <a:latin typeface="Segoe UI Light" panose="020B0502040204020203" pitchFamily="34" charset="0"/>
                 <a:cs typeface="Segoe UI Light" panose="020B0502040204020203" pitchFamily="34" charset="0"/>
               </a:rPr>
-              <a:t>MCT</a:t>
+              <a:t>PHP Developer</a:t>
             </a:r>
           </a:p>
         </p:txBody>
@@ -5718,47 +5597,6 @@
       </p:sp>
       <p:sp>
         <p:nvSpPr>
-          <p:cNvPr id="12" name="Прямоугольник 1"/>
-          <p:cNvSpPr/>
-          <p:nvPr/>
-        </p:nvSpPr>
-        <p:spPr>
-          <a:xfrm>
-            <a:off x="9601200" y="4614446"/>
-            <a:ext cx="1447800" cy="338554"/>
-          </a:xfrm>
-          <a:prstGeom prst="rect">
-            <a:avLst/>
-          </a:prstGeom>
-        </p:spPr>
-        <p:txBody>
-          <a:bodyPr wrap="square">
-            <a:spAutoFit/>
-          </a:bodyPr>
-          <a:lstStyle/>
-          <a:p>
-            <a:r>
-              <a:rPr lang="en-US" sz="1600" dirty="0">
-                <a:solidFill>
-                  <a:srgbClr val="6E6E6E"/>
-                </a:solidFill>
-                <a:latin typeface="Segoe UI Light" panose="020B0502040204020203" pitchFamily="34" charset="0"/>
-                <a:cs typeface="Segoe UI Light" panose="020B0502040204020203" pitchFamily="34" charset="0"/>
-              </a:rPr>
-              <a:t>MCID: 9210561 </a:t>
-            </a:r>
-            <a:endParaRPr lang="ru-RU" sz="1600" dirty="0">
-              <a:solidFill>
-                <a:srgbClr val="6E6E6E"/>
-              </a:solidFill>
-              <a:latin typeface="Segoe UI Light" panose="020B0502040204020203" pitchFamily="34" charset="0"/>
-              <a:cs typeface="Segoe UI Light" panose="020B0502040204020203" pitchFamily="34" charset="0"/>
-            </a:endParaRPr>
-          </a:p>
-        </p:txBody>
-      </p:sp>
-      <p:sp>
-        <p:nvSpPr>
           <p:cNvPr id="16" name="Прямоугольник 15"/>
           <p:cNvSpPr/>
           <p:nvPr/>
@@ -5830,45 +5668,8 @@
                 <a:latin typeface="Segoe UI Light" panose="020B0502040204020203" pitchFamily="34" charset="0"/>
                 <a:cs typeface="Segoe UI Light" panose="020B0502040204020203" pitchFamily="34" charset="0"/>
               </a:rPr>
-              <a:t>Information Technology Video Developer </a:t>
-            </a:r>
-            <a:r>
-              <a:rPr lang="en-US" sz="1400" dirty="0" smtClean="0">
-                <a:solidFill>
-                  <a:schemeClr val="bg1"/>
-                </a:solidFill>
-                <a:latin typeface="Segoe UI Light" panose="020B0502040204020203" pitchFamily="34" charset="0"/>
-                <a:cs typeface="Segoe UI Light" panose="020B0502040204020203" pitchFamily="34" charset="0"/>
-              </a:rPr>
-              <a:t>Network                                                       http</a:t>
-            </a:r>
-            <a:r>
-              <a:rPr lang="en-US" sz="1400" dirty="0">
-                <a:solidFill>
-                  <a:schemeClr val="bg1"/>
-                </a:solidFill>
-                <a:latin typeface="Segoe UI Light" panose="020B0502040204020203" pitchFamily="34" charset="0"/>
-                <a:cs typeface="Segoe UI Light" panose="020B0502040204020203" pitchFamily="34" charset="0"/>
-              </a:rPr>
-              <a:t>://</a:t>
-            </a:r>
-            <a:r>
-              <a:rPr lang="en-US" sz="1400" dirty="0" smtClean="0">
-                <a:solidFill>
-                  <a:schemeClr val="bg1"/>
-                </a:solidFill>
-                <a:latin typeface="Segoe UI Light" panose="020B0502040204020203" pitchFamily="34" charset="0"/>
-                <a:cs typeface="Segoe UI Light" panose="020B0502040204020203" pitchFamily="34" charset="0"/>
-              </a:rPr>
-              <a:t>itvdn.com</a:t>
-            </a:r>
-            <a:endParaRPr lang="en-US" sz="1400" dirty="0">
-              <a:solidFill>
-                <a:schemeClr val="bg1"/>
-              </a:solidFill>
-              <a:latin typeface="Segoe UI Light" panose="020B0502040204020203" pitchFamily="34" charset="0"/>
-              <a:cs typeface="Segoe UI Light" panose="020B0502040204020203" pitchFamily="34" charset="0"/>
-            </a:endParaRPr>
+              <a:t>Information Technology Video Developer Network                                                       http://itvdn.com</a:t>
+            </a:r>
           </a:p>
         </p:txBody>
       </p:sp>
@@ -5894,7 +5695,7 @@
           <a:lstStyle/>
           <a:p>
             <a:r>
-              <a:rPr lang="en-US" sz="2000" dirty="0" smtClean="0">
+              <a:rPr lang="en-US" sz="2000" dirty="0">
                 <a:solidFill>
                   <a:schemeClr val="bg1"/>
                 </a:solidFill>
@@ -6220,38 +6021,117 @@
       </p:grpSp>
       <p:pic>
         <p:nvPicPr>
-          <p:cNvPr id="2" name="Picture 1"/>
+          <p:cNvPr id="22" name="Рисунок 21">
+            <a:hlinkClick r:id="rId3"/>
+          </p:cNvPr>
           <p:cNvPicPr>
             <a:picLocks noChangeAspect="1"/>
           </p:cNvPicPr>
           <p:nvPr/>
         </p:nvPicPr>
         <p:blipFill>
-          <a:blip r:embed="rId3"/>
+          <a:blip r:embed="rId4"/>
           <a:stretch>
             <a:fillRect/>
           </a:stretch>
         </p:blipFill>
         <p:spPr>
           <a:xfrm>
-            <a:off x="7522667" y="2124847"/>
-            <a:ext cx="3388478" cy="2388752"/>
+            <a:off x="4923884" y="3134288"/>
+            <a:ext cx="227184" cy="218512"/>
           </a:xfrm>
           <a:prstGeom prst="rect">
             <a:avLst/>
           </a:prstGeom>
         </p:spPr>
       </p:pic>
+      <p:sp>
+        <p:nvSpPr>
+          <p:cNvPr id="4" name="Прямоугольник 3"/>
+          <p:cNvSpPr/>
+          <p:nvPr/>
+        </p:nvSpPr>
+        <p:spPr>
+          <a:xfrm>
+            <a:off x="5135737" y="3039951"/>
+            <a:ext cx="1431995" cy="369332"/>
+          </a:xfrm>
+          <a:prstGeom prst="rect">
+            <a:avLst/>
+          </a:prstGeom>
+        </p:spPr>
+        <p:txBody>
+          <a:bodyPr wrap="none">
+            <a:spAutoFit/>
+          </a:bodyPr>
+          <a:lstStyle/>
+          <a:p>
+            <a:r>
+              <a:rPr lang="en-US" dirty="0" err="1">
+                <a:latin typeface="Segoe UI" panose="020B0502040204020203" pitchFamily="34" charset="0"/>
+                <a:cs typeface="Segoe UI" panose="020B0502040204020203" pitchFamily="34" charset="0"/>
+                <a:hlinkClick r:id="rId3"/>
+              </a:rPr>
+              <a:t>alex-khonko</a:t>
+            </a:r>
+            <a:endParaRPr lang="en-US" dirty="0">
+              <a:latin typeface="Segoe UI" panose="020B0502040204020203" pitchFamily="34" charset="0"/>
+              <a:cs typeface="Segoe UI" panose="020B0502040204020203" pitchFamily="34" charset="0"/>
+            </a:endParaRPr>
+          </a:p>
+        </p:txBody>
+      </p:sp>
       <p:pic>
         <p:nvPicPr>
-          <p:cNvPr id="19" name="Picture 18"/>
+          <p:cNvPr id="2" name="Picture 2" descr="Файл:PHP-logo.svg — Википедия"/>
+          <p:cNvPicPr>
+            <a:picLocks noChangeAspect="1" noChangeArrowheads="1"/>
+          </p:cNvPicPr>
+          <p:nvPr/>
+        </p:nvPicPr>
+        <p:blipFill>
+          <a:blip r:embed="rId5" cstate="print">
+            <a:extLst>
+              <a:ext uri="{28A0092B-C50C-407E-A947-70E740481C1C}">
+                <a14:useLocalDpi xmlns:a14="http://schemas.microsoft.com/office/drawing/2010/main" val="0"/>
+              </a:ext>
+            </a:extLst>
+          </a:blip>
+          <a:srcRect/>
+          <a:stretch>
+            <a:fillRect/>
+          </a:stretch>
+        </p:blipFill>
+        <p:spPr bwMode="auto">
+          <a:xfrm>
+            <a:off x="6858000" y="3467680"/>
+            <a:ext cx="2623694" cy="1416385"/>
+          </a:xfrm>
+          <a:prstGeom prst="rect">
+            <a:avLst/>
+          </a:prstGeom>
+          <a:noFill/>
+          <a:extLst>
+            <a:ext uri="{909E8E84-426E-40DD-AFC4-6F175D3DCCD1}">
+              <a14:hiddenFill xmlns:a14="http://schemas.microsoft.com/office/drawing/2010/main">
+                <a:solidFill>
+                  <a:srgbClr val="FFFFFF"/>
+                </a:solidFill>
+              </a14:hiddenFill>
+            </a:ext>
+          </a:extLst>
+        </p:spPr>
+      </p:pic>
+      <p:pic>
+        <p:nvPicPr>
+          <p:cNvPr id="17" name="Picture 2"/>
           <p:cNvPicPr>
             <a:picLocks noChangeAspect="1"/>
           </p:cNvPicPr>
           <p:nvPr/>
         </p:nvPicPr>
         <p:blipFill>
-          <a:blip r:embed="rId4" cstate="print">
+          <a:blip r:embed="rId6" cstate="print">
             <a:extLst>
               <a:ext uri="{28A0092B-C50C-407E-A947-70E740481C1C}">
                 <a14:useLocalDpi xmlns:a14="http://schemas.microsoft.com/office/drawing/2010/main" val="0"/>
@@ -6264,214 +6144,18 @@
         </p:blipFill>
         <p:spPr>
           <a:xfrm>
-            <a:off x="3698326" y="2781199"/>
-            <a:ext cx="237804" cy="193333"/>
+            <a:off x="2133600" y="2114591"/>
+            <a:ext cx="2209801" cy="2619777"/>
           </a:xfrm>
           <a:prstGeom prst="rect">
             <a:avLst/>
           </a:prstGeom>
         </p:spPr>
       </p:pic>
-      <p:sp>
-        <p:nvSpPr>
-          <p:cNvPr id="21" name="TextBox 20"/>
-          <p:cNvSpPr txBox="1"/>
-          <p:nvPr/>
-        </p:nvSpPr>
-        <p:spPr>
-          <a:xfrm>
-            <a:off x="3936130" y="2675804"/>
-            <a:ext cx="1491306" cy="369332"/>
-          </a:xfrm>
-          <a:prstGeom prst="rect">
-            <a:avLst/>
-          </a:prstGeom>
-          <a:noFill/>
-        </p:spPr>
-        <p:txBody>
-          <a:bodyPr wrap="none" rtlCol="0">
-            <a:spAutoFit/>
-          </a:bodyPr>
-          <a:lstStyle/>
-          <a:p>
-            <a:r>
-              <a:rPr lang="en-US" dirty="0" smtClean="0">
-                <a:latin typeface="Segoe UI" panose="020B0502040204020203" pitchFamily="34" charset="0"/>
-                <a:cs typeface="Segoe UI" panose="020B0502040204020203" pitchFamily="34" charset="0"/>
-              </a:rPr>
-              <a:t>_</a:t>
-            </a:r>
-            <a:r>
-              <a:rPr lang="en-US" dirty="0" err="1" smtClean="0">
-                <a:latin typeface="Segoe UI" panose="020B0502040204020203" pitchFamily="34" charset="0"/>
-                <a:cs typeface="Segoe UI" panose="020B0502040204020203" pitchFamily="34" charset="0"/>
-              </a:rPr>
-              <a:t>okhrimenko</a:t>
-            </a:r>
-            <a:endParaRPr lang="en-US" dirty="0">
-              <a:latin typeface="Segoe UI" panose="020B0502040204020203" pitchFamily="34" charset="0"/>
-              <a:cs typeface="Segoe UI" panose="020B0502040204020203" pitchFamily="34" charset="0"/>
-            </a:endParaRPr>
-          </a:p>
-        </p:txBody>
-      </p:sp>
-      <p:pic>
-        <p:nvPicPr>
-          <p:cNvPr id="5" name="Picture 4"/>
-          <p:cNvPicPr>
-            <a:picLocks noChangeAspect="1"/>
-          </p:cNvPicPr>
-          <p:nvPr/>
-        </p:nvPicPr>
-        <p:blipFill>
-          <a:blip r:embed="rId5" cstate="print">
-            <a:extLst>
-              <a:ext uri="{28A0092B-C50C-407E-A947-70E740481C1C}">
-                <a14:useLocalDpi xmlns:a14="http://schemas.microsoft.com/office/drawing/2010/main" val="0"/>
-              </a:ext>
-            </a:extLst>
-          </a:blip>
-          <a:stretch>
-            <a:fillRect/>
-          </a:stretch>
-        </p:blipFill>
-        <p:spPr>
-          <a:xfrm>
-            <a:off x="3709269" y="3112146"/>
-            <a:ext cx="188624" cy="188624"/>
-          </a:xfrm>
-          <a:prstGeom prst="rect">
-            <a:avLst/>
-          </a:prstGeom>
-        </p:spPr>
-      </p:pic>
-      <p:sp>
-        <p:nvSpPr>
-          <p:cNvPr id="9" name="Rectangle 8"/>
-          <p:cNvSpPr/>
-          <p:nvPr/>
-        </p:nvSpPr>
-        <p:spPr>
-          <a:xfrm>
-            <a:off x="3912067" y="3007958"/>
-            <a:ext cx="2148665" cy="369332"/>
-          </a:xfrm>
-          <a:prstGeom prst="rect">
-            <a:avLst/>
-          </a:prstGeom>
-        </p:spPr>
-        <p:txBody>
-          <a:bodyPr wrap="none">
-            <a:spAutoFit/>
-          </a:bodyPr>
-          <a:lstStyle/>
-          <a:p>
-            <a:r>
-              <a:rPr lang="en-US" dirty="0" err="1">
-                <a:latin typeface="Segoe UI" panose="020B0502040204020203" pitchFamily="34" charset="0"/>
-                <a:cs typeface="Segoe UI" panose="020B0502040204020203" pitchFamily="34" charset="0"/>
-              </a:rPr>
-              <a:t>dmitriy.okhrimenko</a:t>
-            </a:r>
-            <a:endParaRPr lang="en-US" dirty="0">
-              <a:latin typeface="Segoe UI" panose="020B0502040204020203" pitchFamily="34" charset="0"/>
-              <a:cs typeface="Segoe UI" panose="020B0502040204020203" pitchFamily="34" charset="0"/>
-            </a:endParaRPr>
-          </a:p>
-        </p:txBody>
-      </p:sp>
-      <p:pic>
-        <p:nvPicPr>
-          <p:cNvPr id="3" name="Picture 2"/>
-          <p:cNvPicPr>
-            <a:picLocks noChangeAspect="1"/>
-          </p:cNvPicPr>
-          <p:nvPr/>
-        </p:nvPicPr>
-        <p:blipFill rotWithShape="1">
-          <a:blip r:embed="rId6">
-            <a:extLst>
-              <a:ext uri="{28A0092B-C50C-407E-A947-70E740481C1C}">
-                <a14:useLocalDpi xmlns:a14="http://schemas.microsoft.com/office/drawing/2010/main" val="0"/>
-              </a:ext>
-            </a:extLst>
-          </a:blip>
-          <a:srcRect l="9272" r="8952"/>
-          <a:stretch/>
-        </p:blipFill>
-        <p:spPr>
-          <a:xfrm>
-            <a:off x="1238435" y="2133600"/>
-            <a:ext cx="2209801" cy="2702265"/>
-          </a:xfrm>
-          <a:prstGeom prst="rect">
-            <a:avLst/>
-          </a:prstGeom>
-        </p:spPr>
-      </p:pic>
-      <p:pic>
-        <p:nvPicPr>
-          <p:cNvPr id="22" name="Рисунок 21"/>
-          <p:cNvPicPr>
-            <a:picLocks noChangeAspect="1"/>
-          </p:cNvPicPr>
-          <p:nvPr/>
-        </p:nvPicPr>
-        <p:blipFill>
-          <a:blip r:embed="rId7"/>
-          <a:stretch>
-            <a:fillRect/>
-          </a:stretch>
-        </p:blipFill>
-        <p:spPr>
-          <a:xfrm>
-            <a:off x="3686040" y="3456430"/>
-            <a:ext cx="211853" cy="217150"/>
-          </a:xfrm>
-          <a:prstGeom prst="rect">
-            <a:avLst/>
-          </a:prstGeom>
-        </p:spPr>
-      </p:pic>
-      <p:sp>
-        <p:nvSpPr>
-          <p:cNvPr id="4" name="Прямоугольник 3"/>
-          <p:cNvSpPr/>
-          <p:nvPr/>
-        </p:nvSpPr>
-        <p:spPr>
-          <a:xfrm>
-            <a:off x="3897893" y="3377290"/>
-            <a:ext cx="2148665" cy="369332"/>
-          </a:xfrm>
-          <a:prstGeom prst="rect">
-            <a:avLst/>
-          </a:prstGeom>
-        </p:spPr>
-        <p:txBody>
-          <a:bodyPr wrap="none">
-            <a:spAutoFit/>
-          </a:bodyPr>
-          <a:lstStyle/>
-          <a:p>
-            <a:r>
-              <a:rPr lang="en-US" dirty="0" err="1">
-                <a:latin typeface="Segoe UI" panose="020B0502040204020203" pitchFamily="34" charset="0"/>
-                <a:cs typeface="Segoe UI" panose="020B0502040204020203" pitchFamily="34" charset="0"/>
-              </a:rPr>
-              <a:t>dmitriy.okhrimenko</a:t>
-            </a:r>
-            <a:endParaRPr lang="en-US" dirty="0">
-              <a:latin typeface="Segoe UI" panose="020B0502040204020203" pitchFamily="34" charset="0"/>
-              <a:cs typeface="Segoe UI" panose="020B0502040204020203" pitchFamily="34" charset="0"/>
-            </a:endParaRPr>
-          </a:p>
-        </p:txBody>
-      </p:sp>
     </p:spTree>
     <p:extLst>
       <p:ext uri="{BB962C8B-B14F-4D97-AF65-F5344CB8AC3E}">
-        <p14:creationId xmlns:p14="http://schemas.microsoft.com/office/powerpoint/2010/main" val="4167111920"/>
+        <p14:creationId xmlns:p14="http://schemas.microsoft.com/office/powerpoint/2010/main" val="3156985985"/>
       </p:ext>
     </p:extLst>
   </p:cSld>
@@ -6481,13 +6165,6 @@
   <p:transition spd="slow">
     <p:cover/>
   </p:transition>
-  <p:timing>
-    <p:tnLst>
-      <p:par>
-        <p:cTn id="1" dur="indefinite" restart="never" nodeType="tmRoot"/>
-      </p:par>
-    </p:tnLst>
-  </p:timing>
 </p:sld>
 </file>
 
@@ -6546,16 +6223,6 @@
             </a:lvl1pPr>
           </a:lstStyle>
           <a:p>
-            <a:r>
-              <a:rPr lang="ru-RU" sz="2800" dirty="0" smtClean="0">
-                <a:solidFill>
-                  <a:srgbClr val="D04E1D"/>
-                </a:solidFill>
-                <a:latin typeface="Segoe UI Light" panose="020B0502040204020203" pitchFamily="34" charset="0"/>
-                <a:cs typeface="Segoe UI Light" panose="020B0502040204020203" pitchFamily="34" charset="0"/>
-              </a:rPr>
-              <a:t>Тема урока</a:t>
-            </a:r>
             <a:endParaRPr lang="en-US" sz="2800" dirty="0">
               <a:solidFill>
                 <a:srgbClr val="D04E1D"/>
@@ -6639,45 +6306,8 @@
                 <a:latin typeface="Segoe UI Light" panose="020B0502040204020203" pitchFamily="34" charset="0"/>
                 <a:cs typeface="Segoe UI Light" panose="020B0502040204020203" pitchFamily="34" charset="0"/>
               </a:rPr>
-              <a:t>Information Technology Video Developer </a:t>
-            </a:r>
-            <a:r>
-              <a:rPr lang="en-US" sz="1400" dirty="0" smtClean="0">
-                <a:solidFill>
-                  <a:schemeClr val="bg1"/>
-                </a:solidFill>
-                <a:latin typeface="Segoe UI Light" panose="020B0502040204020203" pitchFamily="34" charset="0"/>
-                <a:cs typeface="Segoe UI Light" panose="020B0502040204020203" pitchFamily="34" charset="0"/>
-              </a:rPr>
-              <a:t>Network                                                       http</a:t>
-            </a:r>
-            <a:r>
-              <a:rPr lang="en-US" sz="1400" dirty="0">
-                <a:solidFill>
-                  <a:schemeClr val="bg1"/>
-                </a:solidFill>
-                <a:latin typeface="Segoe UI Light" panose="020B0502040204020203" pitchFamily="34" charset="0"/>
-                <a:cs typeface="Segoe UI Light" panose="020B0502040204020203" pitchFamily="34" charset="0"/>
-              </a:rPr>
-              <a:t>://</a:t>
-            </a:r>
-            <a:r>
-              <a:rPr lang="en-US" sz="1400" dirty="0" smtClean="0">
-                <a:solidFill>
-                  <a:schemeClr val="bg1"/>
-                </a:solidFill>
-                <a:latin typeface="Segoe UI Light" panose="020B0502040204020203" pitchFamily="34" charset="0"/>
-                <a:cs typeface="Segoe UI Light" panose="020B0502040204020203" pitchFamily="34" charset="0"/>
-              </a:rPr>
-              <a:t>itvdn.com</a:t>
-            </a:r>
-            <a:endParaRPr lang="en-US" sz="1400" dirty="0">
-              <a:solidFill>
-                <a:schemeClr val="bg1"/>
-              </a:solidFill>
-              <a:latin typeface="Segoe UI Light" panose="020B0502040204020203" pitchFamily="34" charset="0"/>
-              <a:cs typeface="Segoe UI Light" panose="020B0502040204020203" pitchFamily="34" charset="0"/>
-            </a:endParaRPr>
+              <a:t>Information Technology Video Developer Network                                                       http://itvdn.com</a:t>
+            </a:r>
           </a:p>
         </p:txBody>
       </p:sp>
@@ -6703,7 +6333,7 @@
           <a:lstStyle/>
           <a:p>
             <a:r>
-              <a:rPr lang="en-US" sz="2000" dirty="0" smtClean="0">
+              <a:rPr lang="en-US" sz="2000" dirty="0">
                 <a:solidFill>
                   <a:schemeClr val="bg1"/>
                 </a:solidFill>
@@ -7079,7 +6709,7 @@
         </p:nvSpPr>
         <p:spPr>
           <a:xfrm>
-            <a:off x="533400" y="1447800"/>
+            <a:off x="533400" y="1524000"/>
             <a:ext cx="11201400" cy="4419600"/>
           </a:xfrm>
           <a:prstGeom prst="rect">
@@ -7111,7 +6741,18 @@
           <a:lstStyle/>
           <a:p>
             <a:pPr algn="ctr"/>
-            <a:endParaRPr lang="ru-RU" sz="2800" dirty="0" smtClean="0">
+            <a:endParaRPr lang="ru-RU" sz="2800" dirty="0">
+              <a:solidFill>
+                <a:srgbClr val="D04E1D"/>
+              </a:solidFill>
+              <a:latin typeface="Segoe UI Light" panose="020B0502040204020203" pitchFamily="34" charset="0"/>
+              <a:ea typeface="+mj-ea"/>
+              <a:cs typeface="Segoe UI Light" panose="020B0502040204020203" pitchFamily="34" charset="0"/>
+            </a:endParaRPr>
+          </a:p>
+          <a:p>
+            <a:pPr algn="ctr"/>
+            <a:endParaRPr lang="en-US" sz="2800" dirty="0">
               <a:solidFill>
                 <a:srgbClr val="D04E1D"/>
               </a:solidFill>
@@ -7133,36 +6774,31 @@
           </a:p>
           <a:p>
             <a:pPr algn="ctr"/>
-            <a:endParaRPr lang="ru-RU" sz="2800" dirty="0" smtClean="0">
-              <a:solidFill>
-                <a:srgbClr val="D04E1D"/>
-              </a:solidFill>
-              <a:latin typeface="Segoe UI Light" panose="020B0502040204020203" pitchFamily="34" charset="0"/>
-              <a:ea typeface="+mj-ea"/>
-              <a:cs typeface="Segoe UI Light" panose="020B0502040204020203" pitchFamily="34" charset="0"/>
-            </a:endParaRPr>
-          </a:p>
-          <a:p>
-            <a:pPr algn="ctr"/>
-            <a:r>
-              <a:rPr lang="ru-RU" sz="2800" dirty="0" smtClean="0">
+            <a:r>
+              <a:rPr lang="ru-RU" sz="3600" dirty="0">
                 <a:solidFill>
                   <a:srgbClr val="D04E1D"/>
                 </a:solidFill>
-                <a:latin typeface="Segoe UI" panose="020B0502040204020203" pitchFamily="34" charset="0"/>
+                <a:latin typeface="Segoe UI Light" panose="020B0502040204020203" pitchFamily="34" charset="0"/>
                 <a:ea typeface="+mj-ea"/>
-                <a:cs typeface="Segoe UI" panose="020B0502040204020203" pitchFamily="34" charset="0"/>
+                <a:cs typeface="Segoe UI Light" panose="020B0502040204020203" pitchFamily="34" charset="0"/>
               </a:rPr>
-              <a:t>Название урока</a:t>
-            </a:r>
-            <a:endParaRPr lang="ru-RU" sz="2800" dirty="0">
-              <a:solidFill>
-                <a:srgbClr val="D04E1D"/>
-              </a:solidFill>
-              <a:latin typeface="Segoe UI" panose="020B0502040204020203" pitchFamily="34" charset="0"/>
-              <a:ea typeface="+mj-ea"/>
-              <a:cs typeface="Segoe UI" panose="020B0502040204020203" pitchFamily="34" charset="0"/>
-            </a:endParaRPr>
+              <a:t>Автозагрузка классов</a:t>
+            </a:r>
+          </a:p>
+          <a:p>
+            <a:pPr algn="ctr"/>
+            <a:r>
+              <a:rPr lang="ru-RU" sz="3600" dirty="0">
+                <a:solidFill>
+                  <a:srgbClr val="D04E1D"/>
+                </a:solidFill>
+                <a:latin typeface="Segoe UI Light" panose="020B0502040204020203" pitchFamily="34" charset="0"/>
+                <a:ea typeface="+mj-ea"/>
+                <a:cs typeface="Segoe UI Light" panose="020B0502040204020203" pitchFamily="34" charset="0"/>
+              </a:rPr>
+              <a:t>Пространства имён</a:t>
+            </a:r>
           </a:p>
         </p:txBody>
       </p:sp>
@@ -7205,7 +6841,7 @@
           </a:lstStyle>
           <a:p>
             <a:r>
-              <a:rPr lang="ru-RU" sz="3600" dirty="0" smtClean="0">
+              <a:rPr lang="en-US" sz="3600" dirty="0">
                 <a:solidFill>
                   <a:schemeClr val="bg1"/>
                 </a:solidFill>
@@ -7213,14 +6849,64 @@
                 <a:ea typeface="Segoe UI" pitchFamily="34" charset="0"/>
                 <a:cs typeface="Segoe UI Light" panose="020B0502040204020203" pitchFamily="34" charset="0"/>
               </a:rPr>
-              <a:t>Тема курса</a:t>
-            </a:r>
-            <a:endParaRPr lang="en-US" sz="3600" dirty="0">
+              <a:t>PHP Essentials</a:t>
+            </a:r>
+          </a:p>
+        </p:txBody>
+      </p:sp>
+      <p:sp>
+        <p:nvSpPr>
+          <p:cNvPr id="15" name="Заголовок 1"/>
+          <p:cNvSpPr txBox="1">
+            <a:spLocks/>
+          </p:cNvSpPr>
+          <p:nvPr/>
+        </p:nvSpPr>
+        <p:spPr>
+          <a:xfrm>
+            <a:off x="0" y="809049"/>
+            <a:ext cx="12192000" cy="563562"/>
+          </a:xfrm>
+          <a:prstGeom prst="rect">
+            <a:avLst/>
+          </a:prstGeom>
+        </p:spPr>
+        <p:txBody>
+          <a:bodyPr vert="horz" lIns="91440" tIns="45720" rIns="91440" bIns="45720" rtlCol="0" anchor="ctr">
+            <a:normAutofit/>
+          </a:bodyPr>
+          <a:lstStyle>
+            <a:lvl1pPr algn="ctr" defTabSz="914400" rtl="0" eaLnBrk="1" latinLnBrk="0" hangingPunct="1">
+              <a:spcBef>
+                <a:spcPct val="0"/>
+              </a:spcBef>
+              <a:buNone/>
+              <a:defRPr sz="4400" kern="1200">
+                <a:solidFill>
+                  <a:schemeClr val="tx1"/>
+                </a:solidFill>
+                <a:latin typeface="+mj-lt"/>
+                <a:ea typeface="+mj-ea"/>
+                <a:cs typeface="+mj-cs"/>
+              </a:defRPr>
+            </a:lvl1pPr>
+          </a:lstStyle>
+          <a:p>
+            <a:r>
+              <a:rPr lang="ru-RU" sz="2800" dirty="0">
+                <a:solidFill>
+                  <a:srgbClr val="D04E1D"/>
+                </a:solidFill>
+                <a:latin typeface="Segoe UI Light" panose="020B0502040204020203" pitchFamily="34" charset="0"/>
+                <a:cs typeface="Segoe UI Light" panose="020B0502040204020203" pitchFamily="34" charset="0"/>
+              </a:rPr>
+              <a:t>Тема урока</a:t>
+            </a:r>
+            <a:endParaRPr lang="en-US" sz="2800" dirty="0">
               <a:solidFill>
-                <a:schemeClr val="bg1"/>
+                <a:srgbClr val="D04E1D"/>
               </a:solidFill>
               <a:latin typeface="Segoe UI Light" panose="020B0502040204020203" pitchFamily="34" charset="0"/>
-              <a:ea typeface="Segoe UI" pitchFamily="34" charset="0"/>
               <a:cs typeface="Segoe UI Light" panose="020B0502040204020203" pitchFamily="34" charset="0"/>
             </a:endParaRPr>
           </a:p>
@@ -7239,13 +6925,6 @@
   <p:transition spd="slow">
     <p:cover/>
   </p:transition>
-  <p:timing>
-    <p:tnLst>
-      <p:par>
-        <p:cTn id="1" dur="indefinite" restart="never" nodeType="tmRoot"/>
-      </p:par>
-    </p:tnLst>
-  </p:timing>
 </p:sld>
 </file>
 
@@ -7305,7 +6984,7 @@
           </a:lstStyle>
           <a:p>
             <a:r>
-              <a:rPr lang="ru-RU" sz="2800" dirty="0" smtClean="0">
+              <a:rPr lang="ru-RU" sz="2800" dirty="0">
                 <a:solidFill>
                   <a:srgbClr val="D04E1D"/>
                 </a:solidFill>
@@ -7397,45 +7076,8 @@
                 <a:latin typeface="Segoe UI Light" panose="020B0502040204020203" pitchFamily="34" charset="0"/>
                 <a:cs typeface="Segoe UI Light" panose="020B0502040204020203" pitchFamily="34" charset="0"/>
               </a:rPr>
-              <a:t>Information Technology Video Developer </a:t>
-            </a:r>
-            <a:r>
-              <a:rPr lang="en-US" sz="1400" dirty="0" smtClean="0">
-                <a:solidFill>
-                  <a:schemeClr val="bg1"/>
-                </a:solidFill>
-                <a:latin typeface="Segoe UI Light" panose="020B0502040204020203" pitchFamily="34" charset="0"/>
-                <a:cs typeface="Segoe UI Light" panose="020B0502040204020203" pitchFamily="34" charset="0"/>
-              </a:rPr>
-              <a:t>Network                                                       http</a:t>
-            </a:r>
-            <a:r>
-              <a:rPr lang="en-US" sz="1400" dirty="0">
-                <a:solidFill>
-                  <a:schemeClr val="bg1"/>
-                </a:solidFill>
-                <a:latin typeface="Segoe UI Light" panose="020B0502040204020203" pitchFamily="34" charset="0"/>
-                <a:cs typeface="Segoe UI Light" panose="020B0502040204020203" pitchFamily="34" charset="0"/>
-              </a:rPr>
-              <a:t>://</a:t>
-            </a:r>
-            <a:r>
-              <a:rPr lang="en-US" sz="1400" dirty="0" smtClean="0">
-                <a:solidFill>
-                  <a:schemeClr val="bg1"/>
-                </a:solidFill>
-                <a:latin typeface="Segoe UI Light" panose="020B0502040204020203" pitchFamily="34" charset="0"/>
-                <a:cs typeface="Segoe UI Light" panose="020B0502040204020203" pitchFamily="34" charset="0"/>
-              </a:rPr>
-              <a:t>itvdn.com</a:t>
-            </a:r>
-            <a:endParaRPr lang="en-US" sz="1400" dirty="0">
-              <a:solidFill>
-                <a:schemeClr val="bg1"/>
-              </a:solidFill>
-              <a:latin typeface="Segoe UI Light" panose="020B0502040204020203" pitchFamily="34" charset="0"/>
-              <a:cs typeface="Segoe UI Light" panose="020B0502040204020203" pitchFamily="34" charset="0"/>
-            </a:endParaRPr>
+              <a:t>Information Technology Video Developer Network                                                       http://itvdn.com</a:t>
+            </a:r>
           </a:p>
         </p:txBody>
       </p:sp>
@@ -7461,7 +7103,7 @@
           <a:lstStyle/>
           <a:p>
             <a:r>
-              <a:rPr lang="en-US" sz="2000" dirty="0" smtClean="0">
+              <a:rPr lang="en-US" sz="2000" dirty="0">
                 <a:solidFill>
                   <a:schemeClr val="bg1"/>
                 </a:solidFill>
@@ -7868,7 +7510,7 @@
           </a:lstStyle>
           <a:p>
             <a:r>
-              <a:rPr lang="ru-RU" sz="3600" dirty="0" smtClean="0">
+              <a:rPr lang="en-US" sz="3600" dirty="0">
                 <a:solidFill>
                   <a:schemeClr val="bg1"/>
                 </a:solidFill>
@@ -7876,16 +7518,8 @@
                 <a:ea typeface="Segoe UI" pitchFamily="34" charset="0"/>
                 <a:cs typeface="Segoe UI Light" panose="020B0502040204020203" pitchFamily="34" charset="0"/>
               </a:rPr>
-              <a:t>Тема курса</a:t>
-            </a:r>
-            <a:endParaRPr lang="en-US" sz="3600" dirty="0">
-              <a:solidFill>
-                <a:schemeClr val="bg1"/>
-              </a:solidFill>
-              <a:latin typeface="Segoe UI Light" panose="020B0502040204020203" pitchFamily="34" charset="0"/>
-              <a:ea typeface="Segoe UI" pitchFamily="34" charset="0"/>
-              <a:cs typeface="Segoe UI Light" panose="020B0502040204020203" pitchFamily="34" charset="0"/>
-            </a:endParaRPr>
+              <a:t>PHP Essentials</a:t>
+            </a:r>
           </a:p>
         </p:txBody>
       </p:sp>
@@ -7897,8 +7531,8 @@
         </p:nvSpPr>
         <p:spPr>
           <a:xfrm>
-            <a:off x="1066800" y="2209800"/>
-            <a:ext cx="6400800" cy="1809750"/>
+            <a:off x="1230254" y="1811927"/>
+            <a:ext cx="6400800" cy="3524250"/>
           </a:xfrm>
           <a:prstGeom prst="rect">
             <a:avLst/>
@@ -7928,76 +7562,37 @@
           <a:bodyPr rtlCol="0" anchor="t"/>
           <a:lstStyle/>
           <a:p>
-            <a:r>
-              <a:rPr lang="ru-RU" dirty="0" smtClean="0">
+            <a:pPr marL="342900" indent="-342900">
+              <a:buFont typeface="+mj-lt"/>
+              <a:buAutoNum type="arabicPeriod"/>
+            </a:pPr>
+            <a:r>
+              <a:rPr lang="ru-RU" dirty="0">
                 <a:solidFill>
                   <a:schemeClr val="tx1"/>
                 </a:solidFill>
                 <a:latin typeface="Segoe UI" panose="020B0502040204020203" pitchFamily="34" charset="0"/>
                 <a:cs typeface="Segoe UI" panose="020B0502040204020203" pitchFamily="34" charset="0"/>
               </a:rPr>
-              <a:t>1.</a:t>
-            </a:r>
-            <a:endParaRPr lang="en-US" dirty="0" smtClean="0">
-              <a:solidFill>
-                <a:schemeClr val="tx1"/>
-              </a:solidFill>
-              <a:latin typeface="Segoe UI" panose="020B0502040204020203" pitchFamily="34" charset="0"/>
-              <a:cs typeface="Segoe UI" panose="020B0502040204020203" pitchFamily="34" charset="0"/>
-            </a:endParaRPr>
-          </a:p>
-          <a:p>
-            <a:r>
-              <a:rPr lang="ru-RU" dirty="0" smtClean="0">
+              <a:t>Автозагрузка классов</a:t>
+            </a:r>
+          </a:p>
+          <a:p>
+            <a:pPr marL="342900" indent="-342900">
+              <a:buFont typeface="+mj-lt"/>
+              <a:buAutoNum type="arabicPeriod"/>
+            </a:pPr>
+            <a:r>
+              <a:rPr lang="ru-RU" dirty="0">
                 <a:solidFill>
                   <a:schemeClr val="tx1"/>
                 </a:solidFill>
                 <a:latin typeface="Segoe UI" panose="020B0502040204020203" pitchFamily="34" charset="0"/>
                 <a:cs typeface="Segoe UI" panose="020B0502040204020203" pitchFamily="34" charset="0"/>
               </a:rPr>
-              <a:t>2.</a:t>
-            </a:r>
-            <a:endParaRPr lang="en-US" dirty="0" smtClean="0">
-              <a:solidFill>
-                <a:schemeClr val="tx1"/>
-              </a:solidFill>
-              <a:latin typeface="Segoe UI" panose="020B0502040204020203" pitchFamily="34" charset="0"/>
-              <a:cs typeface="Segoe UI" panose="020B0502040204020203" pitchFamily="34" charset="0"/>
-            </a:endParaRPr>
-          </a:p>
-          <a:p>
-            <a:r>
-              <a:rPr lang="ru-RU" dirty="0" smtClean="0">
-                <a:solidFill>
-                  <a:schemeClr val="tx1"/>
-                </a:solidFill>
-                <a:latin typeface="Segoe UI" panose="020B0502040204020203" pitchFamily="34" charset="0"/>
-                <a:cs typeface="Segoe UI" panose="020B0502040204020203" pitchFamily="34" charset="0"/>
-              </a:rPr>
-              <a:t>3.</a:t>
-            </a:r>
-            <a:endParaRPr lang="en-US" dirty="0" smtClean="0">
-              <a:solidFill>
-                <a:schemeClr val="tx1"/>
-              </a:solidFill>
-              <a:latin typeface="Segoe UI" panose="020B0502040204020203" pitchFamily="34" charset="0"/>
-              <a:cs typeface="Segoe UI" panose="020B0502040204020203" pitchFamily="34" charset="0"/>
-            </a:endParaRPr>
-          </a:p>
-          <a:p>
-            <a:r>
-              <a:rPr lang="en-US" dirty="0" smtClean="0">
-                <a:solidFill>
-                  <a:schemeClr val="tx1"/>
-                </a:solidFill>
-                <a:latin typeface="Segoe UI" panose="020B0502040204020203" pitchFamily="34" charset="0"/>
-                <a:cs typeface="Segoe UI" panose="020B0502040204020203" pitchFamily="34" charset="0"/>
-              </a:rPr>
-              <a:t>4.</a:t>
-            </a:r>
-          </a:p>
-          <a:p>
-            <a:endParaRPr lang="en-US" dirty="0" smtClean="0">
+              <a:t>Пространства имён</a:t>
+            </a:r>
+            <a:endParaRPr lang="en-US" dirty="0">
               <a:solidFill>
                 <a:schemeClr val="tx1"/>
               </a:solidFill>
@@ -8029,232 +7624,6 @@
   <p:transition spd="slow">
     <p:cover/>
   </p:transition>
-  <p:timing>
-    <p:tnLst>
-      <p:par>
-        <p:cTn id="1" dur="indefinite" restart="never" nodeType="tmRoot">
-          <p:childTnLst>
-            <p:seq concurrent="1" nextAc="seek">
-              <p:cTn id="2" dur="indefinite" nodeType="mainSeq">
-                <p:childTnLst>
-                  <p:par>
-                    <p:cTn id="3" fill="hold">
-                      <p:stCondLst>
-                        <p:cond delay="indefinite"/>
-                      </p:stCondLst>
-                      <p:childTnLst>
-                        <p:par>
-                          <p:cTn id="4" fill="hold">
-                            <p:stCondLst>
-                              <p:cond delay="0"/>
-                            </p:stCondLst>
-                            <p:childTnLst>
-                              <p:par>
-                                <p:cTn id="5" presetID="1" presetClass="entr" presetSubtype="0" fill="hold" nodeType="clickEffect">
-                                  <p:stCondLst>
-                                    <p:cond delay="0"/>
-                                  </p:stCondLst>
-                                  <p:childTnLst>
-                                    <p:set>
-                                      <p:cBhvr>
-                                        <p:cTn id="6" dur="1" fill="hold">
-                                          <p:stCondLst>
-                                            <p:cond delay="0"/>
-                                          </p:stCondLst>
-                                        </p:cTn>
-                                        <p:tgtEl>
-                                          <p:spTgt spid="2">
-                                            <p:txEl>
-                                              <p:pRg st="0" end="0"/>
-                                            </p:txEl>
-                                          </p:spTgt>
-                                        </p:tgtEl>
-                                        <p:attrNameLst>
-                                          <p:attrName>style.visibility</p:attrName>
-                                        </p:attrNameLst>
-                                      </p:cBhvr>
-                                      <p:to>
-                                        <p:strVal val="visible"/>
-                                      </p:to>
-                                    </p:set>
-                                  </p:childTnLst>
-                                </p:cTn>
-                              </p:par>
-                            </p:childTnLst>
-                          </p:cTn>
-                        </p:par>
-                      </p:childTnLst>
-                    </p:cTn>
-                  </p:par>
-                  <p:par>
-                    <p:cTn id="7" fill="hold">
-                      <p:stCondLst>
-                        <p:cond delay="indefinite"/>
-                      </p:stCondLst>
-                      <p:childTnLst>
-                        <p:par>
-                          <p:cTn id="8" fill="hold">
-                            <p:stCondLst>
-                              <p:cond delay="0"/>
-                            </p:stCondLst>
-                            <p:childTnLst>
-                              <p:par>
-                                <p:cTn id="9" presetID="1" presetClass="entr" presetSubtype="0" fill="hold" nodeType="clickEffect">
-                                  <p:stCondLst>
-                                    <p:cond delay="0"/>
-                                  </p:stCondLst>
-                                  <p:childTnLst>
-                                    <p:set>
-                                      <p:cBhvr>
-                                        <p:cTn id="10" dur="1" fill="hold">
-                                          <p:stCondLst>
-                                            <p:cond delay="0"/>
-                                          </p:stCondLst>
-                                        </p:cTn>
-                                        <p:tgtEl>
-                                          <p:spTgt spid="2">
-                                            <p:txEl>
-                                              <p:pRg st="1" end="1"/>
-                                            </p:txEl>
-                                          </p:spTgt>
-                                        </p:tgtEl>
-                                        <p:attrNameLst>
-                                          <p:attrName>style.visibility</p:attrName>
-                                        </p:attrNameLst>
-                                      </p:cBhvr>
-                                      <p:to>
-                                        <p:strVal val="visible"/>
-                                      </p:to>
-                                    </p:set>
-                                  </p:childTnLst>
-                                </p:cTn>
-                              </p:par>
-                            </p:childTnLst>
-                          </p:cTn>
-                        </p:par>
-                      </p:childTnLst>
-                    </p:cTn>
-                  </p:par>
-                  <p:par>
-                    <p:cTn id="11" fill="hold">
-                      <p:stCondLst>
-                        <p:cond delay="indefinite"/>
-                      </p:stCondLst>
-                      <p:childTnLst>
-                        <p:par>
-                          <p:cTn id="12" fill="hold">
-                            <p:stCondLst>
-                              <p:cond delay="0"/>
-                            </p:stCondLst>
-                            <p:childTnLst>
-                              <p:par>
-                                <p:cTn id="13" presetID="1" presetClass="entr" presetSubtype="0" fill="hold" nodeType="clickEffect">
-                                  <p:stCondLst>
-                                    <p:cond delay="0"/>
-                                  </p:stCondLst>
-                                  <p:childTnLst>
-                                    <p:set>
-                                      <p:cBhvr>
-                                        <p:cTn id="14" dur="1" fill="hold">
-                                          <p:stCondLst>
-                                            <p:cond delay="0"/>
-                                          </p:stCondLst>
-                                        </p:cTn>
-                                        <p:tgtEl>
-                                          <p:spTgt spid="2">
-                                            <p:txEl>
-                                              <p:pRg st="2" end="2"/>
-                                            </p:txEl>
-                                          </p:spTgt>
-                                        </p:tgtEl>
-                                        <p:attrNameLst>
-                                          <p:attrName>style.visibility</p:attrName>
-                                        </p:attrNameLst>
-                                      </p:cBhvr>
-                                      <p:to>
-                                        <p:strVal val="visible"/>
-                                      </p:to>
-                                    </p:set>
-                                  </p:childTnLst>
-                                </p:cTn>
-                              </p:par>
-                            </p:childTnLst>
-                          </p:cTn>
-                        </p:par>
-                      </p:childTnLst>
-                    </p:cTn>
-                  </p:par>
-                  <p:par>
-                    <p:cTn id="15" fill="hold">
-                      <p:stCondLst>
-                        <p:cond delay="indefinite"/>
-                      </p:stCondLst>
-                      <p:childTnLst>
-                        <p:par>
-                          <p:cTn id="16" fill="hold">
-                            <p:stCondLst>
-                              <p:cond delay="0"/>
-                            </p:stCondLst>
-                            <p:childTnLst>
-                              <p:par>
-                                <p:cTn id="17" presetID="1" presetClass="entr" presetSubtype="0" fill="hold" nodeType="clickEffect">
-                                  <p:stCondLst>
-                                    <p:cond delay="0"/>
-                                  </p:stCondLst>
-                                  <p:childTnLst>
-                                    <p:set>
-                                      <p:cBhvr>
-                                        <p:cTn id="18" dur="1" fill="hold">
-                                          <p:stCondLst>
-                                            <p:cond delay="0"/>
-                                          </p:stCondLst>
-                                        </p:cTn>
-                                        <p:tgtEl>
-                                          <p:spTgt spid="2">
-                                            <p:txEl>
-                                              <p:pRg st="3" end="3"/>
-                                            </p:txEl>
-                                          </p:spTgt>
-                                        </p:tgtEl>
-                                        <p:attrNameLst>
-                                          <p:attrName>style.visibility</p:attrName>
-                                        </p:attrNameLst>
-                                      </p:cBhvr>
-                                      <p:to>
-                                        <p:strVal val="visible"/>
-                                      </p:to>
-                                    </p:set>
-                                  </p:childTnLst>
-                                </p:cTn>
-                              </p:par>
-                            </p:childTnLst>
-                          </p:cTn>
-                        </p:par>
-                      </p:childTnLst>
-                    </p:cTn>
-                  </p:par>
-                </p:childTnLst>
-              </p:cTn>
-              <p:prevCondLst>
-                <p:cond evt="onPrev" delay="0">
-                  <p:tgtEl>
-                    <p:sldTgt/>
-                  </p:tgtEl>
-                </p:cond>
-              </p:prevCondLst>
-              <p:nextCondLst>
-                <p:cond evt="onNext" delay="0">
-                  <p:tgtEl>
-                    <p:sldTgt/>
-                  </p:tgtEl>
-                </p:cond>
-              </p:nextCondLst>
-            </p:seq>
-          </p:childTnLst>
-        </p:cTn>
-      </p:par>
-    </p:tnLst>
-  </p:timing>
 </p:sld>
 </file>
 
@@ -8314,24 +7683,14 @@
           </a:lstStyle>
           <a:p>
             <a:r>
-              <a:rPr lang="uk-UA" sz="2800" dirty="0" err="1" smtClean="0">
+              <a:rPr lang="ru-RU" sz="2800" dirty="0">
                 <a:solidFill>
                   <a:srgbClr val="D04E1D"/>
                 </a:solidFill>
                 <a:latin typeface="Segoe UI Light" panose="020B0502040204020203" pitchFamily="34" charset="0"/>
                 <a:cs typeface="Segoe UI Light" panose="020B0502040204020203" pitchFamily="34" charset="0"/>
               </a:rPr>
-              <a:t>Подзаголовок</a:t>
-            </a:r>
-            <a:r>
-              <a:rPr lang="uk-UA" sz="2800" dirty="0" smtClean="0">
-                <a:solidFill>
-                  <a:srgbClr val="D04E1D"/>
-                </a:solidFill>
-                <a:latin typeface="Segoe UI Light" panose="020B0502040204020203" pitchFamily="34" charset="0"/>
-                <a:cs typeface="Segoe UI Light" panose="020B0502040204020203" pitchFamily="34" charset="0"/>
-              </a:rPr>
-              <a:t> слайда</a:t>
+              <a:t>Автозагрузка</a:t>
             </a:r>
             <a:endParaRPr lang="en-US" sz="2800" dirty="0">
               <a:solidFill>
@@ -8383,10 +7742,7 @@
           <a:lstStyle/>
           <a:p>
             <a:pPr algn="ctr"/>
-            <a:endParaRPr lang="en-US">
-              <a:latin typeface="Segoe UI Light" panose="020B0502040204020203" pitchFamily="34" charset="0"/>
-              <a:cs typeface="Segoe UI Light" panose="020B0502040204020203" pitchFamily="34" charset="0"/>
-            </a:endParaRPr>
+            <a:endParaRPr lang="en-US"/>
           </a:p>
         </p:txBody>
       </p:sp>
@@ -8419,45 +7775,8 @@
                 <a:latin typeface="Segoe UI Light" panose="020B0502040204020203" pitchFamily="34" charset="0"/>
                 <a:cs typeface="Segoe UI Light" panose="020B0502040204020203" pitchFamily="34" charset="0"/>
               </a:rPr>
-              <a:t>Information Technology Video Developer </a:t>
-            </a:r>
-            <a:r>
-              <a:rPr lang="en-US" sz="1400" dirty="0" smtClean="0">
-                <a:solidFill>
-                  <a:schemeClr val="bg1"/>
-                </a:solidFill>
-                <a:latin typeface="Segoe UI Light" panose="020B0502040204020203" pitchFamily="34" charset="0"/>
-                <a:cs typeface="Segoe UI Light" panose="020B0502040204020203" pitchFamily="34" charset="0"/>
-              </a:rPr>
-              <a:t>Network                                                       http</a:t>
-            </a:r>
-            <a:r>
-              <a:rPr lang="en-US" sz="1400" dirty="0">
-                <a:solidFill>
-                  <a:schemeClr val="bg1"/>
-                </a:solidFill>
-                <a:latin typeface="Segoe UI Light" panose="020B0502040204020203" pitchFamily="34" charset="0"/>
-                <a:cs typeface="Segoe UI Light" panose="020B0502040204020203" pitchFamily="34" charset="0"/>
-              </a:rPr>
-              <a:t>://</a:t>
-            </a:r>
-            <a:r>
-              <a:rPr lang="en-US" sz="1400" dirty="0" smtClean="0">
-                <a:solidFill>
-                  <a:schemeClr val="bg1"/>
-                </a:solidFill>
-                <a:latin typeface="Segoe UI Light" panose="020B0502040204020203" pitchFamily="34" charset="0"/>
-                <a:cs typeface="Segoe UI Light" panose="020B0502040204020203" pitchFamily="34" charset="0"/>
-              </a:rPr>
-              <a:t>itvdn.com</a:t>
-            </a:r>
-            <a:endParaRPr lang="en-US" sz="1400" dirty="0">
-              <a:solidFill>
-                <a:schemeClr val="bg1"/>
-              </a:solidFill>
-              <a:latin typeface="Segoe UI Light" panose="020B0502040204020203" pitchFamily="34" charset="0"/>
-              <a:cs typeface="Segoe UI Light" panose="020B0502040204020203" pitchFamily="34" charset="0"/>
-            </a:endParaRPr>
+              <a:t>Information Technology Video Developer Network                                                       http://itvdn.com</a:t>
+            </a:r>
           </a:p>
         </p:txBody>
       </p:sp>
@@ -8483,7 +7802,7 @@
           <a:lstStyle/>
           <a:p>
             <a:r>
-              <a:rPr lang="en-US" sz="2000" dirty="0" smtClean="0">
+              <a:rPr lang="en-US" sz="2000" dirty="0">
                 <a:solidFill>
                   <a:schemeClr val="bg1"/>
                 </a:solidFill>
@@ -8492,10 +7811,7 @@
               </a:rPr>
               <a:t>ITVDN</a:t>
             </a:r>
-            <a:endParaRPr lang="en-US" sz="2000" dirty="0">
-              <a:latin typeface="Segoe UI Light" panose="020B0502040204020203" pitchFamily="34" charset="0"/>
-              <a:cs typeface="Segoe UI Light" panose="020B0502040204020203" pitchFamily="34" charset="0"/>
-            </a:endParaRPr>
+            <a:endParaRPr lang="en-US" sz="2000" dirty="0"/>
           </a:p>
         </p:txBody>
       </p:sp>
@@ -8656,10 +7972,7 @@
             <a:lstStyle/>
             <a:p>
               <a:pPr algn="ctr"/>
-              <a:endParaRPr lang="en-US">
-                <a:latin typeface="Segoe UI Light" panose="020B0502040204020203" pitchFamily="34" charset="0"/>
-                <a:cs typeface="Segoe UI Light" panose="020B0502040204020203" pitchFamily="34" charset="0"/>
-              </a:endParaRPr>
+              <a:endParaRPr lang="en-US"/>
             </a:p>
           </p:txBody>
         </p:sp>
@@ -8808,10 +8121,7 @@
             <a:lstStyle/>
             <a:p>
               <a:pPr algn="ctr"/>
-              <a:endParaRPr lang="en-US">
-                <a:latin typeface="Segoe UI Light" panose="020B0502040204020203" pitchFamily="34" charset="0"/>
-                <a:cs typeface="Segoe UI Light" panose="020B0502040204020203" pitchFamily="34" charset="0"/>
-              </a:endParaRPr>
+              <a:endParaRPr lang="en-US"/>
             </a:p>
           </p:txBody>
         </p:sp>
@@ -8856,762 +8166,13 @@
           <a:lstStyle/>
           <a:p>
             <a:pPr algn="ctr"/>
-            <a:endParaRPr lang="en-US">
-              <a:latin typeface="Segoe UI Light" panose="020B0502040204020203" pitchFamily="34" charset="0"/>
-              <a:cs typeface="Segoe UI Light" panose="020B0502040204020203" pitchFamily="34" charset="0"/>
-            </a:endParaRPr>
-          </a:p>
-        </p:txBody>
-      </p:sp>
-      <p:sp>
-        <p:nvSpPr>
-          <p:cNvPr id="2" name="Rectangle 1"/>
-          <p:cNvSpPr/>
-          <p:nvPr/>
-        </p:nvSpPr>
-        <p:spPr>
-          <a:xfrm>
-            <a:off x="533400" y="1447800"/>
-            <a:ext cx="11201400" cy="4419600"/>
-          </a:xfrm>
-          <a:prstGeom prst="rect">
-            <a:avLst/>
-          </a:prstGeom>
-          <a:noFill/>
-          <a:ln>
-            <a:noFill/>
-          </a:ln>
-        </p:spPr>
-        <p:style>
-          <a:lnRef idx="2">
-            <a:schemeClr val="accent1">
-              <a:shade val="50000"/>
-            </a:schemeClr>
-          </a:lnRef>
-          <a:fillRef idx="1">
-            <a:schemeClr val="accent1"/>
-          </a:fillRef>
-          <a:effectRef idx="0">
-            <a:schemeClr val="accent1"/>
-          </a:effectRef>
-          <a:fontRef idx="minor">
-            <a:schemeClr val="lt1"/>
-          </a:fontRef>
-        </p:style>
-        <p:txBody>
-          <a:bodyPr rtlCol="0" anchor="t"/>
-          <a:lstStyle/>
-          <a:p>
-            <a:endParaRPr lang="en-US" dirty="0">
-              <a:solidFill>
-                <a:schemeClr val="tx1"/>
-              </a:solidFill>
-              <a:latin typeface="Segoe UI Light" panose="020B0502040204020203" pitchFamily="34" charset="0"/>
-              <a:cs typeface="Segoe UI Light" panose="020B0502040204020203" pitchFamily="34" charset="0"/>
-            </a:endParaRPr>
-          </a:p>
-        </p:txBody>
-      </p:sp>
-      <p:grpSp>
-        <p:nvGrpSpPr>
-          <p:cNvPr id="5" name="Group 4"/>
-          <p:cNvGrpSpPr/>
-          <p:nvPr/>
-        </p:nvGrpSpPr>
-        <p:grpSpPr>
-          <a:xfrm>
-            <a:off x="5410200" y="1524000"/>
-            <a:ext cx="5867400" cy="4139916"/>
-            <a:chOff x="3124200" y="1575084"/>
-            <a:chExt cx="5867400" cy="4139916"/>
-          </a:xfrm>
-        </p:grpSpPr>
-        <p:sp>
-          <p:nvSpPr>
-            <p:cNvPr id="3" name="Oval 2"/>
-            <p:cNvSpPr/>
-            <p:nvPr/>
-          </p:nvSpPr>
-          <p:spPr>
-            <a:xfrm>
-              <a:off x="3124200" y="3886200"/>
-              <a:ext cx="1828800" cy="1828800"/>
-            </a:xfrm>
-            <a:prstGeom prst="ellipse">
-              <a:avLst/>
-            </a:prstGeom>
-          </p:spPr>
-          <p:style>
-            <a:lnRef idx="1">
-              <a:schemeClr val="accent3"/>
-            </a:lnRef>
-            <a:fillRef idx="2">
-              <a:schemeClr val="accent3"/>
-            </a:fillRef>
-            <a:effectRef idx="1">
-              <a:schemeClr val="accent3"/>
-            </a:effectRef>
-            <a:fontRef idx="minor">
-              <a:schemeClr val="dk1"/>
-            </a:fontRef>
-          </p:style>
-          <p:txBody>
-            <a:bodyPr rtlCol="0" anchor="ctr"/>
-            <a:lstStyle/>
-            <a:p>
-              <a:pPr algn="ctr"/>
-              <a:r>
-                <a:rPr lang="en-US" dirty="0" smtClean="0">
-                  <a:latin typeface="Segoe UI" panose="020B0502040204020203" pitchFamily="34" charset="0"/>
-                  <a:cs typeface="Segoe UI" panose="020B0502040204020203" pitchFamily="34" charset="0"/>
-                </a:rPr>
-                <a:t>Model</a:t>
-              </a:r>
-              <a:endParaRPr lang="en-US" dirty="0">
-                <a:latin typeface="Segoe UI" panose="020B0502040204020203" pitchFamily="34" charset="0"/>
-                <a:cs typeface="Segoe UI" panose="020B0502040204020203" pitchFamily="34" charset="0"/>
-              </a:endParaRPr>
-            </a:p>
-          </p:txBody>
-        </p:sp>
-        <p:sp>
-          <p:nvSpPr>
-            <p:cNvPr id="15" name="Oval 14"/>
-            <p:cNvSpPr/>
-            <p:nvPr/>
-          </p:nvSpPr>
-          <p:spPr>
-            <a:xfrm>
-              <a:off x="7162800" y="3886200"/>
-              <a:ext cx="1828800" cy="1828800"/>
-            </a:xfrm>
-            <a:prstGeom prst="ellipse">
-              <a:avLst/>
-            </a:prstGeom>
-          </p:spPr>
-          <p:style>
-            <a:lnRef idx="1">
-              <a:schemeClr val="accent6"/>
-            </a:lnRef>
-            <a:fillRef idx="2">
-              <a:schemeClr val="accent6"/>
-            </a:fillRef>
-            <a:effectRef idx="1">
-              <a:schemeClr val="accent6"/>
-            </a:effectRef>
-            <a:fontRef idx="minor">
-              <a:schemeClr val="dk1"/>
-            </a:fontRef>
-          </p:style>
-          <p:txBody>
-            <a:bodyPr rtlCol="0" anchor="ctr"/>
-            <a:lstStyle/>
-            <a:p>
-              <a:pPr algn="ctr"/>
-              <a:r>
-                <a:rPr lang="en-US" dirty="0" smtClean="0">
-                  <a:latin typeface="Segoe UI" panose="020B0502040204020203" pitchFamily="34" charset="0"/>
-                  <a:cs typeface="Segoe UI" panose="020B0502040204020203" pitchFamily="34" charset="0"/>
-                </a:rPr>
-                <a:t>View</a:t>
-              </a:r>
-              <a:endParaRPr lang="en-US" dirty="0">
-                <a:latin typeface="Segoe UI" panose="020B0502040204020203" pitchFamily="34" charset="0"/>
-                <a:cs typeface="Segoe UI" panose="020B0502040204020203" pitchFamily="34" charset="0"/>
-              </a:endParaRPr>
-            </a:p>
-          </p:txBody>
-        </p:sp>
-        <p:sp>
-          <p:nvSpPr>
-            <p:cNvPr id="17" name="Oval 16"/>
-            <p:cNvSpPr/>
-            <p:nvPr/>
-          </p:nvSpPr>
-          <p:spPr>
-            <a:xfrm>
-              <a:off x="5105400" y="1575084"/>
-              <a:ext cx="1828800" cy="1828800"/>
-            </a:xfrm>
-            <a:prstGeom prst="ellipse">
-              <a:avLst/>
-            </a:prstGeom>
-          </p:spPr>
-          <p:style>
-            <a:lnRef idx="1">
-              <a:schemeClr val="accent4"/>
-            </a:lnRef>
-            <a:fillRef idx="2">
-              <a:schemeClr val="accent4"/>
-            </a:fillRef>
-            <a:effectRef idx="1">
-              <a:schemeClr val="accent4"/>
-            </a:effectRef>
-            <a:fontRef idx="minor">
-              <a:schemeClr val="dk1"/>
-            </a:fontRef>
-          </p:style>
-          <p:txBody>
-            <a:bodyPr rtlCol="0" anchor="ctr"/>
-            <a:lstStyle/>
-            <a:p>
-              <a:pPr algn="ctr"/>
-              <a:r>
-                <a:rPr lang="en-US" dirty="0" smtClean="0">
-                  <a:latin typeface="Segoe UI" panose="020B0502040204020203" pitchFamily="34" charset="0"/>
-                  <a:cs typeface="Segoe UI" panose="020B0502040204020203" pitchFamily="34" charset="0"/>
-                </a:rPr>
-                <a:t>Controller</a:t>
-              </a:r>
-              <a:endParaRPr lang="en-US" dirty="0">
-                <a:latin typeface="Segoe UI" panose="020B0502040204020203" pitchFamily="34" charset="0"/>
-                <a:cs typeface="Segoe UI" panose="020B0502040204020203" pitchFamily="34" charset="0"/>
-              </a:endParaRPr>
-            </a:p>
-          </p:txBody>
-        </p:sp>
-        <p:sp>
-          <p:nvSpPr>
-            <p:cNvPr id="4" name="Right Arrow 3"/>
-            <p:cNvSpPr/>
-            <p:nvPr/>
-          </p:nvSpPr>
-          <p:spPr>
-            <a:xfrm rot="3047538">
-              <a:off x="6565285" y="3505199"/>
-              <a:ext cx="990600" cy="304800"/>
-            </a:xfrm>
-            <a:prstGeom prst="rightArrow">
-              <a:avLst/>
-            </a:prstGeom>
-            <a:solidFill>
-              <a:schemeClr val="accent5">
-                <a:lumMod val="40000"/>
-                <a:lumOff val="60000"/>
-              </a:schemeClr>
-            </a:solidFill>
-          </p:spPr>
-          <p:style>
-            <a:lnRef idx="2">
-              <a:schemeClr val="accent1">
-                <a:shade val="50000"/>
-              </a:schemeClr>
-            </a:lnRef>
-            <a:fillRef idx="1">
-              <a:schemeClr val="accent1"/>
-            </a:fillRef>
-            <a:effectRef idx="0">
-              <a:schemeClr val="accent1"/>
-            </a:effectRef>
-            <a:fontRef idx="minor">
-              <a:schemeClr val="lt1"/>
-            </a:fontRef>
-          </p:style>
-          <p:txBody>
-            <a:bodyPr rtlCol="0" anchor="ctr"/>
-            <a:lstStyle/>
-            <a:p>
-              <a:pPr algn="ctr"/>
-              <a:endParaRPr lang="en-US">
-                <a:latin typeface="Segoe UI" panose="020B0502040204020203" pitchFamily="34" charset="0"/>
-                <a:cs typeface="Segoe UI" panose="020B0502040204020203" pitchFamily="34" charset="0"/>
-              </a:endParaRPr>
-            </a:p>
-          </p:txBody>
-        </p:sp>
-        <p:sp>
-          <p:nvSpPr>
-            <p:cNvPr id="23" name="Right Arrow 22"/>
-            <p:cNvSpPr/>
-            <p:nvPr/>
-          </p:nvSpPr>
-          <p:spPr>
-            <a:xfrm rot="8081153">
-              <a:off x="4457700" y="3444100"/>
-              <a:ext cx="990600" cy="304800"/>
-            </a:xfrm>
-            <a:prstGeom prst="rightArrow">
-              <a:avLst/>
-            </a:prstGeom>
-            <a:solidFill>
-              <a:schemeClr val="accent5">
-                <a:lumMod val="40000"/>
-                <a:lumOff val="60000"/>
-              </a:schemeClr>
-            </a:solidFill>
-          </p:spPr>
-          <p:style>
-            <a:lnRef idx="2">
-              <a:schemeClr val="accent1">
-                <a:shade val="50000"/>
-              </a:schemeClr>
-            </a:lnRef>
-            <a:fillRef idx="1">
-              <a:schemeClr val="accent1"/>
-            </a:fillRef>
-            <a:effectRef idx="0">
-              <a:schemeClr val="accent1"/>
-            </a:effectRef>
-            <a:fontRef idx="minor">
-              <a:schemeClr val="lt1"/>
-            </a:fontRef>
-          </p:style>
-          <p:txBody>
-            <a:bodyPr rtlCol="0" anchor="ctr"/>
-            <a:lstStyle/>
-            <a:p>
-              <a:pPr algn="ctr"/>
-              <a:endParaRPr lang="en-US">
-                <a:latin typeface="Segoe UI" panose="020B0502040204020203" pitchFamily="34" charset="0"/>
-                <a:cs typeface="Segoe UI" panose="020B0502040204020203" pitchFamily="34" charset="0"/>
-              </a:endParaRPr>
-            </a:p>
-          </p:txBody>
-        </p:sp>
-        <p:sp>
-          <p:nvSpPr>
-            <p:cNvPr id="24" name="Right Arrow 23"/>
-            <p:cNvSpPr/>
-            <p:nvPr/>
-          </p:nvSpPr>
-          <p:spPr>
-            <a:xfrm rot="10800000">
-              <a:off x="5105400" y="4633025"/>
-              <a:ext cx="1935611" cy="304800"/>
-            </a:xfrm>
-            <a:prstGeom prst="rightArrow">
-              <a:avLst/>
-            </a:prstGeom>
-            <a:noFill/>
-            <a:ln>
-              <a:prstDash val="sysDash"/>
-            </a:ln>
-          </p:spPr>
-          <p:style>
-            <a:lnRef idx="2">
-              <a:schemeClr val="accent1">
-                <a:shade val="50000"/>
-              </a:schemeClr>
-            </a:lnRef>
-            <a:fillRef idx="1">
-              <a:schemeClr val="accent1"/>
-            </a:fillRef>
-            <a:effectRef idx="0">
-              <a:schemeClr val="accent1"/>
-            </a:effectRef>
-            <a:fontRef idx="minor">
-              <a:schemeClr val="lt1"/>
-            </a:fontRef>
-          </p:style>
-          <p:txBody>
-            <a:bodyPr rtlCol="0" anchor="ctr"/>
-            <a:lstStyle/>
-            <a:p>
-              <a:pPr algn="ctr"/>
-              <a:endParaRPr lang="en-US">
-                <a:latin typeface="Segoe UI" panose="020B0502040204020203" pitchFamily="34" charset="0"/>
-                <a:cs typeface="Segoe UI" panose="020B0502040204020203" pitchFamily="34" charset="0"/>
-              </a:endParaRPr>
-            </a:p>
-          </p:txBody>
-        </p:sp>
-      </p:grpSp>
-      <p:sp>
-        <p:nvSpPr>
-          <p:cNvPr id="8" name="AutoShape 2" descr="Картинки по запросу binocle icon"/>
-          <p:cNvSpPr>
-            <a:spLocks noChangeAspect="1" noChangeArrowheads="1"/>
-          </p:cNvSpPr>
-          <p:nvPr/>
-        </p:nvSpPr>
-        <p:spPr bwMode="auto">
-          <a:xfrm>
-            <a:off x="155575" y="-144463"/>
-            <a:ext cx="304800" cy="304801"/>
-          </a:xfrm>
-          <a:prstGeom prst="rect">
-            <a:avLst/>
-          </a:prstGeom>
-          <a:noFill/>
-          <a:extLst>
-            <a:ext uri="{909E8E84-426E-40DD-AFC4-6F175D3DCCD1}">
-              <a14:hiddenFill xmlns:a14="http://schemas.microsoft.com/office/drawing/2010/main">
-                <a:solidFill>
-                  <a:srgbClr val="FFFFFF"/>
-                </a:solidFill>
-              </a14:hiddenFill>
-            </a:ext>
-          </a:extLst>
-        </p:spPr>
-        <p:txBody>
-          <a:bodyPr vert="horz" wrap="square" lIns="91440" tIns="45720" rIns="91440" bIns="45720" numCol="1" anchor="t" anchorCtr="0" compatLnSpc="1">
-            <a:prstTxWarp prst="textNoShape">
-              <a:avLst/>
-            </a:prstTxWarp>
-          </a:bodyPr>
-          <a:lstStyle/>
-          <a:p>
-            <a:endParaRPr lang="en-US">
-              <a:latin typeface="Segoe UI Light" panose="020B0502040204020203" pitchFamily="34" charset="0"/>
-              <a:cs typeface="Segoe UI Light" panose="020B0502040204020203" pitchFamily="34" charset="0"/>
-            </a:endParaRPr>
-          </a:p>
-        </p:txBody>
-      </p:sp>
-      <p:grpSp>
-        <p:nvGrpSpPr>
-          <p:cNvPr id="12" name="Group 11"/>
-          <p:cNvGrpSpPr/>
-          <p:nvPr/>
-        </p:nvGrpSpPr>
-        <p:grpSpPr>
-          <a:xfrm>
-            <a:off x="750815" y="1676400"/>
-            <a:ext cx="4267200" cy="1191399"/>
-            <a:chOff x="914400" y="1828800"/>
-            <a:chExt cx="4267200" cy="1191399"/>
-          </a:xfrm>
-        </p:grpSpPr>
-        <p:pic>
-          <p:nvPicPr>
-            <p:cNvPr id="7" name="Picture 6"/>
-            <p:cNvPicPr>
-              <a:picLocks noChangeAspect="1"/>
-            </p:cNvPicPr>
-            <p:nvPr/>
-          </p:nvPicPr>
-          <p:blipFill>
-            <a:blip r:embed="rId3">
-              <a:extLst>
-                <a:ext uri="{28A0092B-C50C-407E-A947-70E740481C1C}">
-                  <a14:useLocalDpi xmlns:a14="http://schemas.microsoft.com/office/drawing/2010/main" val="0"/>
-                </a:ext>
-              </a:extLst>
-            </a:blip>
-            <a:stretch>
-              <a:fillRect/>
-            </a:stretch>
-          </p:blipFill>
-          <p:spPr>
-            <a:xfrm>
-              <a:off x="914400" y="1920380"/>
-              <a:ext cx="746620" cy="746620"/>
-            </a:xfrm>
-            <a:prstGeom prst="rect">
-              <a:avLst/>
-            </a:prstGeom>
-          </p:spPr>
-        </p:pic>
-        <p:sp>
-          <p:nvSpPr>
-            <p:cNvPr id="10" name="TextBox 9"/>
-            <p:cNvSpPr txBox="1"/>
-            <p:nvPr/>
-          </p:nvSpPr>
-          <p:spPr>
-            <a:xfrm>
-              <a:off x="1766812" y="1828800"/>
-              <a:ext cx="880369" cy="369332"/>
-            </a:xfrm>
-            <a:prstGeom prst="rect">
-              <a:avLst/>
-            </a:prstGeom>
-            <a:noFill/>
-          </p:spPr>
-          <p:txBody>
-            <a:bodyPr wrap="none" rtlCol="0">
-              <a:spAutoFit/>
-            </a:bodyPr>
-            <a:lstStyle/>
-            <a:p>
-              <a:r>
-                <a:rPr lang="en-US" b="1" dirty="0" smtClean="0">
-                  <a:latin typeface="Segoe UI" panose="020B0502040204020203" pitchFamily="34" charset="0"/>
-                  <a:cs typeface="Segoe UI" panose="020B0502040204020203" pitchFamily="34" charset="0"/>
-                </a:rPr>
-                <a:t>Model</a:t>
-              </a:r>
-              <a:endParaRPr lang="en-US" b="1" dirty="0">
-                <a:latin typeface="Segoe UI" panose="020B0502040204020203" pitchFamily="34" charset="0"/>
-                <a:cs typeface="Segoe UI" panose="020B0502040204020203" pitchFamily="34" charset="0"/>
-              </a:endParaRPr>
-            </a:p>
-          </p:txBody>
-        </p:sp>
-        <p:sp>
-          <p:nvSpPr>
-            <p:cNvPr id="25" name="TextBox 24"/>
-            <p:cNvSpPr txBox="1"/>
-            <p:nvPr/>
-          </p:nvSpPr>
-          <p:spPr>
-            <a:xfrm>
-              <a:off x="1766812" y="2096869"/>
-              <a:ext cx="3414788" cy="923330"/>
-            </a:xfrm>
-            <a:prstGeom prst="rect">
-              <a:avLst/>
-            </a:prstGeom>
-            <a:noFill/>
-          </p:spPr>
-          <p:txBody>
-            <a:bodyPr wrap="square" rtlCol="0">
-              <a:spAutoFit/>
-            </a:bodyPr>
-            <a:lstStyle/>
-            <a:p>
-              <a:r>
-                <a:rPr lang="ru-RU" dirty="0" smtClean="0">
-                  <a:latin typeface="Segoe UI" panose="020B0502040204020203" pitchFamily="34" charset="0"/>
-                  <a:cs typeface="Segoe UI" panose="020B0502040204020203" pitchFamily="34" charset="0"/>
-                </a:rPr>
-                <a:t>Состояние приложения. Данные, которые нужно отобразить.</a:t>
-              </a:r>
-              <a:endParaRPr lang="en-US" dirty="0">
-                <a:latin typeface="Segoe UI" panose="020B0502040204020203" pitchFamily="34" charset="0"/>
-                <a:cs typeface="Segoe UI" panose="020B0502040204020203" pitchFamily="34" charset="0"/>
-              </a:endParaRPr>
-            </a:p>
-          </p:txBody>
-        </p:sp>
-      </p:grpSp>
-      <p:grpSp>
-        <p:nvGrpSpPr>
-          <p:cNvPr id="31" name="Group 30"/>
-          <p:cNvGrpSpPr/>
-          <p:nvPr/>
-        </p:nvGrpSpPr>
-        <p:grpSpPr>
-          <a:xfrm>
-            <a:off x="750815" y="4496062"/>
-            <a:ext cx="4278385" cy="1198519"/>
-            <a:chOff x="914400" y="3095887"/>
-            <a:chExt cx="4278385" cy="1198519"/>
-          </a:xfrm>
-        </p:grpSpPr>
-        <p:pic>
-          <p:nvPicPr>
-            <p:cNvPr id="6" name="Picture 5"/>
-            <p:cNvPicPr>
-              <a:picLocks noChangeAspect="1"/>
-            </p:cNvPicPr>
-            <p:nvPr/>
-          </p:nvPicPr>
-          <p:blipFill>
-            <a:blip r:embed="rId4" cstate="print">
-              <a:extLst>
-                <a:ext uri="{28A0092B-C50C-407E-A947-70E740481C1C}">
-                  <a14:useLocalDpi xmlns:a14="http://schemas.microsoft.com/office/drawing/2010/main" val="0"/>
-                </a:ext>
-              </a:extLst>
-            </a:blip>
-            <a:stretch>
-              <a:fillRect/>
-            </a:stretch>
-          </p:blipFill>
-          <p:spPr>
-            <a:xfrm>
-              <a:off x="914400" y="3095887"/>
-              <a:ext cx="787397" cy="787397"/>
-            </a:xfrm>
-            <a:prstGeom prst="rect">
-              <a:avLst/>
-            </a:prstGeom>
-          </p:spPr>
-        </p:pic>
-        <p:sp>
-          <p:nvSpPr>
-            <p:cNvPr id="27" name="TextBox 26"/>
-            <p:cNvSpPr txBox="1"/>
-            <p:nvPr/>
-          </p:nvSpPr>
-          <p:spPr>
-            <a:xfrm>
-              <a:off x="1777997" y="3103007"/>
-              <a:ext cx="1278620" cy="369332"/>
-            </a:xfrm>
-            <a:prstGeom prst="rect">
-              <a:avLst/>
-            </a:prstGeom>
-            <a:noFill/>
-          </p:spPr>
-          <p:txBody>
-            <a:bodyPr wrap="none" rtlCol="0">
-              <a:spAutoFit/>
-            </a:bodyPr>
-            <a:lstStyle/>
-            <a:p>
-              <a:r>
-                <a:rPr lang="en-US" b="1" dirty="0" smtClean="0">
-                  <a:latin typeface="Segoe UI" panose="020B0502040204020203" pitchFamily="34" charset="0"/>
-                  <a:cs typeface="Segoe UI" panose="020B0502040204020203" pitchFamily="34" charset="0"/>
-                </a:rPr>
-                <a:t>Controller</a:t>
-              </a:r>
-              <a:endParaRPr lang="en-US" b="1" dirty="0">
-                <a:latin typeface="Segoe UI" panose="020B0502040204020203" pitchFamily="34" charset="0"/>
-                <a:cs typeface="Segoe UI" panose="020B0502040204020203" pitchFamily="34" charset="0"/>
-              </a:endParaRPr>
-            </a:p>
-          </p:txBody>
-        </p:sp>
-        <p:sp>
-          <p:nvSpPr>
-            <p:cNvPr id="28" name="TextBox 27"/>
-            <p:cNvSpPr txBox="1"/>
-            <p:nvPr/>
-          </p:nvSpPr>
-          <p:spPr>
-            <a:xfrm>
-              <a:off x="1777997" y="3371076"/>
-              <a:ext cx="3414788" cy="923330"/>
-            </a:xfrm>
-            <a:prstGeom prst="rect">
-              <a:avLst/>
-            </a:prstGeom>
-            <a:noFill/>
-          </p:spPr>
-          <p:txBody>
-            <a:bodyPr wrap="square" rtlCol="0">
-              <a:spAutoFit/>
-            </a:bodyPr>
-            <a:lstStyle/>
-            <a:p>
-              <a:r>
-                <a:rPr lang="ru-RU" dirty="0" smtClean="0">
-                  <a:latin typeface="Segoe UI" panose="020B0502040204020203" pitchFamily="34" charset="0"/>
-                  <a:cs typeface="Segoe UI" panose="020B0502040204020203" pitchFamily="34" charset="0"/>
-                </a:rPr>
-                <a:t>Обновляет модель и выбирает подходящее представление.</a:t>
-              </a:r>
-              <a:endParaRPr lang="en-US" dirty="0">
-                <a:latin typeface="Segoe UI" panose="020B0502040204020203" pitchFamily="34" charset="0"/>
-                <a:cs typeface="Segoe UI" panose="020B0502040204020203" pitchFamily="34" charset="0"/>
-              </a:endParaRPr>
-            </a:p>
-          </p:txBody>
-        </p:sp>
-      </p:grpSp>
-      <p:grpSp>
-        <p:nvGrpSpPr>
-          <p:cNvPr id="32" name="Group 31"/>
-          <p:cNvGrpSpPr/>
-          <p:nvPr/>
-        </p:nvGrpSpPr>
-        <p:grpSpPr>
-          <a:xfrm>
-            <a:off x="750815" y="3081120"/>
-            <a:ext cx="4278385" cy="924622"/>
-            <a:chOff x="914400" y="4331145"/>
-            <a:chExt cx="4278385" cy="924622"/>
-          </a:xfrm>
-        </p:grpSpPr>
-        <p:pic>
-          <p:nvPicPr>
-            <p:cNvPr id="9" name="Picture 8"/>
-            <p:cNvPicPr>
-              <a:picLocks noChangeAspect="1"/>
-            </p:cNvPicPr>
-            <p:nvPr/>
-          </p:nvPicPr>
-          <p:blipFill>
-            <a:blip r:embed="rId5" cstate="print">
-              <a:extLst>
-                <a:ext uri="{28A0092B-C50C-407E-A947-70E740481C1C}">
-                  <a14:useLocalDpi xmlns:a14="http://schemas.microsoft.com/office/drawing/2010/main" val="0"/>
-                </a:ext>
-              </a:extLst>
-            </a:blip>
-            <a:stretch>
-              <a:fillRect/>
-            </a:stretch>
-          </p:blipFill>
-          <p:spPr>
-            <a:xfrm>
-              <a:off x="914400" y="4331145"/>
-              <a:ext cx="806392" cy="806392"/>
-            </a:xfrm>
-            <a:prstGeom prst="rect">
-              <a:avLst/>
-            </a:prstGeom>
-          </p:spPr>
-        </p:pic>
-        <p:sp>
-          <p:nvSpPr>
-            <p:cNvPr id="29" name="TextBox 28"/>
-            <p:cNvSpPr txBox="1"/>
-            <p:nvPr/>
-          </p:nvSpPr>
-          <p:spPr>
-            <a:xfrm>
-              <a:off x="1777997" y="4341367"/>
-              <a:ext cx="713657" cy="369332"/>
-            </a:xfrm>
-            <a:prstGeom prst="rect">
-              <a:avLst/>
-            </a:prstGeom>
-            <a:noFill/>
-          </p:spPr>
-          <p:txBody>
-            <a:bodyPr wrap="none" rtlCol="0">
-              <a:spAutoFit/>
-            </a:bodyPr>
-            <a:lstStyle/>
-            <a:p>
-              <a:r>
-                <a:rPr lang="en-US" b="1" dirty="0" smtClean="0">
-                  <a:latin typeface="Segoe UI" panose="020B0502040204020203" pitchFamily="34" charset="0"/>
-                  <a:cs typeface="Segoe UI" panose="020B0502040204020203" pitchFamily="34" charset="0"/>
-                </a:rPr>
-                <a:t>View</a:t>
-              </a:r>
-              <a:endParaRPr lang="en-US" b="1" dirty="0">
-                <a:latin typeface="Segoe UI" panose="020B0502040204020203" pitchFamily="34" charset="0"/>
-                <a:cs typeface="Segoe UI" panose="020B0502040204020203" pitchFamily="34" charset="0"/>
-              </a:endParaRPr>
-            </a:p>
-          </p:txBody>
-        </p:sp>
-        <p:sp>
-          <p:nvSpPr>
-            <p:cNvPr id="30" name="TextBox 29"/>
-            <p:cNvSpPr txBox="1"/>
-            <p:nvPr/>
-          </p:nvSpPr>
-          <p:spPr>
-            <a:xfrm>
-              <a:off x="1777997" y="4609436"/>
-              <a:ext cx="3414788" cy="646331"/>
-            </a:xfrm>
-            <a:prstGeom prst="rect">
-              <a:avLst/>
-            </a:prstGeom>
-            <a:noFill/>
-          </p:spPr>
-          <p:txBody>
-            <a:bodyPr wrap="square" rtlCol="0">
-              <a:spAutoFit/>
-            </a:bodyPr>
-            <a:lstStyle/>
-            <a:p>
-              <a:r>
-                <a:rPr lang="ru-RU" dirty="0" smtClean="0">
-                  <a:latin typeface="Segoe UI" panose="020B0502040204020203" pitchFamily="34" charset="0"/>
-                  <a:cs typeface="Segoe UI" panose="020B0502040204020203" pitchFamily="34" charset="0"/>
-                </a:rPr>
-                <a:t>Шаблон отображающий данные модели.</a:t>
-              </a:r>
-              <a:endParaRPr lang="en-US" dirty="0">
-                <a:latin typeface="Segoe UI" panose="020B0502040204020203" pitchFamily="34" charset="0"/>
-                <a:cs typeface="Segoe UI" panose="020B0502040204020203" pitchFamily="34" charset="0"/>
-              </a:endParaRPr>
-            </a:p>
-          </p:txBody>
-        </p:sp>
-      </p:grpSp>
-      <p:sp>
-        <p:nvSpPr>
-          <p:cNvPr id="33" name="Заголовок 1"/>
+            <a:endParaRPr lang="en-US"/>
+          </a:p>
+        </p:txBody>
+      </p:sp>
+      <p:sp>
+        <p:nvSpPr>
+          <p:cNvPr id="22" name="Заголовок 1"/>
           <p:cNvSpPr txBox="1">
             <a:spLocks/>
           </p:cNvSpPr>
@@ -9648,7 +8209,7 @@
           </a:lstStyle>
           <a:p>
             <a:r>
-              <a:rPr lang="ru-RU" sz="3600" dirty="0" smtClean="0">
+              <a:rPr lang="en-US" sz="3600" dirty="0">
                 <a:solidFill>
                   <a:schemeClr val="bg1"/>
                 </a:solidFill>
@@ -9656,15 +8217,108 @@
                 <a:ea typeface="Segoe UI" pitchFamily="34" charset="0"/>
                 <a:cs typeface="Segoe UI Light" panose="020B0502040204020203" pitchFamily="34" charset="0"/>
               </a:rPr>
-              <a:t>Тема курса</a:t>
-            </a:r>
-            <a:endParaRPr lang="en-US" sz="3600" dirty="0">
+              <a:t>PHP Essentials</a:t>
+            </a:r>
+          </a:p>
+        </p:txBody>
+      </p:sp>
+      <p:sp>
+        <p:nvSpPr>
+          <p:cNvPr id="2" name="Rectangle 1"/>
+          <p:cNvSpPr/>
+          <p:nvPr/>
+        </p:nvSpPr>
+        <p:spPr>
+          <a:xfrm>
+            <a:off x="533400" y="1809750"/>
+            <a:ext cx="10058400" cy="4240212"/>
+          </a:xfrm>
+          <a:prstGeom prst="rect">
+            <a:avLst/>
+          </a:prstGeom>
+          <a:noFill/>
+          <a:ln>
+            <a:noFill/>
+          </a:ln>
+        </p:spPr>
+        <p:style>
+          <a:lnRef idx="2">
+            <a:schemeClr val="accent1">
+              <a:shade val="50000"/>
+            </a:schemeClr>
+          </a:lnRef>
+          <a:fillRef idx="1">
+            <a:schemeClr val="accent1"/>
+          </a:fillRef>
+          <a:effectRef idx="0">
+            <a:schemeClr val="accent1"/>
+          </a:effectRef>
+          <a:fontRef idx="minor">
+            <a:schemeClr val="lt1"/>
+          </a:fontRef>
+        </p:style>
+        <p:txBody>
+          <a:bodyPr rtlCol="0" anchor="t"/>
+          <a:lstStyle/>
+          <a:p>
+            <a:r>
+              <a:rPr lang="en-US" b="1" dirty="0" err="1">
+                <a:solidFill>
+                  <a:schemeClr val="tx1"/>
+                </a:solidFill>
+                <a:latin typeface="Segoe UI" panose="020B0502040204020203" pitchFamily="34" charset="0"/>
+                <a:cs typeface="Segoe UI" panose="020B0502040204020203" pitchFamily="34" charset="0"/>
+              </a:rPr>
+              <a:t>spl_autoload_register</a:t>
+            </a:r>
+            <a:r>
+              <a:rPr lang="en-US" b="1" dirty="0">
+                <a:solidFill>
+                  <a:schemeClr val="tx1"/>
+                </a:solidFill>
+                <a:latin typeface="Segoe UI" panose="020B0502040204020203" pitchFamily="34" charset="0"/>
+                <a:cs typeface="Segoe UI" panose="020B0502040204020203" pitchFamily="34" charset="0"/>
+              </a:rPr>
+              <a:t>()</a:t>
+            </a:r>
+            <a:endParaRPr lang="ru-RU" b="1" dirty="0">
               <a:solidFill>
-                <a:schemeClr val="bg1"/>
+                <a:schemeClr val="tx1"/>
               </a:solidFill>
-              <a:latin typeface="Segoe UI Light" panose="020B0502040204020203" pitchFamily="34" charset="0"/>
-              <a:ea typeface="Segoe UI" pitchFamily="34" charset="0"/>
-              <a:cs typeface="Segoe UI Light" panose="020B0502040204020203" pitchFamily="34" charset="0"/>
+              <a:latin typeface="Segoe UI" panose="020B0502040204020203" pitchFamily="34" charset="0"/>
+              <a:cs typeface="Segoe UI" panose="020B0502040204020203" pitchFamily="34" charset="0"/>
+            </a:endParaRPr>
+          </a:p>
+          <a:p>
+            <a:pPr lvl="1"/>
+            <a:endParaRPr lang="ru-RU" dirty="0">
+              <a:solidFill>
+                <a:schemeClr val="tx1"/>
+              </a:solidFill>
+              <a:latin typeface="Segoe UI" panose="020B0502040204020203" pitchFamily="34" charset="0"/>
+              <a:cs typeface="Segoe UI" panose="020B0502040204020203" pitchFamily="34" charset="0"/>
+            </a:endParaRPr>
+          </a:p>
+          <a:p>
+            <a:pPr marL="800100" lvl="1" indent="-342900">
+              <a:buFont typeface="+mj-lt"/>
+              <a:buAutoNum type="arabicPeriod"/>
+            </a:pPr>
+            <a:endParaRPr lang="en-US" dirty="0">
+              <a:solidFill>
+                <a:schemeClr val="tx1"/>
+              </a:solidFill>
+              <a:latin typeface="Segoe UI" panose="020B0502040204020203" pitchFamily="34" charset="0"/>
+              <a:cs typeface="Segoe UI" panose="020B0502040204020203" pitchFamily="34" charset="0"/>
+            </a:endParaRPr>
+          </a:p>
+          <a:p>
+            <a:endParaRPr lang="en-US" dirty="0">
+              <a:solidFill>
+                <a:schemeClr val="tx1"/>
+              </a:solidFill>
+              <a:latin typeface="Segoe UI" panose="020B0502040204020203" pitchFamily="34" charset="0"/>
+              <a:cs typeface="Segoe UI" panose="020B0502040204020203" pitchFamily="34" charset="0"/>
             </a:endParaRPr>
           </a:p>
         </p:txBody>
@@ -9672,7 +8326,7 @@
     </p:spTree>
     <p:extLst>
       <p:ext uri="{BB962C8B-B14F-4D97-AF65-F5344CB8AC3E}">
-        <p14:creationId xmlns:p14="http://schemas.microsoft.com/office/powerpoint/2010/main" val="4179024441"/>
+        <p14:creationId xmlns:p14="http://schemas.microsoft.com/office/powerpoint/2010/main" val="2251435291"/>
       </p:ext>
     </p:extLst>
   </p:cSld>
@@ -9682,216 +8336,6 @@
   <p:transition spd="slow">
     <p:cover/>
   </p:transition>
-  <p:timing>
-    <p:tnLst>
-      <p:par>
-        <p:cTn id="1" dur="indefinite" restart="never" nodeType="tmRoot">
-          <p:childTnLst>
-            <p:seq concurrent="1" nextAc="seek">
-              <p:cTn id="2" dur="indefinite" nodeType="mainSeq">
-                <p:childTnLst>
-                  <p:par>
-                    <p:cTn id="3" fill="hold">
-                      <p:stCondLst>
-                        <p:cond delay="indefinite"/>
-                      </p:stCondLst>
-                      <p:childTnLst>
-                        <p:par>
-                          <p:cTn id="4" fill="hold">
-                            <p:stCondLst>
-                              <p:cond delay="0"/>
-                            </p:stCondLst>
-                            <p:childTnLst>
-                              <p:par>
-                                <p:cTn id="5" presetID="1" presetClass="entr" presetSubtype="0" fill="hold" nodeType="clickEffect">
-                                  <p:stCondLst>
-                                    <p:cond delay="0"/>
-                                  </p:stCondLst>
-                                  <p:childTnLst>
-                                    <p:set>
-                                      <p:cBhvr>
-                                        <p:cTn id="6" dur="1" fill="hold">
-                                          <p:stCondLst>
-                                            <p:cond delay="0"/>
-                                          </p:stCondLst>
-                                        </p:cTn>
-                                        <p:tgtEl>
-                                          <p:spTgt spid="12"/>
-                                        </p:tgtEl>
-                                        <p:attrNameLst>
-                                          <p:attrName>style.visibility</p:attrName>
-                                        </p:attrNameLst>
-                                      </p:cBhvr>
-                                      <p:to>
-                                        <p:strVal val="visible"/>
-                                      </p:to>
-                                    </p:set>
-                                  </p:childTnLst>
-                                </p:cTn>
-                              </p:par>
-                            </p:childTnLst>
-                          </p:cTn>
-                        </p:par>
-                      </p:childTnLst>
-                    </p:cTn>
-                  </p:par>
-                  <p:par>
-                    <p:cTn id="7" fill="hold">
-                      <p:stCondLst>
-                        <p:cond delay="indefinite"/>
-                      </p:stCondLst>
-                      <p:childTnLst>
-                        <p:par>
-                          <p:cTn id="8" fill="hold">
-                            <p:stCondLst>
-                              <p:cond delay="0"/>
-                            </p:stCondLst>
-                            <p:childTnLst>
-                              <p:par>
-                                <p:cTn id="9" presetID="1" presetClass="entr" presetSubtype="0" fill="hold" nodeType="clickEffect">
-                                  <p:stCondLst>
-                                    <p:cond delay="0"/>
-                                  </p:stCondLst>
-                                  <p:childTnLst>
-                                    <p:set>
-                                      <p:cBhvr>
-                                        <p:cTn id="10" dur="1" fill="hold">
-                                          <p:stCondLst>
-                                            <p:cond delay="0"/>
-                                          </p:stCondLst>
-                                        </p:cTn>
-                                        <p:tgtEl>
-                                          <p:spTgt spid="32"/>
-                                        </p:tgtEl>
-                                        <p:attrNameLst>
-                                          <p:attrName>style.visibility</p:attrName>
-                                        </p:attrNameLst>
-                                      </p:cBhvr>
-                                      <p:to>
-                                        <p:strVal val="visible"/>
-                                      </p:to>
-                                    </p:set>
-                                  </p:childTnLst>
-                                </p:cTn>
-                              </p:par>
-                            </p:childTnLst>
-                          </p:cTn>
-                        </p:par>
-                      </p:childTnLst>
-                    </p:cTn>
-                  </p:par>
-                  <p:par>
-                    <p:cTn id="11" fill="hold">
-                      <p:stCondLst>
-                        <p:cond delay="indefinite"/>
-                      </p:stCondLst>
-                      <p:childTnLst>
-                        <p:par>
-                          <p:cTn id="12" fill="hold">
-                            <p:stCondLst>
-                              <p:cond delay="0"/>
-                            </p:stCondLst>
-                            <p:childTnLst>
-                              <p:par>
-                                <p:cTn id="13" presetID="1" presetClass="entr" presetSubtype="0" fill="hold" nodeType="clickEffect">
-                                  <p:stCondLst>
-                                    <p:cond delay="0"/>
-                                  </p:stCondLst>
-                                  <p:childTnLst>
-                                    <p:set>
-                                      <p:cBhvr>
-                                        <p:cTn id="14" dur="1" fill="hold">
-                                          <p:stCondLst>
-                                            <p:cond delay="0"/>
-                                          </p:stCondLst>
-                                        </p:cTn>
-                                        <p:tgtEl>
-                                          <p:spTgt spid="31"/>
-                                        </p:tgtEl>
-                                        <p:attrNameLst>
-                                          <p:attrName>style.visibility</p:attrName>
-                                        </p:attrNameLst>
-                                      </p:cBhvr>
-                                      <p:to>
-                                        <p:strVal val="visible"/>
-                                      </p:to>
-                                    </p:set>
-                                  </p:childTnLst>
-                                </p:cTn>
-                              </p:par>
-                            </p:childTnLst>
-                          </p:cTn>
-                        </p:par>
-                      </p:childTnLst>
-                    </p:cTn>
-                  </p:par>
-                  <p:par>
-                    <p:cTn id="15" fill="hold">
-                      <p:stCondLst>
-                        <p:cond delay="indefinite"/>
-                      </p:stCondLst>
-                      <p:childTnLst>
-                        <p:par>
-                          <p:cTn id="16" fill="hold">
-                            <p:stCondLst>
-                              <p:cond delay="0"/>
-                            </p:stCondLst>
-                            <p:childTnLst>
-                              <p:par>
-                                <p:cTn id="17" presetID="1" presetClass="entr" presetSubtype="0" fill="hold" nodeType="clickEffect">
-                                  <p:stCondLst>
-                                    <p:cond delay="0"/>
-                                  </p:stCondLst>
-                                  <p:childTnLst>
-                                    <p:set>
-                                      <p:cBhvr>
-                                        <p:cTn id="18" dur="1" fill="hold">
-                                          <p:stCondLst>
-                                            <p:cond delay="0"/>
-                                          </p:stCondLst>
-                                        </p:cTn>
-                                        <p:tgtEl>
-                                          <p:spTgt spid="5"/>
-                                        </p:tgtEl>
-                                        <p:attrNameLst>
-                                          <p:attrName>style.visibility</p:attrName>
-                                        </p:attrNameLst>
-                                      </p:cBhvr>
-                                      <p:to>
-                                        <p:strVal val="visible"/>
-                                      </p:to>
-                                    </p:set>
-                                  </p:childTnLst>
-                                </p:cTn>
-                              </p:par>
-                            </p:childTnLst>
-                          </p:cTn>
-                        </p:par>
-                      </p:childTnLst>
-                    </p:cTn>
-                  </p:par>
-                </p:childTnLst>
-              </p:cTn>
-              <p:prevCondLst>
-                <p:cond evt="onPrev" delay="0">
-                  <p:tgtEl>
-                    <p:sldTgt/>
-                  </p:tgtEl>
-                </p:cond>
-              </p:prevCondLst>
-              <p:nextCondLst>
-                <p:cond evt="onNext" delay="0">
-                  <p:tgtEl>
-                    <p:sldTgt/>
-                  </p:tgtEl>
-                </p:cond>
-              </p:nextCondLst>
-            </p:seq>
-          </p:childTnLst>
-        </p:cTn>
-      </p:par>
-    </p:tnLst>
-  </p:timing>
 </p:sld>
 </file>
 
@@ -9914,6 +8358,64 @@
       </p:grpSpPr>
       <p:sp>
         <p:nvSpPr>
+          <p:cNvPr id="11" name="Заголовок 1"/>
+          <p:cNvSpPr txBox="1">
+            <a:spLocks/>
+          </p:cNvSpPr>
+          <p:nvPr/>
+        </p:nvSpPr>
+        <p:spPr>
+          <a:xfrm>
+            <a:off x="1981200" y="808038"/>
+            <a:ext cx="8229600" cy="563562"/>
+          </a:xfrm>
+          <a:prstGeom prst="rect">
+            <a:avLst/>
+          </a:prstGeom>
+        </p:spPr>
+        <p:txBody>
+          <a:bodyPr vert="horz" lIns="91440" tIns="45720" rIns="91440" bIns="45720" rtlCol="0" anchor="ctr">
+            <a:normAutofit/>
+          </a:bodyPr>
+          <a:lstStyle>
+            <a:lvl1pPr algn="ctr" defTabSz="914400" rtl="0" eaLnBrk="1" latinLnBrk="0" hangingPunct="1">
+              <a:spcBef>
+                <a:spcPct val="0"/>
+              </a:spcBef>
+              <a:buNone/>
+              <a:defRPr sz="4400" kern="1200">
+                <a:solidFill>
+                  <a:schemeClr val="tx1"/>
+                </a:solidFill>
+                <a:latin typeface="+mj-lt"/>
+                <a:ea typeface="+mj-ea"/>
+                <a:cs typeface="+mj-cs"/>
+              </a:defRPr>
+            </a:lvl1pPr>
+          </a:lstStyle>
+          <a:p>
+            <a:r>
+              <a:rPr lang="ru-RU" sz="2800" dirty="0">
+                <a:solidFill>
+                  <a:srgbClr val="D04E1D"/>
+                </a:solidFill>
+                <a:latin typeface="Segoe UI Light" panose="020B0502040204020203" pitchFamily="34" charset="0"/>
+                <a:cs typeface="Segoe UI Light" panose="020B0502040204020203" pitchFamily="34" charset="0"/>
+              </a:rPr>
+              <a:t>Пространства имён</a:t>
+            </a:r>
+            <a:endParaRPr lang="en-US" sz="2800" dirty="0">
+              <a:solidFill>
+                <a:srgbClr val="D04E1D"/>
+              </a:solidFill>
+              <a:latin typeface="Segoe UI Light" panose="020B0502040204020203" pitchFamily="34" charset="0"/>
+              <a:cs typeface="Segoe UI Light" panose="020B0502040204020203" pitchFamily="34" charset="0"/>
+            </a:endParaRPr>
+          </a:p>
+        </p:txBody>
+      </p:sp>
+      <p:sp>
+        <p:nvSpPr>
           <p:cNvPr id="13" name="Прямоугольник 12"/>
           <p:cNvSpPr/>
           <p:nvPr/>
@@ -9952,10 +8454,7 @@
           <a:lstStyle/>
           <a:p>
             <a:pPr algn="ctr"/>
-            <a:endParaRPr lang="en-US">
-              <a:latin typeface="Segoe UI Light" panose="020B0502040204020203" pitchFamily="34" charset="0"/>
-              <a:cs typeface="Segoe UI Light" panose="020B0502040204020203" pitchFamily="34" charset="0"/>
-            </a:endParaRPr>
+            <a:endParaRPr lang="en-US"/>
           </a:p>
         </p:txBody>
       </p:sp>
@@ -9988,45 +8487,8 @@
                 <a:latin typeface="Segoe UI Light" panose="020B0502040204020203" pitchFamily="34" charset="0"/>
                 <a:cs typeface="Segoe UI Light" panose="020B0502040204020203" pitchFamily="34" charset="0"/>
               </a:rPr>
-              <a:t>Information Technology Video Developer </a:t>
-            </a:r>
-            <a:r>
-              <a:rPr lang="en-US" sz="1400" dirty="0" smtClean="0">
-                <a:solidFill>
-                  <a:schemeClr val="bg1"/>
-                </a:solidFill>
-                <a:latin typeface="Segoe UI Light" panose="020B0502040204020203" pitchFamily="34" charset="0"/>
-                <a:cs typeface="Segoe UI Light" panose="020B0502040204020203" pitchFamily="34" charset="0"/>
-              </a:rPr>
-              <a:t>Network                                                       http</a:t>
-            </a:r>
-            <a:r>
-              <a:rPr lang="en-US" sz="1400" dirty="0">
-                <a:solidFill>
-                  <a:schemeClr val="bg1"/>
-                </a:solidFill>
-                <a:latin typeface="Segoe UI Light" panose="020B0502040204020203" pitchFamily="34" charset="0"/>
-                <a:cs typeface="Segoe UI Light" panose="020B0502040204020203" pitchFamily="34" charset="0"/>
-              </a:rPr>
-              <a:t>://</a:t>
-            </a:r>
-            <a:r>
-              <a:rPr lang="en-US" sz="1400" dirty="0" smtClean="0">
-                <a:solidFill>
-                  <a:schemeClr val="bg1"/>
-                </a:solidFill>
-                <a:latin typeface="Segoe UI Light" panose="020B0502040204020203" pitchFamily="34" charset="0"/>
-                <a:cs typeface="Segoe UI Light" panose="020B0502040204020203" pitchFamily="34" charset="0"/>
-              </a:rPr>
-              <a:t>itvdn.com</a:t>
-            </a:r>
-            <a:endParaRPr lang="en-US" sz="1400" dirty="0">
-              <a:solidFill>
-                <a:schemeClr val="bg1"/>
-              </a:solidFill>
-              <a:latin typeface="Segoe UI Light" panose="020B0502040204020203" pitchFamily="34" charset="0"/>
-              <a:cs typeface="Segoe UI Light" panose="020B0502040204020203" pitchFamily="34" charset="0"/>
-            </a:endParaRPr>
+              <a:t>Information Technology Video Developer Network                                                       http://itvdn.com</a:t>
+            </a:r>
           </a:p>
         </p:txBody>
       </p:sp>
@@ -10052,7 +8514,7 @@
           <a:lstStyle/>
           <a:p>
             <a:r>
-              <a:rPr lang="en-US" sz="2000" dirty="0" smtClean="0">
+              <a:rPr lang="en-US" sz="2000" dirty="0">
                 <a:solidFill>
                   <a:schemeClr val="bg1"/>
                 </a:solidFill>
@@ -10061,10 +8523,7 @@
               </a:rPr>
               <a:t>ITVDN</a:t>
             </a:r>
-            <a:endParaRPr lang="en-US" sz="2000" dirty="0">
-              <a:latin typeface="Segoe UI Light" panose="020B0502040204020203" pitchFamily="34" charset="0"/>
-              <a:cs typeface="Segoe UI Light" panose="020B0502040204020203" pitchFamily="34" charset="0"/>
-            </a:endParaRPr>
+            <a:endParaRPr lang="en-US" sz="2000" dirty="0"/>
           </a:p>
         </p:txBody>
       </p:sp>
@@ -10225,10 +8684,7 @@
             <a:lstStyle/>
             <a:p>
               <a:pPr algn="ctr"/>
-              <a:endParaRPr lang="en-US">
-                <a:latin typeface="Segoe UI Light" panose="020B0502040204020203" pitchFamily="34" charset="0"/>
-                <a:cs typeface="Segoe UI Light" panose="020B0502040204020203" pitchFamily="34" charset="0"/>
-              </a:endParaRPr>
+              <a:endParaRPr lang="en-US"/>
             </a:p>
           </p:txBody>
         </p:sp>
@@ -10377,10 +8833,7 @@
             <a:lstStyle/>
             <a:p>
               <a:pPr algn="ctr"/>
-              <a:endParaRPr lang="en-US">
-                <a:latin typeface="Segoe UI Light" panose="020B0502040204020203" pitchFamily="34" charset="0"/>
-                <a:cs typeface="Segoe UI Light" panose="020B0502040204020203" pitchFamily="34" charset="0"/>
-              </a:endParaRPr>
+              <a:endParaRPr lang="en-US"/>
             </a:p>
           </p:txBody>
         </p:sp>
@@ -10425,902 +8878,13 @@
           <a:lstStyle/>
           <a:p>
             <a:pPr algn="ctr"/>
-            <a:endParaRPr lang="en-US">
-              <a:latin typeface="Segoe UI Light" panose="020B0502040204020203" pitchFamily="34" charset="0"/>
-              <a:cs typeface="Segoe UI Light" panose="020B0502040204020203" pitchFamily="34" charset="0"/>
-            </a:endParaRPr>
-          </a:p>
-        </p:txBody>
-      </p:sp>
-      <p:sp>
-        <p:nvSpPr>
-          <p:cNvPr id="3" name="Rectangle 2"/>
-          <p:cNvSpPr/>
-          <p:nvPr/>
-        </p:nvSpPr>
-        <p:spPr>
-          <a:xfrm>
-            <a:off x="609600" y="2322111"/>
-            <a:ext cx="1295400" cy="609600"/>
-          </a:xfrm>
-          <a:prstGeom prst="rect">
-            <a:avLst/>
-          </a:prstGeom>
-        </p:spPr>
-        <p:style>
-          <a:lnRef idx="2">
-            <a:schemeClr val="accent3">
-              <a:shade val="50000"/>
-            </a:schemeClr>
-          </a:lnRef>
-          <a:fillRef idx="1">
-            <a:schemeClr val="accent3"/>
-          </a:fillRef>
-          <a:effectRef idx="0">
-            <a:schemeClr val="accent3"/>
-          </a:effectRef>
-          <a:fontRef idx="minor">
-            <a:schemeClr val="lt1"/>
-          </a:fontRef>
-        </p:style>
-        <p:txBody>
-          <a:bodyPr rtlCol="0" anchor="ctr"/>
-          <a:lstStyle/>
-          <a:p>
-            <a:pPr algn="ctr"/>
-            <a:r>
-              <a:rPr lang="en-US" dirty="0" smtClean="0">
-                <a:latin typeface="Segoe UI" panose="020B0502040204020203" pitchFamily="34" charset="0"/>
-                <a:cs typeface="Segoe UI" panose="020B0502040204020203" pitchFamily="34" charset="0"/>
-              </a:rPr>
-              <a:t>Request</a:t>
-            </a:r>
-            <a:endParaRPr lang="en-US" dirty="0">
-              <a:latin typeface="Segoe UI" panose="020B0502040204020203" pitchFamily="34" charset="0"/>
-              <a:cs typeface="Segoe UI" panose="020B0502040204020203" pitchFamily="34" charset="0"/>
-            </a:endParaRPr>
-          </a:p>
-        </p:txBody>
-      </p:sp>
-      <p:sp>
-        <p:nvSpPr>
-          <p:cNvPr id="4" name="Oval 3"/>
-          <p:cNvSpPr/>
-          <p:nvPr/>
-        </p:nvSpPr>
-        <p:spPr>
-          <a:xfrm>
-            <a:off x="3048000" y="1835720"/>
-            <a:ext cx="1600200" cy="1600200"/>
-          </a:xfrm>
-          <a:prstGeom prst="ellipse">
-            <a:avLst/>
-          </a:prstGeom>
-          <a:ln/>
-        </p:spPr>
-        <p:style>
-          <a:lnRef idx="1">
-            <a:schemeClr val="accent6"/>
-          </a:lnRef>
-          <a:fillRef idx="2">
-            <a:schemeClr val="accent6"/>
-          </a:fillRef>
-          <a:effectRef idx="1">
-            <a:schemeClr val="accent6"/>
-          </a:effectRef>
-          <a:fontRef idx="minor">
-            <a:schemeClr val="dk1"/>
-          </a:fontRef>
-        </p:style>
-        <p:txBody>
-          <a:bodyPr rtlCol="0" anchor="ctr"/>
-          <a:lstStyle/>
-          <a:p>
-            <a:pPr algn="ctr"/>
-            <a:r>
-              <a:rPr lang="en-US" dirty="0" smtClean="0">
-                <a:latin typeface="Segoe UI" panose="020B0502040204020203" pitchFamily="34" charset="0"/>
-                <a:cs typeface="Segoe UI" panose="020B0502040204020203" pitchFamily="34" charset="0"/>
-              </a:rPr>
-              <a:t>Controller</a:t>
-            </a:r>
-            <a:endParaRPr lang="en-US" dirty="0">
-              <a:latin typeface="Segoe UI" panose="020B0502040204020203" pitchFamily="34" charset="0"/>
-              <a:cs typeface="Segoe UI" panose="020B0502040204020203" pitchFamily="34" charset="0"/>
-            </a:endParaRPr>
-          </a:p>
-        </p:txBody>
-      </p:sp>
-      <p:sp>
-        <p:nvSpPr>
-          <p:cNvPr id="15" name="Oval 14"/>
-          <p:cNvSpPr/>
-          <p:nvPr/>
-        </p:nvSpPr>
-        <p:spPr>
-          <a:xfrm>
-            <a:off x="5410200" y="1835720"/>
-            <a:ext cx="1600200" cy="1600200"/>
-          </a:xfrm>
-          <a:prstGeom prst="ellipse">
-            <a:avLst/>
-          </a:prstGeom>
-          <a:ln/>
-        </p:spPr>
-        <p:style>
-          <a:lnRef idx="1">
-            <a:schemeClr val="accent6"/>
-          </a:lnRef>
-          <a:fillRef idx="2">
-            <a:schemeClr val="accent6"/>
-          </a:fillRef>
-          <a:effectRef idx="1">
-            <a:schemeClr val="accent6"/>
-          </a:effectRef>
-          <a:fontRef idx="minor">
-            <a:schemeClr val="dk1"/>
-          </a:fontRef>
-        </p:style>
-        <p:txBody>
-          <a:bodyPr rtlCol="0" anchor="ctr"/>
-          <a:lstStyle/>
-          <a:p>
-            <a:pPr algn="ctr"/>
-            <a:r>
-              <a:rPr lang="en-US" dirty="0" smtClean="0">
-                <a:latin typeface="Segoe UI" panose="020B0502040204020203" pitchFamily="34" charset="0"/>
-                <a:cs typeface="Segoe UI" panose="020B0502040204020203" pitchFamily="34" charset="0"/>
-              </a:rPr>
-              <a:t>Model</a:t>
-            </a:r>
-            <a:endParaRPr lang="en-US" dirty="0">
-              <a:latin typeface="Segoe UI" panose="020B0502040204020203" pitchFamily="34" charset="0"/>
-              <a:cs typeface="Segoe UI" panose="020B0502040204020203" pitchFamily="34" charset="0"/>
-            </a:endParaRPr>
-          </a:p>
-        </p:txBody>
-      </p:sp>
-      <p:sp>
-        <p:nvSpPr>
-          <p:cNvPr id="17" name="Oval 16"/>
-          <p:cNvSpPr/>
-          <p:nvPr/>
-        </p:nvSpPr>
-        <p:spPr>
-          <a:xfrm>
-            <a:off x="4191000" y="3820579"/>
-            <a:ext cx="1600200" cy="1600200"/>
-          </a:xfrm>
-          <a:prstGeom prst="ellipse">
-            <a:avLst/>
-          </a:prstGeom>
-          <a:ln/>
-        </p:spPr>
-        <p:style>
-          <a:lnRef idx="1">
-            <a:schemeClr val="accent6"/>
-          </a:lnRef>
-          <a:fillRef idx="2">
-            <a:schemeClr val="accent6"/>
-          </a:fillRef>
-          <a:effectRef idx="1">
-            <a:schemeClr val="accent6"/>
-          </a:effectRef>
-          <a:fontRef idx="minor">
-            <a:schemeClr val="dk1"/>
-          </a:fontRef>
-        </p:style>
-        <p:txBody>
-          <a:bodyPr rtlCol="0" anchor="ctr"/>
-          <a:lstStyle/>
-          <a:p>
-            <a:pPr algn="ctr"/>
-            <a:r>
-              <a:rPr lang="en-US" dirty="0" smtClean="0">
-                <a:latin typeface="Segoe UI" panose="020B0502040204020203" pitchFamily="34" charset="0"/>
-                <a:cs typeface="Segoe UI" panose="020B0502040204020203" pitchFamily="34" charset="0"/>
-              </a:rPr>
-              <a:t>View</a:t>
-            </a:r>
-            <a:endParaRPr lang="en-US" dirty="0">
-              <a:latin typeface="Segoe UI" panose="020B0502040204020203" pitchFamily="34" charset="0"/>
-              <a:cs typeface="Segoe UI" panose="020B0502040204020203" pitchFamily="34" charset="0"/>
-            </a:endParaRPr>
-          </a:p>
-        </p:txBody>
-      </p:sp>
-      <p:sp>
-        <p:nvSpPr>
-          <p:cNvPr id="10" name="Right Arrow 9"/>
-          <p:cNvSpPr/>
-          <p:nvPr/>
-        </p:nvSpPr>
-        <p:spPr>
-          <a:xfrm>
-            <a:off x="4762500" y="2483420"/>
-            <a:ext cx="495300" cy="304800"/>
-          </a:xfrm>
-          <a:prstGeom prst="rightArrow">
-            <a:avLst/>
-          </a:prstGeom>
-          <a:solidFill>
-            <a:schemeClr val="accent1">
-              <a:lumMod val="20000"/>
-              <a:lumOff val="80000"/>
-            </a:schemeClr>
-          </a:solidFill>
-        </p:spPr>
-        <p:style>
-          <a:lnRef idx="2">
-            <a:schemeClr val="accent1">
-              <a:shade val="50000"/>
-            </a:schemeClr>
-          </a:lnRef>
-          <a:fillRef idx="1">
-            <a:schemeClr val="accent1"/>
-          </a:fillRef>
-          <a:effectRef idx="0">
-            <a:schemeClr val="accent1"/>
-          </a:effectRef>
-          <a:fontRef idx="minor">
-            <a:schemeClr val="lt1"/>
-          </a:fontRef>
-        </p:style>
-        <p:txBody>
-          <a:bodyPr rtlCol="0" anchor="ctr"/>
-          <a:lstStyle/>
-          <a:p>
-            <a:pPr algn="ctr"/>
-            <a:endParaRPr lang="en-US">
-              <a:latin typeface="Segoe UI Light" panose="020B0502040204020203" pitchFamily="34" charset="0"/>
-              <a:cs typeface="Segoe UI Light" panose="020B0502040204020203" pitchFamily="34" charset="0"/>
-            </a:endParaRPr>
-          </a:p>
-        </p:txBody>
-      </p:sp>
-      <p:sp>
-        <p:nvSpPr>
-          <p:cNvPr id="23" name="Right Arrow 22"/>
-          <p:cNvSpPr/>
-          <p:nvPr/>
-        </p:nvSpPr>
-        <p:spPr>
-          <a:xfrm rot="3432553">
-            <a:off x="4192325" y="3510804"/>
-            <a:ext cx="425226" cy="304800"/>
-          </a:xfrm>
-          <a:prstGeom prst="rightArrow">
-            <a:avLst/>
-          </a:prstGeom>
-          <a:solidFill>
-            <a:schemeClr val="accent1">
-              <a:lumMod val="20000"/>
-              <a:lumOff val="80000"/>
-            </a:schemeClr>
-          </a:solidFill>
-        </p:spPr>
-        <p:style>
-          <a:lnRef idx="2">
-            <a:schemeClr val="accent1">
-              <a:shade val="50000"/>
-            </a:schemeClr>
-          </a:lnRef>
-          <a:fillRef idx="1">
-            <a:schemeClr val="accent1"/>
-          </a:fillRef>
-          <a:effectRef idx="0">
-            <a:schemeClr val="accent1"/>
-          </a:effectRef>
-          <a:fontRef idx="minor">
-            <a:schemeClr val="lt1"/>
-          </a:fontRef>
-        </p:style>
-        <p:txBody>
-          <a:bodyPr rtlCol="0" anchor="ctr"/>
-          <a:lstStyle/>
-          <a:p>
-            <a:pPr algn="ctr"/>
-            <a:endParaRPr lang="en-US">
-              <a:latin typeface="Segoe UI Light" panose="020B0502040204020203" pitchFamily="34" charset="0"/>
-              <a:cs typeface="Segoe UI Light" panose="020B0502040204020203" pitchFamily="34" charset="0"/>
-            </a:endParaRPr>
-          </a:p>
-        </p:txBody>
-      </p:sp>
-      <p:sp>
-        <p:nvSpPr>
-          <p:cNvPr id="24" name="Right Arrow 23"/>
-          <p:cNvSpPr/>
-          <p:nvPr/>
-        </p:nvSpPr>
-        <p:spPr>
-          <a:xfrm rot="18570068">
-            <a:off x="5450422" y="3506158"/>
-            <a:ext cx="425226" cy="304800"/>
-          </a:xfrm>
-          <a:prstGeom prst="rightArrow">
-            <a:avLst/>
-          </a:prstGeom>
-          <a:solidFill>
-            <a:schemeClr val="accent1">
-              <a:lumMod val="20000"/>
-              <a:lumOff val="80000"/>
-            </a:schemeClr>
-          </a:solidFill>
-          <a:ln>
-            <a:prstDash val="sysDash"/>
-          </a:ln>
-        </p:spPr>
-        <p:style>
-          <a:lnRef idx="2">
-            <a:schemeClr val="accent1">
-              <a:shade val="50000"/>
-            </a:schemeClr>
-          </a:lnRef>
-          <a:fillRef idx="1">
-            <a:schemeClr val="accent1"/>
-          </a:fillRef>
-          <a:effectRef idx="0">
-            <a:schemeClr val="accent1"/>
-          </a:effectRef>
-          <a:fontRef idx="minor">
-            <a:schemeClr val="lt1"/>
-          </a:fontRef>
-        </p:style>
-        <p:txBody>
-          <a:bodyPr rtlCol="0" anchor="ctr"/>
-          <a:lstStyle/>
-          <a:p>
-            <a:pPr algn="ctr"/>
-            <a:endParaRPr lang="en-US">
-              <a:latin typeface="Segoe UI Light" panose="020B0502040204020203" pitchFamily="34" charset="0"/>
-              <a:cs typeface="Segoe UI Light" panose="020B0502040204020203" pitchFamily="34" charset="0"/>
-            </a:endParaRPr>
-          </a:p>
-        </p:txBody>
-      </p:sp>
-      <p:sp>
-        <p:nvSpPr>
-          <p:cNvPr id="25" name="Right Arrow 24"/>
-          <p:cNvSpPr/>
-          <p:nvPr/>
-        </p:nvSpPr>
-        <p:spPr>
-          <a:xfrm>
-            <a:off x="2057400" y="2503273"/>
-            <a:ext cx="838200" cy="304800"/>
-          </a:xfrm>
-          <a:prstGeom prst="rightArrow">
-            <a:avLst/>
-          </a:prstGeom>
-          <a:solidFill>
-            <a:schemeClr val="accent4">
-              <a:lumMod val="60000"/>
-              <a:lumOff val="40000"/>
-            </a:schemeClr>
-          </a:solidFill>
-        </p:spPr>
-        <p:style>
-          <a:lnRef idx="2">
-            <a:schemeClr val="accent1">
-              <a:shade val="50000"/>
-            </a:schemeClr>
-          </a:lnRef>
-          <a:fillRef idx="1">
-            <a:schemeClr val="accent1"/>
-          </a:fillRef>
-          <a:effectRef idx="0">
-            <a:schemeClr val="accent1"/>
-          </a:effectRef>
-          <a:fontRef idx="minor">
-            <a:schemeClr val="lt1"/>
-          </a:fontRef>
-        </p:style>
-        <p:txBody>
-          <a:bodyPr rtlCol="0" anchor="ctr"/>
-          <a:lstStyle/>
-          <a:p>
-            <a:pPr algn="ctr"/>
-            <a:endParaRPr lang="en-US">
-              <a:latin typeface="Segoe UI Light" panose="020B0502040204020203" pitchFamily="34" charset="0"/>
-              <a:cs typeface="Segoe UI Light" panose="020B0502040204020203" pitchFamily="34" charset="0"/>
-            </a:endParaRPr>
-          </a:p>
-        </p:txBody>
-      </p:sp>
-      <p:sp>
-        <p:nvSpPr>
-          <p:cNvPr id="26" name="Rectangle 25"/>
-          <p:cNvSpPr/>
-          <p:nvPr/>
-        </p:nvSpPr>
-        <p:spPr>
-          <a:xfrm>
-            <a:off x="608666" y="4332880"/>
-            <a:ext cx="1295400" cy="609600"/>
-          </a:xfrm>
-          <a:prstGeom prst="rect">
-            <a:avLst/>
-          </a:prstGeom>
-        </p:spPr>
-        <p:style>
-          <a:lnRef idx="2">
-            <a:schemeClr val="accent3">
-              <a:shade val="50000"/>
-            </a:schemeClr>
-          </a:lnRef>
-          <a:fillRef idx="1">
-            <a:schemeClr val="accent3"/>
-          </a:fillRef>
-          <a:effectRef idx="0">
-            <a:schemeClr val="accent3"/>
-          </a:effectRef>
-          <a:fontRef idx="minor">
-            <a:schemeClr val="lt1"/>
-          </a:fontRef>
-        </p:style>
-        <p:txBody>
-          <a:bodyPr rtlCol="0" anchor="ctr"/>
-          <a:lstStyle/>
-          <a:p>
-            <a:pPr algn="ctr"/>
-            <a:r>
-              <a:rPr lang="en-US" dirty="0" smtClean="0">
-                <a:latin typeface="Segoe UI" panose="020B0502040204020203" pitchFamily="34" charset="0"/>
-                <a:cs typeface="Segoe UI" panose="020B0502040204020203" pitchFamily="34" charset="0"/>
-              </a:rPr>
-              <a:t>Response</a:t>
-            </a:r>
-            <a:endParaRPr lang="en-US" dirty="0">
-              <a:latin typeface="Segoe UI" panose="020B0502040204020203" pitchFamily="34" charset="0"/>
-              <a:cs typeface="Segoe UI" panose="020B0502040204020203" pitchFamily="34" charset="0"/>
-            </a:endParaRPr>
-          </a:p>
-        </p:txBody>
-      </p:sp>
-      <p:sp>
-        <p:nvSpPr>
-          <p:cNvPr id="27" name="Right Arrow 26"/>
-          <p:cNvSpPr/>
-          <p:nvPr/>
-        </p:nvSpPr>
-        <p:spPr>
-          <a:xfrm flipH="1">
-            <a:off x="2057399" y="4478739"/>
-            <a:ext cx="1981200" cy="304800"/>
-          </a:xfrm>
-          <a:prstGeom prst="rightArrow">
-            <a:avLst/>
-          </a:prstGeom>
-          <a:solidFill>
-            <a:schemeClr val="accent4">
-              <a:lumMod val="60000"/>
-              <a:lumOff val="40000"/>
-            </a:schemeClr>
-          </a:solidFill>
-        </p:spPr>
-        <p:style>
-          <a:lnRef idx="2">
-            <a:schemeClr val="accent1">
-              <a:shade val="50000"/>
-            </a:schemeClr>
-          </a:lnRef>
-          <a:fillRef idx="1">
-            <a:schemeClr val="accent1"/>
-          </a:fillRef>
-          <a:effectRef idx="0">
-            <a:schemeClr val="accent1"/>
-          </a:effectRef>
-          <a:fontRef idx="minor">
-            <a:schemeClr val="lt1"/>
-          </a:fontRef>
-        </p:style>
-        <p:txBody>
-          <a:bodyPr rtlCol="0" anchor="ctr"/>
-          <a:lstStyle/>
-          <a:p>
-            <a:pPr algn="ctr"/>
-            <a:endParaRPr lang="en-US">
-              <a:latin typeface="Segoe UI Light" panose="020B0502040204020203" pitchFamily="34" charset="0"/>
-              <a:cs typeface="Segoe UI Light" panose="020B0502040204020203" pitchFamily="34" charset="0"/>
-            </a:endParaRPr>
-          </a:p>
-        </p:txBody>
-      </p:sp>
-      <p:sp>
-        <p:nvSpPr>
-          <p:cNvPr id="12" name="TextBox 11"/>
-          <p:cNvSpPr txBox="1"/>
-          <p:nvPr/>
-        </p:nvSpPr>
-        <p:spPr>
-          <a:xfrm>
-            <a:off x="7620000" y="1835420"/>
-            <a:ext cx="3994731" cy="4247317"/>
-          </a:xfrm>
-          <a:prstGeom prst="rect">
-            <a:avLst/>
-          </a:prstGeom>
-          <a:noFill/>
-        </p:spPr>
-        <p:txBody>
-          <a:bodyPr wrap="square" rtlCol="0">
-            <a:spAutoFit/>
-          </a:bodyPr>
-          <a:lstStyle/>
-          <a:p>
-            <a:pPr marL="342900" indent="-342900">
-              <a:buAutoNum type="arabicPeriod"/>
-            </a:pPr>
-            <a:r>
-              <a:rPr lang="ru-RU" dirty="0" smtClean="0">
-                <a:latin typeface="Segoe UI" panose="020B0502040204020203" pitchFamily="34" charset="0"/>
-                <a:cs typeface="Segoe UI" panose="020B0502040204020203" pitchFamily="34" charset="0"/>
-              </a:rPr>
-              <a:t>Запрос к каталогу товаров.</a:t>
-            </a:r>
-          </a:p>
-          <a:p>
-            <a:pPr marL="342900" indent="-342900">
-              <a:buAutoNum type="arabicPeriod"/>
-            </a:pPr>
-            <a:r>
-              <a:rPr lang="ru-RU" dirty="0" smtClean="0">
-                <a:latin typeface="Segoe UI" panose="020B0502040204020203" pitchFamily="34" charset="0"/>
-                <a:cs typeface="Segoe UI" panose="020B0502040204020203" pitchFamily="34" charset="0"/>
-              </a:rPr>
-              <a:t>Контроллер каталога товаров обрабатывает запрос.</a:t>
-            </a:r>
-          </a:p>
-          <a:p>
-            <a:pPr marL="342900" indent="-342900">
-              <a:buAutoNum type="arabicPeriod"/>
-            </a:pPr>
-            <a:r>
-              <a:rPr lang="ru-RU" dirty="0" smtClean="0">
-                <a:latin typeface="Segoe UI" panose="020B0502040204020203" pitchFamily="34" charset="0"/>
-                <a:cs typeface="Segoe UI" panose="020B0502040204020203" pitchFamily="34" charset="0"/>
-              </a:rPr>
-              <a:t>Контроллер получает список товаров (модель) из базы данных.</a:t>
-            </a:r>
-          </a:p>
-          <a:p>
-            <a:pPr marL="342900" indent="-342900">
-              <a:buAutoNum type="arabicPeriod"/>
-            </a:pPr>
-            <a:r>
-              <a:rPr lang="ru-RU" dirty="0" smtClean="0">
-                <a:latin typeface="Segoe UI" panose="020B0502040204020203" pitchFamily="34" charset="0"/>
-                <a:cs typeface="Segoe UI" panose="020B0502040204020203" pitchFamily="34" charset="0"/>
-              </a:rPr>
-              <a:t>Контроллер выбирает представление для отображения каталога и передает ему модель.</a:t>
-            </a:r>
-          </a:p>
-          <a:p>
-            <a:pPr marL="342900" indent="-342900">
-              <a:buAutoNum type="arabicPeriod"/>
-            </a:pPr>
-            <a:r>
-              <a:rPr lang="ru-RU" dirty="0" smtClean="0">
-                <a:latin typeface="Segoe UI" panose="020B0502040204020203" pitchFamily="34" charset="0"/>
-                <a:cs typeface="Segoe UI" panose="020B0502040204020203" pitchFamily="34" charset="0"/>
-              </a:rPr>
-              <a:t>Представление помещает элементы модели в </a:t>
-            </a:r>
-            <a:r>
-              <a:rPr lang="en-US" dirty="0" smtClean="0">
-                <a:latin typeface="Segoe UI" panose="020B0502040204020203" pitchFamily="34" charset="0"/>
-                <a:cs typeface="Segoe UI" panose="020B0502040204020203" pitchFamily="34" charset="0"/>
-              </a:rPr>
-              <a:t>HTML </a:t>
-            </a:r>
-            <a:r>
-              <a:rPr lang="ru-RU" dirty="0" smtClean="0">
-                <a:latin typeface="Segoe UI" panose="020B0502040204020203" pitchFamily="34" charset="0"/>
-                <a:cs typeface="Segoe UI" panose="020B0502040204020203" pitchFamily="34" charset="0"/>
-              </a:rPr>
-              <a:t>разметку.</a:t>
-            </a:r>
-          </a:p>
-          <a:p>
-            <a:pPr marL="342900" indent="-342900">
-              <a:buAutoNum type="arabicPeriod"/>
-            </a:pPr>
-            <a:r>
-              <a:rPr lang="ru-RU" dirty="0" smtClean="0">
-                <a:latin typeface="Segoe UI" panose="020B0502040204020203" pitchFamily="34" charset="0"/>
-                <a:cs typeface="Segoe UI" panose="020B0502040204020203" pitchFamily="34" charset="0"/>
-              </a:rPr>
-              <a:t>Результат в виде готовой </a:t>
-            </a:r>
-            <a:r>
-              <a:rPr lang="en-US" dirty="0" smtClean="0">
-                <a:latin typeface="Segoe UI" panose="020B0502040204020203" pitchFamily="34" charset="0"/>
-                <a:cs typeface="Segoe UI" panose="020B0502040204020203" pitchFamily="34" charset="0"/>
-              </a:rPr>
-              <a:t>HTML </a:t>
-            </a:r>
-            <a:r>
-              <a:rPr lang="ru-RU" dirty="0" smtClean="0">
-                <a:latin typeface="Segoe UI" panose="020B0502040204020203" pitchFamily="34" charset="0"/>
-                <a:cs typeface="Segoe UI" panose="020B0502040204020203" pitchFamily="34" charset="0"/>
-              </a:rPr>
-              <a:t>страницы отправляется пользователю.</a:t>
-            </a:r>
-            <a:endParaRPr lang="en-US" dirty="0">
-              <a:latin typeface="Segoe UI" panose="020B0502040204020203" pitchFamily="34" charset="0"/>
-              <a:cs typeface="Segoe UI" panose="020B0502040204020203" pitchFamily="34" charset="0"/>
-            </a:endParaRPr>
-          </a:p>
-        </p:txBody>
-      </p:sp>
-      <p:sp>
-        <p:nvSpPr>
-          <p:cNvPr id="28" name="TextBox 27"/>
-          <p:cNvSpPr txBox="1"/>
-          <p:nvPr/>
-        </p:nvSpPr>
-        <p:spPr>
-          <a:xfrm>
-            <a:off x="608666" y="1945299"/>
-            <a:ext cx="239168" cy="276999"/>
-          </a:xfrm>
-          <a:prstGeom prst="rect">
-            <a:avLst/>
-          </a:prstGeom>
-          <a:solidFill>
-            <a:srgbClr val="FF0000"/>
-          </a:solidFill>
-        </p:spPr>
-        <p:txBody>
-          <a:bodyPr wrap="none" rtlCol="0">
-            <a:spAutoFit/>
-          </a:bodyPr>
-          <a:lstStyle/>
-          <a:p>
-            <a:r>
-              <a:rPr lang="ru-RU" sz="1200" b="1" dirty="0" smtClean="0">
-                <a:solidFill>
-                  <a:schemeClr val="bg1"/>
-                </a:solidFill>
-                <a:latin typeface="Segoe UI Light" panose="020B0502040204020203" pitchFamily="34" charset="0"/>
-                <a:cs typeface="Segoe UI Light" panose="020B0502040204020203" pitchFamily="34" charset="0"/>
-              </a:rPr>
-              <a:t>1</a:t>
-            </a:r>
-            <a:endParaRPr lang="en-US" sz="1200" b="1" dirty="0">
-              <a:solidFill>
-                <a:schemeClr val="bg1"/>
-              </a:solidFill>
-              <a:latin typeface="Segoe UI Light" panose="020B0502040204020203" pitchFamily="34" charset="0"/>
-              <a:cs typeface="Segoe UI Light" panose="020B0502040204020203" pitchFamily="34" charset="0"/>
-            </a:endParaRPr>
-          </a:p>
-        </p:txBody>
-      </p:sp>
-      <p:sp>
-        <p:nvSpPr>
-          <p:cNvPr id="29" name="TextBox 28"/>
-          <p:cNvSpPr txBox="1"/>
-          <p:nvPr/>
-        </p:nvSpPr>
-        <p:spPr>
-          <a:xfrm>
-            <a:off x="2739087" y="2892588"/>
-            <a:ext cx="263214" cy="276999"/>
-          </a:xfrm>
-          <a:prstGeom prst="rect">
-            <a:avLst/>
-          </a:prstGeom>
-          <a:solidFill>
-            <a:srgbClr val="FF0000"/>
-          </a:solidFill>
-        </p:spPr>
-        <p:txBody>
-          <a:bodyPr wrap="none" rtlCol="0">
-            <a:spAutoFit/>
-          </a:bodyPr>
-          <a:lstStyle/>
-          <a:p>
-            <a:r>
-              <a:rPr lang="ru-RU" sz="1200" b="1" dirty="0" smtClean="0">
-                <a:solidFill>
-                  <a:schemeClr val="bg1"/>
-                </a:solidFill>
-                <a:latin typeface="Segoe UI Light" panose="020B0502040204020203" pitchFamily="34" charset="0"/>
-                <a:cs typeface="Segoe UI Light" panose="020B0502040204020203" pitchFamily="34" charset="0"/>
-              </a:rPr>
-              <a:t>2</a:t>
-            </a:r>
-            <a:endParaRPr lang="en-US" sz="1200" b="1" dirty="0">
-              <a:solidFill>
-                <a:schemeClr val="bg1"/>
-              </a:solidFill>
-              <a:latin typeface="Segoe UI Light" panose="020B0502040204020203" pitchFamily="34" charset="0"/>
-              <a:cs typeface="Segoe UI Light" panose="020B0502040204020203" pitchFamily="34" charset="0"/>
-            </a:endParaRPr>
-          </a:p>
-        </p:txBody>
-      </p:sp>
-      <p:sp>
-        <p:nvSpPr>
-          <p:cNvPr id="30" name="TextBox 29"/>
-          <p:cNvSpPr txBox="1"/>
-          <p:nvPr/>
-        </p:nvSpPr>
-        <p:spPr>
-          <a:xfrm>
-            <a:off x="4754626" y="2204892"/>
-            <a:ext cx="263214" cy="276999"/>
-          </a:xfrm>
-          <a:prstGeom prst="rect">
-            <a:avLst/>
-          </a:prstGeom>
-          <a:solidFill>
-            <a:srgbClr val="FF0000"/>
-          </a:solidFill>
-        </p:spPr>
-        <p:txBody>
-          <a:bodyPr wrap="none" rtlCol="0">
-            <a:spAutoFit/>
-          </a:bodyPr>
-          <a:lstStyle/>
-          <a:p>
-            <a:r>
-              <a:rPr lang="ru-RU" sz="1200" b="1" dirty="0" smtClean="0">
-                <a:solidFill>
-                  <a:schemeClr val="bg1"/>
-                </a:solidFill>
-                <a:latin typeface="Segoe UI Light" panose="020B0502040204020203" pitchFamily="34" charset="0"/>
-                <a:cs typeface="Segoe UI Light" panose="020B0502040204020203" pitchFamily="34" charset="0"/>
-              </a:rPr>
-              <a:t>3</a:t>
-            </a:r>
-            <a:endParaRPr lang="en-US" sz="1200" b="1" dirty="0">
-              <a:solidFill>
-                <a:schemeClr val="bg1"/>
-              </a:solidFill>
-              <a:latin typeface="Segoe UI Light" panose="020B0502040204020203" pitchFamily="34" charset="0"/>
-              <a:cs typeface="Segoe UI Light" panose="020B0502040204020203" pitchFamily="34" charset="0"/>
-            </a:endParaRPr>
-          </a:p>
-        </p:txBody>
-      </p:sp>
-      <p:sp>
-        <p:nvSpPr>
-          <p:cNvPr id="31" name="TextBox 30"/>
-          <p:cNvSpPr txBox="1"/>
-          <p:nvPr/>
-        </p:nvSpPr>
-        <p:spPr>
-          <a:xfrm>
-            <a:off x="3886614" y="3522643"/>
-            <a:ext cx="266420" cy="276999"/>
-          </a:xfrm>
-          <a:prstGeom prst="rect">
-            <a:avLst/>
-          </a:prstGeom>
-          <a:solidFill>
-            <a:srgbClr val="FF0000"/>
-          </a:solidFill>
-        </p:spPr>
-        <p:txBody>
-          <a:bodyPr wrap="none" rtlCol="0">
-            <a:spAutoFit/>
-          </a:bodyPr>
-          <a:lstStyle/>
-          <a:p>
-            <a:r>
-              <a:rPr lang="ru-RU" sz="1200" b="1" dirty="0">
-                <a:solidFill>
-                  <a:schemeClr val="bg1"/>
-                </a:solidFill>
-                <a:latin typeface="Segoe UI Light" panose="020B0502040204020203" pitchFamily="34" charset="0"/>
-                <a:cs typeface="Segoe UI Light" panose="020B0502040204020203" pitchFamily="34" charset="0"/>
-              </a:rPr>
-              <a:t>4</a:t>
-            </a:r>
-            <a:endParaRPr lang="en-US" sz="1200" b="1" dirty="0">
-              <a:solidFill>
-                <a:schemeClr val="bg1"/>
-              </a:solidFill>
-              <a:latin typeface="Segoe UI Light" panose="020B0502040204020203" pitchFamily="34" charset="0"/>
-              <a:cs typeface="Segoe UI Light" panose="020B0502040204020203" pitchFamily="34" charset="0"/>
-            </a:endParaRPr>
-          </a:p>
-        </p:txBody>
-      </p:sp>
-      <p:sp>
-        <p:nvSpPr>
-          <p:cNvPr id="32" name="TextBox 31"/>
-          <p:cNvSpPr txBox="1"/>
-          <p:nvPr/>
-        </p:nvSpPr>
-        <p:spPr>
-          <a:xfrm>
-            <a:off x="5915871" y="3545222"/>
-            <a:ext cx="263214" cy="276999"/>
-          </a:xfrm>
-          <a:prstGeom prst="rect">
-            <a:avLst/>
-          </a:prstGeom>
-          <a:solidFill>
-            <a:srgbClr val="FF0000"/>
-          </a:solidFill>
-        </p:spPr>
-        <p:txBody>
-          <a:bodyPr wrap="none" rtlCol="0">
-            <a:spAutoFit/>
-          </a:bodyPr>
-          <a:lstStyle/>
-          <a:p>
-            <a:r>
-              <a:rPr lang="ru-RU" sz="1200" b="1" dirty="0">
-                <a:solidFill>
-                  <a:schemeClr val="bg1"/>
-                </a:solidFill>
-                <a:latin typeface="Segoe UI Light" panose="020B0502040204020203" pitchFamily="34" charset="0"/>
-                <a:cs typeface="Segoe UI Light" panose="020B0502040204020203" pitchFamily="34" charset="0"/>
-              </a:rPr>
-              <a:t>5</a:t>
-            </a:r>
-            <a:endParaRPr lang="en-US" sz="1200" b="1" dirty="0">
-              <a:solidFill>
-                <a:schemeClr val="bg1"/>
-              </a:solidFill>
-              <a:latin typeface="Segoe UI Light" panose="020B0502040204020203" pitchFamily="34" charset="0"/>
-              <a:cs typeface="Segoe UI Light" panose="020B0502040204020203" pitchFamily="34" charset="0"/>
-            </a:endParaRPr>
-          </a:p>
-        </p:txBody>
-      </p:sp>
-      <p:sp>
-        <p:nvSpPr>
-          <p:cNvPr id="33" name="TextBox 32"/>
-          <p:cNvSpPr txBox="1"/>
-          <p:nvPr/>
-        </p:nvSpPr>
-        <p:spPr>
-          <a:xfrm>
-            <a:off x="605870" y="3990201"/>
-            <a:ext cx="263214" cy="276999"/>
-          </a:xfrm>
-          <a:prstGeom prst="rect">
-            <a:avLst/>
-          </a:prstGeom>
-          <a:solidFill>
-            <a:srgbClr val="FF0000"/>
-          </a:solidFill>
-        </p:spPr>
-        <p:txBody>
-          <a:bodyPr wrap="none" rtlCol="0">
-            <a:spAutoFit/>
-          </a:bodyPr>
-          <a:lstStyle/>
-          <a:p>
-            <a:r>
-              <a:rPr lang="ru-RU" sz="1200" b="1" dirty="0" smtClean="0">
-                <a:solidFill>
-                  <a:schemeClr val="bg1"/>
-                </a:solidFill>
-                <a:latin typeface="Segoe UI Light" panose="020B0502040204020203" pitchFamily="34" charset="0"/>
-                <a:cs typeface="Segoe UI Light" panose="020B0502040204020203" pitchFamily="34" charset="0"/>
-              </a:rPr>
-              <a:t>6</a:t>
-            </a:r>
-            <a:endParaRPr lang="en-US" sz="1200" b="1" dirty="0">
-              <a:solidFill>
-                <a:schemeClr val="bg1"/>
-              </a:solidFill>
-              <a:latin typeface="Segoe UI Light" panose="020B0502040204020203" pitchFamily="34" charset="0"/>
-              <a:cs typeface="Segoe UI Light" panose="020B0502040204020203" pitchFamily="34" charset="0"/>
-            </a:endParaRPr>
-          </a:p>
-        </p:txBody>
-      </p:sp>
-      <p:sp>
-        <p:nvSpPr>
-          <p:cNvPr id="34" name="Заголовок 1"/>
+            <a:endParaRPr lang="en-US"/>
+          </a:p>
+        </p:txBody>
+      </p:sp>
+      <p:sp>
+        <p:nvSpPr>
+          <p:cNvPr id="22" name="Заголовок 1"/>
           <p:cNvSpPr txBox="1">
             <a:spLocks/>
           </p:cNvSpPr>
@@ -11357,7 +8921,7 @@
           </a:lstStyle>
           <a:p>
             <a:r>
-              <a:rPr lang="ru-RU" sz="3600" dirty="0" smtClean="0">
+              <a:rPr lang="en-US" sz="3600" dirty="0">
                 <a:solidFill>
                   <a:schemeClr val="bg1"/>
                 </a:solidFill>
@@ -11365,83 +8929,111 @@
                 <a:ea typeface="Segoe UI" pitchFamily="34" charset="0"/>
                 <a:cs typeface="Segoe UI Light" panose="020B0502040204020203" pitchFamily="34" charset="0"/>
               </a:rPr>
-              <a:t>Тема курса</a:t>
-            </a:r>
-            <a:endParaRPr lang="en-US" sz="3600" dirty="0">
-              <a:solidFill>
-                <a:schemeClr val="bg1"/>
-              </a:solidFill>
-              <a:latin typeface="Segoe UI Light" panose="020B0502040204020203" pitchFamily="34" charset="0"/>
-              <a:ea typeface="Segoe UI" pitchFamily="34" charset="0"/>
-              <a:cs typeface="Segoe UI Light" panose="020B0502040204020203" pitchFamily="34" charset="0"/>
-            </a:endParaRPr>
-          </a:p>
-        </p:txBody>
-      </p:sp>
-      <p:sp>
-        <p:nvSpPr>
-          <p:cNvPr id="35" name="Заголовок 1"/>
-          <p:cNvSpPr txBox="1">
-            <a:spLocks/>
-          </p:cNvSpPr>
+              <a:t>PHP Essentials</a:t>
+            </a:r>
+          </a:p>
+        </p:txBody>
+      </p:sp>
+      <p:sp>
+        <p:nvSpPr>
+          <p:cNvPr id="2" name="Rectangle 1"/>
+          <p:cNvSpPr/>
           <p:nvPr/>
         </p:nvSpPr>
         <p:spPr>
           <a:xfrm>
-            <a:off x="1981200" y="808038"/>
-            <a:ext cx="8229600" cy="563562"/>
+            <a:off x="533400" y="1809750"/>
+            <a:ext cx="10058400" cy="4240212"/>
           </a:xfrm>
           <a:prstGeom prst="rect">
             <a:avLst/>
           </a:prstGeom>
-        </p:spPr>
-        <p:txBody>
-          <a:bodyPr vert="horz" lIns="91440" tIns="45720" rIns="91440" bIns="45720" rtlCol="0" anchor="ctr">
-            <a:normAutofit/>
-          </a:bodyPr>
-          <a:lstStyle>
-            <a:lvl1pPr algn="ctr" defTabSz="914400" rtl="0" eaLnBrk="1" latinLnBrk="0" hangingPunct="1">
-              <a:spcBef>
-                <a:spcPct val="0"/>
-              </a:spcBef>
-              <a:buNone/>
-              <a:defRPr sz="4400" kern="1200">
+          <a:noFill/>
+          <a:ln>
+            <a:noFill/>
+          </a:ln>
+        </p:spPr>
+        <p:style>
+          <a:lnRef idx="2">
+            <a:schemeClr val="accent1">
+              <a:shade val="50000"/>
+            </a:schemeClr>
+          </a:lnRef>
+          <a:fillRef idx="1">
+            <a:schemeClr val="accent1"/>
+          </a:fillRef>
+          <a:effectRef idx="0">
+            <a:schemeClr val="accent1"/>
+          </a:effectRef>
+          <a:fontRef idx="minor">
+            <a:schemeClr val="lt1"/>
+          </a:fontRef>
+        </p:style>
+        <p:txBody>
+          <a:bodyPr rtlCol="0" anchor="t"/>
+          <a:lstStyle/>
+          <a:p>
+            <a:pPr marL="342900" indent="-342900">
+              <a:buFont typeface="+mj-lt"/>
+              <a:buAutoNum type="arabicPeriod"/>
+            </a:pPr>
+            <a:r>
+              <a:rPr lang="ru-RU" b="1" dirty="0">
                 <a:solidFill>
                   <a:schemeClr val="tx1"/>
                 </a:solidFill>
-                <a:latin typeface="+mj-lt"/>
-                <a:ea typeface="+mj-ea"/>
-                <a:cs typeface="+mj-cs"/>
-              </a:defRPr>
-            </a:lvl1pPr>
-          </a:lstStyle>
-          <a:p>
-            <a:r>
-              <a:rPr lang="uk-UA" sz="2800" dirty="0" err="1" smtClean="0">
+                <a:latin typeface="Segoe UI" panose="020B0502040204020203" pitchFamily="34" charset="0"/>
+                <a:cs typeface="Segoe UI" panose="020B0502040204020203" pitchFamily="34" charset="0"/>
+              </a:rPr>
+              <a:t>Глобальное</a:t>
+            </a:r>
+          </a:p>
+          <a:p>
+            <a:pPr marL="342900" indent="-342900">
+              <a:buFont typeface="+mj-lt"/>
+              <a:buAutoNum type="arabicPeriod"/>
+            </a:pPr>
+            <a:r>
+              <a:rPr lang="ru-RU" b="1" dirty="0">
                 <a:solidFill>
-                  <a:srgbClr val="D04E1D"/>
+                  <a:schemeClr val="tx1"/>
                 </a:solidFill>
-                <a:latin typeface="Segoe UI Light" panose="020B0502040204020203" pitchFamily="34" charset="0"/>
-                <a:cs typeface="Segoe UI Light" panose="020B0502040204020203" pitchFamily="34" charset="0"/>
+                <a:latin typeface="Segoe UI" panose="020B0502040204020203" pitchFamily="34" charset="0"/>
+                <a:cs typeface="Segoe UI" panose="020B0502040204020203" pitchFamily="34" charset="0"/>
               </a:rPr>
-              <a:t>Подзаголовок</a:t>
-            </a:r>
-            <a:r>
-              <a:rPr lang="uk-UA" sz="2800" dirty="0" smtClean="0">
-                <a:solidFill>
-                  <a:srgbClr val="D04E1D"/>
-                </a:solidFill>
-                <a:latin typeface="Segoe UI Light" panose="020B0502040204020203" pitchFamily="34" charset="0"/>
-                <a:cs typeface="Segoe UI Light" panose="020B0502040204020203" pitchFamily="34" charset="0"/>
-              </a:rPr>
-              <a:t> слайда</a:t>
-            </a:r>
-            <a:endParaRPr lang="en-US" sz="2800" dirty="0">
+              <a:t>Множество маленьких локальных</a:t>
+            </a:r>
+          </a:p>
+          <a:p>
+            <a:pPr lvl="1"/>
+            <a:endParaRPr lang="ru-RU" dirty="0">
               <a:solidFill>
-                <a:srgbClr val="D04E1D"/>
+                <a:schemeClr val="tx1"/>
               </a:solidFill>
-              <a:latin typeface="Segoe UI Light" panose="020B0502040204020203" pitchFamily="34" charset="0"/>
-              <a:cs typeface="Segoe UI Light" panose="020B0502040204020203" pitchFamily="34" charset="0"/>
+              <a:latin typeface="Segoe UI" panose="020B0502040204020203" pitchFamily="34" charset="0"/>
+              <a:cs typeface="Segoe UI" panose="020B0502040204020203" pitchFamily="34" charset="0"/>
+            </a:endParaRPr>
+          </a:p>
+          <a:p>
+            <a:pPr marL="800100" lvl="1" indent="-342900">
+              <a:buFont typeface="+mj-lt"/>
+              <a:buAutoNum type="arabicPeriod"/>
+            </a:pPr>
+            <a:endParaRPr lang="en-US" dirty="0">
+              <a:solidFill>
+                <a:schemeClr val="tx1"/>
+              </a:solidFill>
+              <a:latin typeface="Segoe UI" panose="020B0502040204020203" pitchFamily="34" charset="0"/>
+              <a:cs typeface="Segoe UI" panose="020B0502040204020203" pitchFamily="34" charset="0"/>
+            </a:endParaRPr>
+          </a:p>
+          <a:p>
+            <a:endParaRPr lang="en-US" dirty="0">
+              <a:solidFill>
+                <a:schemeClr val="tx1"/>
+              </a:solidFill>
+              <a:latin typeface="Segoe UI" panose="020B0502040204020203" pitchFamily="34" charset="0"/>
+              <a:cs typeface="Segoe UI" panose="020B0502040204020203" pitchFamily="34" charset="0"/>
             </a:endParaRPr>
           </a:p>
         </p:txBody>
@@ -11449,7 +9041,7 @@
     </p:spTree>
     <p:extLst>
       <p:ext uri="{BB962C8B-B14F-4D97-AF65-F5344CB8AC3E}">
-        <p14:creationId xmlns:p14="http://schemas.microsoft.com/office/powerpoint/2010/main" val="3323528129"/>
+        <p14:creationId xmlns:p14="http://schemas.microsoft.com/office/powerpoint/2010/main" val="502299138"/>
       </p:ext>
     </p:extLst>
   </p:cSld>
@@ -11459,780 +9051,6 @@
   <p:transition spd="slow">
     <p:cover/>
   </p:transition>
-  <p:timing>
-    <p:tnLst>
-      <p:par>
-        <p:cTn id="1" dur="indefinite" restart="never" nodeType="tmRoot">
-          <p:childTnLst>
-            <p:seq concurrent="1" nextAc="seek">
-              <p:cTn id="2" dur="indefinite" nodeType="mainSeq">
-                <p:childTnLst>
-                  <p:par>
-                    <p:cTn id="3" fill="hold">
-                      <p:stCondLst>
-                        <p:cond delay="indefinite"/>
-                      </p:stCondLst>
-                      <p:childTnLst>
-                        <p:par>
-                          <p:cTn id="4" fill="hold">
-                            <p:stCondLst>
-                              <p:cond delay="0"/>
-                            </p:stCondLst>
-                            <p:childTnLst>
-                              <p:par>
-                                <p:cTn id="5" presetID="1" presetClass="entr" presetSubtype="0" fill="hold" nodeType="clickEffect">
-                                  <p:stCondLst>
-                                    <p:cond delay="0"/>
-                                  </p:stCondLst>
-                                  <p:childTnLst>
-                                    <p:set>
-                                      <p:cBhvr>
-                                        <p:cTn id="6" dur="1" fill="hold">
-                                          <p:stCondLst>
-                                            <p:cond delay="0"/>
-                                          </p:stCondLst>
-                                        </p:cTn>
-                                        <p:tgtEl>
-                                          <p:spTgt spid="12">
-                                            <p:txEl>
-                                              <p:pRg st="0" end="0"/>
-                                            </p:txEl>
-                                          </p:spTgt>
-                                        </p:tgtEl>
-                                        <p:attrNameLst>
-                                          <p:attrName>style.visibility</p:attrName>
-                                        </p:attrNameLst>
-                                      </p:cBhvr>
-                                      <p:to>
-                                        <p:strVal val="visible"/>
-                                      </p:to>
-                                    </p:set>
-                                  </p:childTnLst>
-                                </p:cTn>
-                              </p:par>
-                              <p:par>
-                                <p:cTn id="7" presetID="1" presetClass="entr" presetSubtype="0" fill="hold" grpId="0" nodeType="withEffect">
-                                  <p:stCondLst>
-                                    <p:cond delay="0"/>
-                                  </p:stCondLst>
-                                  <p:childTnLst>
-                                    <p:set>
-                                      <p:cBhvr>
-                                        <p:cTn id="8" dur="1" fill="hold">
-                                          <p:stCondLst>
-                                            <p:cond delay="0"/>
-                                          </p:stCondLst>
-                                        </p:cTn>
-                                        <p:tgtEl>
-                                          <p:spTgt spid="3"/>
-                                        </p:tgtEl>
-                                        <p:attrNameLst>
-                                          <p:attrName>style.visibility</p:attrName>
-                                        </p:attrNameLst>
-                                      </p:cBhvr>
-                                      <p:to>
-                                        <p:strVal val="visible"/>
-                                      </p:to>
-                                    </p:set>
-                                  </p:childTnLst>
-                                </p:cTn>
-                              </p:par>
-                              <p:par>
-                                <p:cTn id="9" presetID="1" presetClass="entr" presetSubtype="0" fill="hold" grpId="0" nodeType="withEffect">
-                                  <p:stCondLst>
-                                    <p:cond delay="0"/>
-                                  </p:stCondLst>
-                                  <p:childTnLst>
-                                    <p:set>
-                                      <p:cBhvr>
-                                        <p:cTn id="10" dur="1" fill="hold">
-                                          <p:stCondLst>
-                                            <p:cond delay="0"/>
-                                          </p:stCondLst>
-                                        </p:cTn>
-                                        <p:tgtEl>
-                                          <p:spTgt spid="28"/>
-                                        </p:tgtEl>
-                                        <p:attrNameLst>
-                                          <p:attrName>style.visibility</p:attrName>
-                                        </p:attrNameLst>
-                                      </p:cBhvr>
-                                      <p:to>
-                                        <p:strVal val="visible"/>
-                                      </p:to>
-                                    </p:set>
-                                  </p:childTnLst>
-                                </p:cTn>
-                              </p:par>
-                            </p:childTnLst>
-                          </p:cTn>
-                        </p:par>
-                      </p:childTnLst>
-                    </p:cTn>
-                  </p:par>
-                  <p:par>
-                    <p:cTn id="11" fill="hold">
-                      <p:stCondLst>
-                        <p:cond delay="indefinite"/>
-                      </p:stCondLst>
-                      <p:childTnLst>
-                        <p:par>
-                          <p:cTn id="12" fill="hold">
-                            <p:stCondLst>
-                              <p:cond delay="0"/>
-                            </p:stCondLst>
-                            <p:childTnLst>
-                              <p:par>
-                                <p:cTn id="13" presetID="1" presetClass="entr" presetSubtype="0" fill="hold" nodeType="clickEffect">
-                                  <p:stCondLst>
-                                    <p:cond delay="0"/>
-                                  </p:stCondLst>
-                                  <p:childTnLst>
-                                    <p:set>
-                                      <p:cBhvr>
-                                        <p:cTn id="14" dur="1" fill="hold">
-                                          <p:stCondLst>
-                                            <p:cond delay="0"/>
-                                          </p:stCondLst>
-                                        </p:cTn>
-                                        <p:tgtEl>
-                                          <p:spTgt spid="12">
-                                            <p:txEl>
-                                              <p:pRg st="1" end="1"/>
-                                            </p:txEl>
-                                          </p:spTgt>
-                                        </p:tgtEl>
-                                        <p:attrNameLst>
-                                          <p:attrName>style.visibility</p:attrName>
-                                        </p:attrNameLst>
-                                      </p:cBhvr>
-                                      <p:to>
-                                        <p:strVal val="visible"/>
-                                      </p:to>
-                                    </p:set>
-                                  </p:childTnLst>
-                                </p:cTn>
-                              </p:par>
-                              <p:par>
-                                <p:cTn id="15" presetID="1" presetClass="entr" presetSubtype="0" fill="hold" grpId="0" nodeType="withEffect">
-                                  <p:stCondLst>
-                                    <p:cond delay="0"/>
-                                  </p:stCondLst>
-                                  <p:childTnLst>
-                                    <p:set>
-                                      <p:cBhvr>
-                                        <p:cTn id="16" dur="1" fill="hold">
-                                          <p:stCondLst>
-                                            <p:cond delay="0"/>
-                                          </p:stCondLst>
-                                        </p:cTn>
-                                        <p:tgtEl>
-                                          <p:spTgt spid="25"/>
-                                        </p:tgtEl>
-                                        <p:attrNameLst>
-                                          <p:attrName>style.visibility</p:attrName>
-                                        </p:attrNameLst>
-                                      </p:cBhvr>
-                                      <p:to>
-                                        <p:strVal val="visible"/>
-                                      </p:to>
-                                    </p:set>
-                                  </p:childTnLst>
-                                </p:cTn>
-                              </p:par>
-                              <p:par>
-                                <p:cTn id="17" presetID="1" presetClass="entr" presetSubtype="0" fill="hold" grpId="0" nodeType="withEffect">
-                                  <p:stCondLst>
-                                    <p:cond delay="0"/>
-                                  </p:stCondLst>
-                                  <p:childTnLst>
-                                    <p:set>
-                                      <p:cBhvr>
-                                        <p:cTn id="18" dur="1" fill="hold">
-                                          <p:stCondLst>
-                                            <p:cond delay="0"/>
-                                          </p:stCondLst>
-                                        </p:cTn>
-                                        <p:tgtEl>
-                                          <p:spTgt spid="29"/>
-                                        </p:tgtEl>
-                                        <p:attrNameLst>
-                                          <p:attrName>style.visibility</p:attrName>
-                                        </p:attrNameLst>
-                                      </p:cBhvr>
-                                      <p:to>
-                                        <p:strVal val="visible"/>
-                                      </p:to>
-                                    </p:set>
-                                  </p:childTnLst>
-                                </p:cTn>
-                              </p:par>
-                              <p:par>
-                                <p:cTn id="19" presetID="1" presetClass="entr" presetSubtype="0" fill="hold" grpId="0" nodeType="withEffect">
-                                  <p:stCondLst>
-                                    <p:cond delay="0"/>
-                                  </p:stCondLst>
-                                  <p:childTnLst>
-                                    <p:set>
-                                      <p:cBhvr>
-                                        <p:cTn id="20" dur="1" fill="hold">
-                                          <p:stCondLst>
-                                            <p:cond delay="0"/>
-                                          </p:stCondLst>
-                                        </p:cTn>
-                                        <p:tgtEl>
-                                          <p:spTgt spid="4"/>
-                                        </p:tgtEl>
-                                        <p:attrNameLst>
-                                          <p:attrName>style.visibility</p:attrName>
-                                        </p:attrNameLst>
-                                      </p:cBhvr>
-                                      <p:to>
-                                        <p:strVal val="visible"/>
-                                      </p:to>
-                                    </p:set>
-                                  </p:childTnLst>
-                                </p:cTn>
-                              </p:par>
-                            </p:childTnLst>
-                          </p:cTn>
-                        </p:par>
-                      </p:childTnLst>
-                    </p:cTn>
-                  </p:par>
-                  <p:par>
-                    <p:cTn id="21" fill="hold">
-                      <p:stCondLst>
-                        <p:cond delay="indefinite"/>
-                      </p:stCondLst>
-                      <p:childTnLst>
-                        <p:par>
-                          <p:cTn id="22" fill="hold">
-                            <p:stCondLst>
-                              <p:cond delay="0"/>
-                            </p:stCondLst>
-                            <p:childTnLst>
-                              <p:par>
-                                <p:cTn id="23" presetID="1" presetClass="entr" presetSubtype="0" fill="hold" nodeType="clickEffect">
-                                  <p:stCondLst>
-                                    <p:cond delay="0"/>
-                                  </p:stCondLst>
-                                  <p:childTnLst>
-                                    <p:set>
-                                      <p:cBhvr>
-                                        <p:cTn id="24" dur="1" fill="hold">
-                                          <p:stCondLst>
-                                            <p:cond delay="0"/>
-                                          </p:stCondLst>
-                                        </p:cTn>
-                                        <p:tgtEl>
-                                          <p:spTgt spid="12">
-                                            <p:txEl>
-                                              <p:pRg st="2" end="2"/>
-                                            </p:txEl>
-                                          </p:spTgt>
-                                        </p:tgtEl>
-                                        <p:attrNameLst>
-                                          <p:attrName>style.visibility</p:attrName>
-                                        </p:attrNameLst>
-                                      </p:cBhvr>
-                                      <p:to>
-                                        <p:strVal val="visible"/>
-                                      </p:to>
-                                    </p:set>
-                                  </p:childTnLst>
-                                </p:cTn>
-                              </p:par>
-                              <p:par>
-                                <p:cTn id="25" presetID="1" presetClass="entr" presetSubtype="0" fill="hold" grpId="0" nodeType="withEffect">
-                                  <p:stCondLst>
-                                    <p:cond delay="0"/>
-                                  </p:stCondLst>
-                                  <p:childTnLst>
-                                    <p:set>
-                                      <p:cBhvr>
-                                        <p:cTn id="26" dur="1" fill="hold">
-                                          <p:stCondLst>
-                                            <p:cond delay="0"/>
-                                          </p:stCondLst>
-                                        </p:cTn>
-                                        <p:tgtEl>
-                                          <p:spTgt spid="10"/>
-                                        </p:tgtEl>
-                                        <p:attrNameLst>
-                                          <p:attrName>style.visibility</p:attrName>
-                                        </p:attrNameLst>
-                                      </p:cBhvr>
-                                      <p:to>
-                                        <p:strVal val="visible"/>
-                                      </p:to>
-                                    </p:set>
-                                  </p:childTnLst>
-                                </p:cTn>
-                              </p:par>
-                              <p:par>
-                                <p:cTn id="27" presetID="1" presetClass="entr" presetSubtype="0" fill="hold" grpId="0" nodeType="withEffect">
-                                  <p:stCondLst>
-                                    <p:cond delay="0"/>
-                                  </p:stCondLst>
-                                  <p:childTnLst>
-                                    <p:set>
-                                      <p:cBhvr>
-                                        <p:cTn id="28" dur="1" fill="hold">
-                                          <p:stCondLst>
-                                            <p:cond delay="0"/>
-                                          </p:stCondLst>
-                                        </p:cTn>
-                                        <p:tgtEl>
-                                          <p:spTgt spid="30"/>
-                                        </p:tgtEl>
-                                        <p:attrNameLst>
-                                          <p:attrName>style.visibility</p:attrName>
-                                        </p:attrNameLst>
-                                      </p:cBhvr>
-                                      <p:to>
-                                        <p:strVal val="visible"/>
-                                      </p:to>
-                                    </p:set>
-                                  </p:childTnLst>
-                                </p:cTn>
-                              </p:par>
-                              <p:par>
-                                <p:cTn id="29" presetID="1" presetClass="entr" presetSubtype="0" fill="hold" grpId="0" nodeType="withEffect">
-                                  <p:stCondLst>
-                                    <p:cond delay="0"/>
-                                  </p:stCondLst>
-                                  <p:childTnLst>
-                                    <p:set>
-                                      <p:cBhvr>
-                                        <p:cTn id="30" dur="1" fill="hold">
-                                          <p:stCondLst>
-                                            <p:cond delay="0"/>
-                                          </p:stCondLst>
-                                        </p:cTn>
-                                        <p:tgtEl>
-                                          <p:spTgt spid="15"/>
-                                        </p:tgtEl>
-                                        <p:attrNameLst>
-                                          <p:attrName>style.visibility</p:attrName>
-                                        </p:attrNameLst>
-                                      </p:cBhvr>
-                                      <p:to>
-                                        <p:strVal val="visible"/>
-                                      </p:to>
-                                    </p:set>
-                                  </p:childTnLst>
-                                </p:cTn>
-                              </p:par>
-                            </p:childTnLst>
-                          </p:cTn>
-                        </p:par>
-                      </p:childTnLst>
-                    </p:cTn>
-                  </p:par>
-                  <p:par>
-                    <p:cTn id="31" fill="hold">
-                      <p:stCondLst>
-                        <p:cond delay="indefinite"/>
-                      </p:stCondLst>
-                      <p:childTnLst>
-                        <p:par>
-                          <p:cTn id="32" fill="hold">
-                            <p:stCondLst>
-                              <p:cond delay="0"/>
-                            </p:stCondLst>
-                            <p:childTnLst>
-                              <p:par>
-                                <p:cTn id="33" presetID="1" presetClass="entr" presetSubtype="0" fill="hold" nodeType="clickEffect">
-                                  <p:stCondLst>
-                                    <p:cond delay="0"/>
-                                  </p:stCondLst>
-                                  <p:childTnLst>
-                                    <p:set>
-                                      <p:cBhvr>
-                                        <p:cTn id="34" dur="1" fill="hold">
-                                          <p:stCondLst>
-                                            <p:cond delay="0"/>
-                                          </p:stCondLst>
-                                        </p:cTn>
-                                        <p:tgtEl>
-                                          <p:spTgt spid="12">
-                                            <p:txEl>
-                                              <p:pRg st="3" end="3"/>
-                                            </p:txEl>
-                                          </p:spTgt>
-                                        </p:tgtEl>
-                                        <p:attrNameLst>
-                                          <p:attrName>style.visibility</p:attrName>
-                                        </p:attrNameLst>
-                                      </p:cBhvr>
-                                      <p:to>
-                                        <p:strVal val="visible"/>
-                                      </p:to>
-                                    </p:set>
-                                  </p:childTnLst>
-                                </p:cTn>
-                              </p:par>
-                              <p:par>
-                                <p:cTn id="35" presetID="1" presetClass="entr" presetSubtype="0" fill="hold" grpId="0" nodeType="withEffect">
-                                  <p:stCondLst>
-                                    <p:cond delay="0"/>
-                                  </p:stCondLst>
-                                  <p:childTnLst>
-                                    <p:set>
-                                      <p:cBhvr>
-                                        <p:cTn id="36" dur="1" fill="hold">
-                                          <p:stCondLst>
-                                            <p:cond delay="0"/>
-                                          </p:stCondLst>
-                                        </p:cTn>
-                                        <p:tgtEl>
-                                          <p:spTgt spid="31"/>
-                                        </p:tgtEl>
-                                        <p:attrNameLst>
-                                          <p:attrName>style.visibility</p:attrName>
-                                        </p:attrNameLst>
-                                      </p:cBhvr>
-                                      <p:to>
-                                        <p:strVal val="visible"/>
-                                      </p:to>
-                                    </p:set>
-                                  </p:childTnLst>
-                                </p:cTn>
-                              </p:par>
-                              <p:par>
-                                <p:cTn id="37" presetID="1" presetClass="entr" presetSubtype="0" fill="hold" grpId="0" nodeType="withEffect">
-                                  <p:stCondLst>
-                                    <p:cond delay="0"/>
-                                  </p:stCondLst>
-                                  <p:childTnLst>
-                                    <p:set>
-                                      <p:cBhvr>
-                                        <p:cTn id="38" dur="1" fill="hold">
-                                          <p:stCondLst>
-                                            <p:cond delay="0"/>
-                                          </p:stCondLst>
-                                        </p:cTn>
-                                        <p:tgtEl>
-                                          <p:spTgt spid="23"/>
-                                        </p:tgtEl>
-                                        <p:attrNameLst>
-                                          <p:attrName>style.visibility</p:attrName>
-                                        </p:attrNameLst>
-                                      </p:cBhvr>
-                                      <p:to>
-                                        <p:strVal val="visible"/>
-                                      </p:to>
-                                    </p:set>
-                                  </p:childTnLst>
-                                </p:cTn>
-                              </p:par>
-                              <p:par>
-                                <p:cTn id="39" presetID="1" presetClass="entr" presetSubtype="0" fill="hold" grpId="0" nodeType="withEffect">
-                                  <p:stCondLst>
-                                    <p:cond delay="0"/>
-                                  </p:stCondLst>
-                                  <p:childTnLst>
-                                    <p:set>
-                                      <p:cBhvr>
-                                        <p:cTn id="40" dur="1" fill="hold">
-                                          <p:stCondLst>
-                                            <p:cond delay="0"/>
-                                          </p:stCondLst>
-                                        </p:cTn>
-                                        <p:tgtEl>
-                                          <p:spTgt spid="17"/>
-                                        </p:tgtEl>
-                                        <p:attrNameLst>
-                                          <p:attrName>style.visibility</p:attrName>
-                                        </p:attrNameLst>
-                                      </p:cBhvr>
-                                      <p:to>
-                                        <p:strVal val="visible"/>
-                                      </p:to>
-                                    </p:set>
-                                  </p:childTnLst>
-                                </p:cTn>
-                              </p:par>
-                            </p:childTnLst>
-                          </p:cTn>
-                        </p:par>
-                      </p:childTnLst>
-                    </p:cTn>
-                  </p:par>
-                  <p:par>
-                    <p:cTn id="41" fill="hold">
-                      <p:stCondLst>
-                        <p:cond delay="indefinite"/>
-                      </p:stCondLst>
-                      <p:childTnLst>
-                        <p:par>
-                          <p:cTn id="42" fill="hold">
-                            <p:stCondLst>
-                              <p:cond delay="0"/>
-                            </p:stCondLst>
-                            <p:childTnLst>
-                              <p:par>
-                                <p:cTn id="43" presetID="1" presetClass="entr" presetSubtype="0" fill="hold" nodeType="clickEffect">
-                                  <p:stCondLst>
-                                    <p:cond delay="0"/>
-                                  </p:stCondLst>
-                                  <p:childTnLst>
-                                    <p:set>
-                                      <p:cBhvr>
-                                        <p:cTn id="44" dur="1" fill="hold">
-                                          <p:stCondLst>
-                                            <p:cond delay="0"/>
-                                          </p:stCondLst>
-                                        </p:cTn>
-                                        <p:tgtEl>
-                                          <p:spTgt spid="12">
-                                            <p:txEl>
-                                              <p:pRg st="4" end="4"/>
-                                            </p:txEl>
-                                          </p:spTgt>
-                                        </p:tgtEl>
-                                        <p:attrNameLst>
-                                          <p:attrName>style.visibility</p:attrName>
-                                        </p:attrNameLst>
-                                      </p:cBhvr>
-                                      <p:to>
-                                        <p:strVal val="visible"/>
-                                      </p:to>
-                                    </p:set>
-                                  </p:childTnLst>
-                                </p:cTn>
-                              </p:par>
-                              <p:par>
-                                <p:cTn id="45" presetID="1" presetClass="entr" presetSubtype="0" fill="hold" grpId="0" nodeType="withEffect">
-                                  <p:stCondLst>
-                                    <p:cond delay="0"/>
-                                  </p:stCondLst>
-                                  <p:childTnLst>
-                                    <p:set>
-                                      <p:cBhvr>
-                                        <p:cTn id="46" dur="1" fill="hold">
-                                          <p:stCondLst>
-                                            <p:cond delay="0"/>
-                                          </p:stCondLst>
-                                        </p:cTn>
-                                        <p:tgtEl>
-                                          <p:spTgt spid="24"/>
-                                        </p:tgtEl>
-                                        <p:attrNameLst>
-                                          <p:attrName>style.visibility</p:attrName>
-                                        </p:attrNameLst>
-                                      </p:cBhvr>
-                                      <p:to>
-                                        <p:strVal val="visible"/>
-                                      </p:to>
-                                    </p:set>
-                                  </p:childTnLst>
-                                </p:cTn>
-                              </p:par>
-                              <p:par>
-                                <p:cTn id="47" presetID="1" presetClass="entr" presetSubtype="0" fill="hold" grpId="0" nodeType="withEffect">
-                                  <p:stCondLst>
-                                    <p:cond delay="0"/>
-                                  </p:stCondLst>
-                                  <p:childTnLst>
-                                    <p:set>
-                                      <p:cBhvr>
-                                        <p:cTn id="48" dur="1" fill="hold">
-                                          <p:stCondLst>
-                                            <p:cond delay="0"/>
-                                          </p:stCondLst>
-                                        </p:cTn>
-                                        <p:tgtEl>
-                                          <p:spTgt spid="32"/>
-                                        </p:tgtEl>
-                                        <p:attrNameLst>
-                                          <p:attrName>style.visibility</p:attrName>
-                                        </p:attrNameLst>
-                                      </p:cBhvr>
-                                      <p:to>
-                                        <p:strVal val="visible"/>
-                                      </p:to>
-                                    </p:set>
-                                  </p:childTnLst>
-                                </p:cTn>
-                              </p:par>
-                            </p:childTnLst>
-                          </p:cTn>
-                        </p:par>
-                      </p:childTnLst>
-                    </p:cTn>
-                  </p:par>
-                  <p:par>
-                    <p:cTn id="49" fill="hold">
-                      <p:stCondLst>
-                        <p:cond delay="indefinite"/>
-                      </p:stCondLst>
-                      <p:childTnLst>
-                        <p:par>
-                          <p:cTn id="50" fill="hold">
-                            <p:stCondLst>
-                              <p:cond delay="0"/>
-                            </p:stCondLst>
-                            <p:childTnLst>
-                              <p:par>
-                                <p:cTn id="51" presetID="1" presetClass="entr" presetSubtype="0" fill="hold" nodeType="clickEffect">
-                                  <p:stCondLst>
-                                    <p:cond delay="0"/>
-                                  </p:stCondLst>
-                                  <p:childTnLst>
-                                    <p:set>
-                                      <p:cBhvr>
-                                        <p:cTn id="52" dur="1" fill="hold">
-                                          <p:stCondLst>
-                                            <p:cond delay="0"/>
-                                          </p:stCondLst>
-                                        </p:cTn>
-                                        <p:tgtEl>
-                                          <p:spTgt spid="12">
-                                            <p:txEl>
-                                              <p:pRg st="5" end="5"/>
-                                            </p:txEl>
-                                          </p:spTgt>
-                                        </p:tgtEl>
-                                        <p:attrNameLst>
-                                          <p:attrName>style.visibility</p:attrName>
-                                        </p:attrNameLst>
-                                      </p:cBhvr>
-                                      <p:to>
-                                        <p:strVal val="visible"/>
-                                      </p:to>
-                                    </p:set>
-                                  </p:childTnLst>
-                                </p:cTn>
-                              </p:par>
-                              <p:par>
-                                <p:cTn id="53" presetID="1" presetClass="entr" presetSubtype="0" fill="hold" grpId="0" nodeType="withEffect">
-                                  <p:stCondLst>
-                                    <p:cond delay="0"/>
-                                  </p:stCondLst>
-                                  <p:childTnLst>
-                                    <p:set>
-                                      <p:cBhvr>
-                                        <p:cTn id="54" dur="1" fill="hold">
-                                          <p:stCondLst>
-                                            <p:cond delay="0"/>
-                                          </p:stCondLst>
-                                        </p:cTn>
-                                        <p:tgtEl>
-                                          <p:spTgt spid="33"/>
-                                        </p:tgtEl>
-                                        <p:attrNameLst>
-                                          <p:attrName>style.visibility</p:attrName>
-                                        </p:attrNameLst>
-                                      </p:cBhvr>
-                                      <p:to>
-                                        <p:strVal val="visible"/>
-                                      </p:to>
-                                    </p:set>
-                                  </p:childTnLst>
-                                </p:cTn>
-                              </p:par>
-                              <p:par>
-                                <p:cTn id="55" presetID="1" presetClass="entr" presetSubtype="0" fill="hold" grpId="0" nodeType="withEffect">
-                                  <p:stCondLst>
-                                    <p:cond delay="0"/>
-                                  </p:stCondLst>
-                                  <p:childTnLst>
-                                    <p:set>
-                                      <p:cBhvr>
-                                        <p:cTn id="56" dur="1" fill="hold">
-                                          <p:stCondLst>
-                                            <p:cond delay="0"/>
-                                          </p:stCondLst>
-                                        </p:cTn>
-                                        <p:tgtEl>
-                                          <p:spTgt spid="26"/>
-                                        </p:tgtEl>
-                                        <p:attrNameLst>
-                                          <p:attrName>style.visibility</p:attrName>
-                                        </p:attrNameLst>
-                                      </p:cBhvr>
-                                      <p:to>
-                                        <p:strVal val="visible"/>
-                                      </p:to>
-                                    </p:set>
-                                  </p:childTnLst>
-                                </p:cTn>
-                              </p:par>
-                              <p:par>
-                                <p:cTn id="57" presetID="1" presetClass="entr" presetSubtype="0" fill="hold" grpId="0" nodeType="withEffect">
-                                  <p:stCondLst>
-                                    <p:cond delay="0"/>
-                                  </p:stCondLst>
-                                  <p:childTnLst>
-                                    <p:set>
-                                      <p:cBhvr>
-                                        <p:cTn id="58" dur="1" fill="hold">
-                                          <p:stCondLst>
-                                            <p:cond delay="0"/>
-                                          </p:stCondLst>
-                                        </p:cTn>
-                                        <p:tgtEl>
-                                          <p:spTgt spid="27"/>
-                                        </p:tgtEl>
-                                        <p:attrNameLst>
-                                          <p:attrName>style.visibility</p:attrName>
-                                        </p:attrNameLst>
-                                      </p:cBhvr>
-                                      <p:to>
-                                        <p:strVal val="visible"/>
-                                      </p:to>
-                                    </p:set>
-                                  </p:childTnLst>
-                                </p:cTn>
-                              </p:par>
-                            </p:childTnLst>
-                          </p:cTn>
-                        </p:par>
-                      </p:childTnLst>
-                    </p:cTn>
-                  </p:par>
-                </p:childTnLst>
-              </p:cTn>
-              <p:prevCondLst>
-                <p:cond evt="onPrev" delay="0">
-                  <p:tgtEl>
-                    <p:sldTgt/>
-                  </p:tgtEl>
-                </p:cond>
-              </p:prevCondLst>
-              <p:nextCondLst>
-                <p:cond evt="onNext" delay="0">
-                  <p:tgtEl>
-                    <p:sldTgt/>
-                  </p:tgtEl>
-                </p:cond>
-              </p:nextCondLst>
-            </p:seq>
-          </p:childTnLst>
-        </p:cTn>
-      </p:par>
-    </p:tnLst>
-    <p:bldLst>
-      <p:bldP spid="3" grpId="0" animBg="1"/>
-      <p:bldP spid="4" grpId="0" animBg="1"/>
-      <p:bldP spid="15" grpId="0" animBg="1"/>
-      <p:bldP spid="17" grpId="0" animBg="1"/>
-      <p:bldP spid="10" grpId="0" animBg="1"/>
-      <p:bldP spid="23" grpId="0" animBg="1"/>
-      <p:bldP spid="24" grpId="0" animBg="1"/>
-      <p:bldP spid="25" grpId="0" animBg="1"/>
-      <p:bldP spid="26" grpId="0" animBg="1"/>
-      <p:bldP spid="27" grpId="0" animBg="1"/>
-      <p:bldP spid="28" grpId="0" animBg="1"/>
-      <p:bldP spid="29" grpId="0" animBg="1"/>
-      <p:bldP spid="30" grpId="0" animBg="1"/>
-      <p:bldP spid="31" grpId="0" animBg="1"/>
-      <p:bldP spid="32" grpId="0" animBg="1"/>
-      <p:bldP spid="33" grpId="0" animBg="1"/>
-    </p:bldLst>
-  </p:timing>
 </p:sld>
 </file>
 
@@ -12255,6 +9073,64 @@
       </p:grpSpPr>
       <p:sp>
         <p:nvSpPr>
+          <p:cNvPr id="11" name="Заголовок 1"/>
+          <p:cNvSpPr txBox="1">
+            <a:spLocks/>
+          </p:cNvSpPr>
+          <p:nvPr/>
+        </p:nvSpPr>
+        <p:spPr>
+          <a:xfrm>
+            <a:off x="1981200" y="808038"/>
+            <a:ext cx="8229600" cy="563562"/>
+          </a:xfrm>
+          <a:prstGeom prst="rect">
+            <a:avLst/>
+          </a:prstGeom>
+        </p:spPr>
+        <p:txBody>
+          <a:bodyPr vert="horz" lIns="91440" tIns="45720" rIns="91440" bIns="45720" rtlCol="0" anchor="ctr">
+            <a:normAutofit/>
+          </a:bodyPr>
+          <a:lstStyle>
+            <a:lvl1pPr algn="ctr" defTabSz="914400" rtl="0" eaLnBrk="1" latinLnBrk="0" hangingPunct="1">
+              <a:spcBef>
+                <a:spcPct val="0"/>
+              </a:spcBef>
+              <a:buNone/>
+              <a:defRPr sz="4400" kern="1200">
+                <a:solidFill>
+                  <a:schemeClr val="tx1"/>
+                </a:solidFill>
+                <a:latin typeface="+mj-lt"/>
+                <a:ea typeface="+mj-ea"/>
+                <a:cs typeface="+mj-cs"/>
+              </a:defRPr>
+            </a:lvl1pPr>
+          </a:lstStyle>
+          <a:p>
+            <a:r>
+              <a:rPr lang="ru-RU" sz="2800" dirty="0">
+                <a:solidFill>
+                  <a:srgbClr val="D04E1D"/>
+                </a:solidFill>
+                <a:latin typeface="Segoe UI Light" panose="020B0502040204020203" pitchFamily="34" charset="0"/>
+                <a:cs typeface="Segoe UI Light" panose="020B0502040204020203" pitchFamily="34" charset="0"/>
+              </a:rPr>
+              <a:t>Пространства имён</a:t>
+            </a:r>
+            <a:endParaRPr lang="en-US" sz="2800" dirty="0">
+              <a:solidFill>
+                <a:srgbClr val="D04E1D"/>
+              </a:solidFill>
+              <a:latin typeface="Segoe UI Light" panose="020B0502040204020203" pitchFamily="34" charset="0"/>
+              <a:cs typeface="Segoe UI Light" panose="020B0502040204020203" pitchFamily="34" charset="0"/>
+            </a:endParaRPr>
+          </a:p>
+        </p:txBody>
+      </p:sp>
+      <p:sp>
+        <p:nvSpPr>
           <p:cNvPr id="13" name="Прямоугольник 12"/>
           <p:cNvSpPr/>
           <p:nvPr/>
@@ -12293,10 +9169,7 @@
           <a:lstStyle/>
           <a:p>
             <a:pPr algn="ctr"/>
-            <a:endParaRPr lang="en-US">
-              <a:latin typeface="Segoe UI Light" panose="020B0502040204020203" pitchFamily="34" charset="0"/>
-              <a:cs typeface="Segoe UI Light" panose="020B0502040204020203" pitchFamily="34" charset="0"/>
-            </a:endParaRPr>
+            <a:endParaRPr lang="en-US"/>
           </a:p>
         </p:txBody>
       </p:sp>
@@ -12329,45 +9202,8 @@
                 <a:latin typeface="Segoe UI Light" panose="020B0502040204020203" pitchFamily="34" charset="0"/>
                 <a:cs typeface="Segoe UI Light" panose="020B0502040204020203" pitchFamily="34" charset="0"/>
               </a:rPr>
-              <a:t>Information Technology Video Developer </a:t>
-            </a:r>
-            <a:r>
-              <a:rPr lang="en-US" sz="1400" dirty="0" smtClean="0">
-                <a:solidFill>
-                  <a:schemeClr val="bg1"/>
-                </a:solidFill>
-                <a:latin typeface="Segoe UI Light" panose="020B0502040204020203" pitchFamily="34" charset="0"/>
-                <a:cs typeface="Segoe UI Light" panose="020B0502040204020203" pitchFamily="34" charset="0"/>
-              </a:rPr>
-              <a:t>Network                                                       http</a:t>
-            </a:r>
-            <a:r>
-              <a:rPr lang="en-US" sz="1400" dirty="0">
-                <a:solidFill>
-                  <a:schemeClr val="bg1"/>
-                </a:solidFill>
-                <a:latin typeface="Segoe UI Light" panose="020B0502040204020203" pitchFamily="34" charset="0"/>
-                <a:cs typeface="Segoe UI Light" panose="020B0502040204020203" pitchFamily="34" charset="0"/>
-              </a:rPr>
-              <a:t>://</a:t>
-            </a:r>
-            <a:r>
-              <a:rPr lang="en-US" sz="1400" dirty="0" smtClean="0">
-                <a:solidFill>
-                  <a:schemeClr val="bg1"/>
-                </a:solidFill>
-                <a:latin typeface="Segoe UI Light" panose="020B0502040204020203" pitchFamily="34" charset="0"/>
-                <a:cs typeface="Segoe UI Light" panose="020B0502040204020203" pitchFamily="34" charset="0"/>
-              </a:rPr>
-              <a:t>itvdn.com</a:t>
-            </a:r>
-            <a:endParaRPr lang="en-US" sz="1400" dirty="0">
-              <a:solidFill>
-                <a:schemeClr val="bg1"/>
-              </a:solidFill>
-              <a:latin typeface="Segoe UI Light" panose="020B0502040204020203" pitchFamily="34" charset="0"/>
-              <a:cs typeface="Segoe UI Light" panose="020B0502040204020203" pitchFamily="34" charset="0"/>
-            </a:endParaRPr>
+              <a:t>Information Technology Video Developer Network                                                       http://itvdn.com</a:t>
+            </a:r>
           </a:p>
         </p:txBody>
       </p:sp>
@@ -12393,7 +9229,7 @@
           <a:lstStyle/>
           <a:p>
             <a:r>
-              <a:rPr lang="en-US" sz="2000" dirty="0" smtClean="0">
+              <a:rPr lang="en-US" sz="2000" dirty="0">
                 <a:solidFill>
                   <a:schemeClr val="bg1"/>
                 </a:solidFill>
@@ -12402,10 +9238,7 @@
               </a:rPr>
               <a:t>ITVDN</a:t>
             </a:r>
-            <a:endParaRPr lang="en-US" sz="2000" dirty="0">
-              <a:latin typeface="Segoe UI Light" panose="020B0502040204020203" pitchFamily="34" charset="0"/>
-              <a:cs typeface="Segoe UI Light" panose="020B0502040204020203" pitchFamily="34" charset="0"/>
-            </a:endParaRPr>
+            <a:endParaRPr lang="en-US" sz="2000" dirty="0"/>
           </a:p>
         </p:txBody>
       </p:sp>
@@ -12566,10 +9399,7 @@
             <a:lstStyle/>
             <a:p>
               <a:pPr algn="ctr"/>
-              <a:endParaRPr lang="en-US">
-                <a:latin typeface="Segoe UI Light" panose="020B0502040204020203" pitchFamily="34" charset="0"/>
-                <a:cs typeface="Segoe UI Light" panose="020B0502040204020203" pitchFamily="34" charset="0"/>
-              </a:endParaRPr>
+              <a:endParaRPr lang="en-US"/>
             </a:p>
           </p:txBody>
         </p:sp>
@@ -12718,10 +9548,7 @@
             <a:lstStyle/>
             <a:p>
               <a:pPr algn="ctr"/>
-              <a:endParaRPr lang="en-US">
-                <a:latin typeface="Segoe UI Light" panose="020B0502040204020203" pitchFamily="34" charset="0"/>
-                <a:cs typeface="Segoe UI Light" panose="020B0502040204020203" pitchFamily="34" charset="0"/>
-              </a:endParaRPr>
+              <a:endParaRPr lang="en-US"/>
             </a:p>
           </p:txBody>
         </p:sp>
@@ -12766,401 +9593,13 @@
           <a:lstStyle/>
           <a:p>
             <a:pPr algn="ctr"/>
-            <a:endParaRPr lang="en-US">
-              <a:latin typeface="Segoe UI Light" panose="020B0502040204020203" pitchFamily="34" charset="0"/>
-              <a:cs typeface="Segoe UI Light" panose="020B0502040204020203" pitchFamily="34" charset="0"/>
-            </a:endParaRPr>
-          </a:p>
-        </p:txBody>
-      </p:sp>
-      <p:sp>
-        <p:nvSpPr>
-          <p:cNvPr id="2" name="Rectangle 1"/>
-          <p:cNvSpPr/>
-          <p:nvPr/>
-        </p:nvSpPr>
-        <p:spPr>
-          <a:xfrm>
-            <a:off x="533400" y="1447800"/>
-            <a:ext cx="11201400" cy="4419600"/>
-          </a:xfrm>
-          <a:prstGeom prst="rect">
-            <a:avLst/>
-          </a:prstGeom>
-          <a:noFill/>
-          <a:ln>
-            <a:noFill/>
-          </a:ln>
-        </p:spPr>
-        <p:style>
-          <a:lnRef idx="2">
-            <a:schemeClr val="accent1">
-              <a:shade val="50000"/>
-            </a:schemeClr>
-          </a:lnRef>
-          <a:fillRef idx="1">
-            <a:schemeClr val="accent1"/>
-          </a:fillRef>
-          <a:effectRef idx="0">
-            <a:schemeClr val="accent1"/>
-          </a:effectRef>
-          <a:fontRef idx="minor">
-            <a:schemeClr val="lt1"/>
-          </a:fontRef>
-        </p:style>
-        <p:txBody>
-          <a:bodyPr rtlCol="0" anchor="t"/>
-          <a:lstStyle/>
-          <a:p>
-            <a:endParaRPr lang="en-US" dirty="0">
-              <a:solidFill>
-                <a:schemeClr val="tx1"/>
-              </a:solidFill>
-              <a:latin typeface="Segoe UI Light" panose="020B0502040204020203" pitchFamily="34" charset="0"/>
-              <a:cs typeface="Segoe UI Light" panose="020B0502040204020203" pitchFamily="34" charset="0"/>
-            </a:endParaRPr>
-          </a:p>
-        </p:txBody>
-      </p:sp>
-      <p:pic>
-        <p:nvPicPr>
-          <p:cNvPr id="3" name="Picture 2"/>
-          <p:cNvPicPr>
-            <a:picLocks noChangeAspect="1"/>
-          </p:cNvPicPr>
-          <p:nvPr/>
-        </p:nvPicPr>
-        <p:blipFill>
-          <a:blip r:embed="rId3"/>
-          <a:stretch>
-            <a:fillRect/>
-          </a:stretch>
-        </p:blipFill>
-        <p:spPr>
-          <a:xfrm>
-            <a:off x="609601" y="1828976"/>
-            <a:ext cx="5410199" cy="1039730"/>
-          </a:xfrm>
-          <a:prstGeom prst="rect">
-            <a:avLst/>
-          </a:prstGeom>
-        </p:spPr>
-      </p:pic>
-      <p:pic>
-        <p:nvPicPr>
-          <p:cNvPr id="4" name="Picture 3"/>
-          <p:cNvPicPr>
-            <a:picLocks noChangeAspect="1"/>
-          </p:cNvPicPr>
-          <p:nvPr/>
-        </p:nvPicPr>
-        <p:blipFill>
-          <a:blip r:embed="rId4"/>
-          <a:stretch>
-            <a:fillRect/>
-          </a:stretch>
-        </p:blipFill>
-        <p:spPr>
-          <a:xfrm>
-            <a:off x="609601" y="3581400"/>
-            <a:ext cx="6400800" cy="1454331"/>
-          </a:xfrm>
-          <a:prstGeom prst="rect">
-            <a:avLst/>
-          </a:prstGeom>
-        </p:spPr>
-      </p:pic>
-      <p:pic>
-        <p:nvPicPr>
-          <p:cNvPr id="6" name="Picture 5"/>
-          <p:cNvPicPr>
-            <a:picLocks noChangeAspect="1"/>
-          </p:cNvPicPr>
-          <p:nvPr/>
-        </p:nvPicPr>
-        <p:blipFill>
-          <a:blip r:embed="rId5"/>
-          <a:stretch>
-            <a:fillRect/>
-          </a:stretch>
-        </p:blipFill>
-        <p:spPr>
-          <a:xfrm>
-            <a:off x="7217791" y="1828976"/>
-            <a:ext cx="4309619" cy="2219325"/>
-          </a:xfrm>
-          <a:prstGeom prst="rect">
-            <a:avLst/>
-          </a:prstGeom>
-        </p:spPr>
-      </p:pic>
-      <p:sp>
-        <p:nvSpPr>
-          <p:cNvPr id="7" name="Rectangle 6"/>
-          <p:cNvSpPr/>
-          <p:nvPr/>
-        </p:nvSpPr>
-        <p:spPr>
-          <a:xfrm>
-            <a:off x="2240762" y="4569618"/>
-            <a:ext cx="1022737" cy="228600"/>
-          </a:xfrm>
-          <a:prstGeom prst="rect">
-            <a:avLst/>
-          </a:prstGeom>
-          <a:noFill/>
-          <a:ln>
-            <a:solidFill>
-              <a:srgbClr val="FF0000"/>
-            </a:solidFill>
-          </a:ln>
-        </p:spPr>
-        <p:style>
-          <a:lnRef idx="2">
-            <a:schemeClr val="accent1">
-              <a:shade val="50000"/>
-            </a:schemeClr>
-          </a:lnRef>
-          <a:fillRef idx="1">
-            <a:schemeClr val="accent1"/>
-          </a:fillRef>
-          <a:effectRef idx="0">
-            <a:schemeClr val="accent1"/>
-          </a:effectRef>
-          <a:fontRef idx="minor">
-            <a:schemeClr val="lt1"/>
-          </a:fontRef>
-        </p:style>
-        <p:txBody>
-          <a:bodyPr rtlCol="0" anchor="ctr"/>
-          <a:lstStyle/>
-          <a:p>
-            <a:pPr algn="ctr"/>
-            <a:endParaRPr lang="en-US">
-              <a:latin typeface="Segoe UI Light" panose="020B0502040204020203" pitchFamily="34" charset="0"/>
-              <a:cs typeface="Segoe UI Light" panose="020B0502040204020203" pitchFamily="34" charset="0"/>
-            </a:endParaRPr>
-          </a:p>
-        </p:txBody>
-      </p:sp>
-      <p:sp>
-        <p:nvSpPr>
-          <p:cNvPr id="17" name="Rectangle 16"/>
-          <p:cNvSpPr/>
-          <p:nvPr/>
-        </p:nvSpPr>
-        <p:spPr>
-          <a:xfrm>
-            <a:off x="3352800" y="4579819"/>
-            <a:ext cx="626278" cy="228600"/>
-          </a:xfrm>
-          <a:prstGeom prst="rect">
-            <a:avLst/>
-          </a:prstGeom>
-          <a:noFill/>
-          <a:ln>
-            <a:solidFill>
-              <a:srgbClr val="FF0000"/>
-            </a:solidFill>
-          </a:ln>
-        </p:spPr>
-        <p:style>
-          <a:lnRef idx="2">
-            <a:schemeClr val="accent1">
-              <a:shade val="50000"/>
-            </a:schemeClr>
-          </a:lnRef>
-          <a:fillRef idx="1">
-            <a:schemeClr val="accent1"/>
-          </a:fillRef>
-          <a:effectRef idx="0">
-            <a:schemeClr val="accent1"/>
-          </a:effectRef>
-          <a:fontRef idx="minor">
-            <a:schemeClr val="lt1"/>
-          </a:fontRef>
-        </p:style>
-        <p:txBody>
-          <a:bodyPr rtlCol="0" anchor="ctr"/>
-          <a:lstStyle/>
-          <a:p>
-            <a:pPr algn="ctr"/>
-            <a:endParaRPr lang="en-US">
-              <a:latin typeface="Segoe UI Light" panose="020B0502040204020203" pitchFamily="34" charset="0"/>
-              <a:cs typeface="Segoe UI Light" panose="020B0502040204020203" pitchFamily="34" charset="0"/>
-            </a:endParaRPr>
-          </a:p>
-        </p:txBody>
-      </p:sp>
-      <p:sp>
-        <p:nvSpPr>
-          <p:cNvPr id="23" name="Rectangle 22"/>
-          <p:cNvSpPr/>
-          <p:nvPr/>
-        </p:nvSpPr>
-        <p:spPr>
-          <a:xfrm>
-            <a:off x="8839200" y="2462996"/>
-            <a:ext cx="620528" cy="228600"/>
-          </a:xfrm>
-          <a:prstGeom prst="rect">
-            <a:avLst/>
-          </a:prstGeom>
-          <a:noFill/>
-          <a:ln>
-            <a:solidFill>
-              <a:srgbClr val="FF0000"/>
-            </a:solidFill>
-          </a:ln>
-        </p:spPr>
-        <p:style>
-          <a:lnRef idx="2">
-            <a:schemeClr val="accent1">
-              <a:shade val="50000"/>
-            </a:schemeClr>
-          </a:lnRef>
-          <a:fillRef idx="1">
-            <a:schemeClr val="accent1"/>
-          </a:fillRef>
-          <a:effectRef idx="0">
-            <a:schemeClr val="accent1"/>
-          </a:effectRef>
-          <a:fontRef idx="minor">
-            <a:schemeClr val="lt1"/>
-          </a:fontRef>
-        </p:style>
-        <p:txBody>
-          <a:bodyPr rtlCol="0" anchor="ctr"/>
-          <a:lstStyle/>
-          <a:p>
-            <a:pPr algn="ctr"/>
-            <a:endParaRPr lang="en-US">
-              <a:latin typeface="Segoe UI Light" panose="020B0502040204020203" pitchFamily="34" charset="0"/>
-              <a:cs typeface="Segoe UI Light" panose="020B0502040204020203" pitchFamily="34" charset="0"/>
-            </a:endParaRPr>
-          </a:p>
-        </p:txBody>
-      </p:sp>
-      <p:sp>
-        <p:nvSpPr>
-          <p:cNvPr id="24" name="Rectangle 23"/>
-          <p:cNvSpPr/>
-          <p:nvPr/>
-        </p:nvSpPr>
-        <p:spPr>
-          <a:xfrm>
-            <a:off x="9146588" y="2767796"/>
-            <a:ext cx="683211" cy="280203"/>
-          </a:xfrm>
-          <a:prstGeom prst="rect">
-            <a:avLst/>
-          </a:prstGeom>
-          <a:noFill/>
-          <a:ln>
-            <a:solidFill>
-              <a:srgbClr val="FF0000"/>
-            </a:solidFill>
-          </a:ln>
-        </p:spPr>
-        <p:style>
-          <a:lnRef idx="2">
-            <a:schemeClr val="accent1">
-              <a:shade val="50000"/>
-            </a:schemeClr>
-          </a:lnRef>
-          <a:fillRef idx="1">
-            <a:schemeClr val="accent1"/>
-          </a:fillRef>
-          <a:effectRef idx="0">
-            <a:schemeClr val="accent1"/>
-          </a:effectRef>
-          <a:fontRef idx="minor">
-            <a:schemeClr val="lt1"/>
-          </a:fontRef>
-        </p:style>
-        <p:txBody>
-          <a:bodyPr rtlCol="0" anchor="ctr"/>
-          <a:lstStyle/>
-          <a:p>
-            <a:pPr algn="ctr"/>
-            <a:endParaRPr lang="en-US">
-              <a:latin typeface="Segoe UI Light" panose="020B0502040204020203" pitchFamily="34" charset="0"/>
-              <a:cs typeface="Segoe UI Light" panose="020B0502040204020203" pitchFamily="34" charset="0"/>
-            </a:endParaRPr>
-          </a:p>
-        </p:txBody>
-      </p:sp>
-      <p:sp>
-        <p:nvSpPr>
-          <p:cNvPr id="25" name="Заголовок 1"/>
-          <p:cNvSpPr txBox="1">
-            <a:spLocks/>
-          </p:cNvSpPr>
-          <p:nvPr/>
-        </p:nvSpPr>
-        <p:spPr>
-          <a:xfrm>
-            <a:off x="1981200" y="808038"/>
-            <a:ext cx="8229600" cy="563562"/>
-          </a:xfrm>
-          <a:prstGeom prst="rect">
-            <a:avLst/>
-          </a:prstGeom>
-        </p:spPr>
-        <p:txBody>
-          <a:bodyPr vert="horz" lIns="91440" tIns="45720" rIns="91440" bIns="45720" rtlCol="0" anchor="ctr">
-            <a:normAutofit/>
-          </a:bodyPr>
-          <a:lstStyle>
-            <a:lvl1pPr algn="ctr" defTabSz="914400" rtl="0" eaLnBrk="1" latinLnBrk="0" hangingPunct="1">
-              <a:spcBef>
-                <a:spcPct val="0"/>
-              </a:spcBef>
-              <a:buNone/>
-              <a:defRPr sz="4400" kern="1200">
-                <a:solidFill>
-                  <a:schemeClr val="tx1"/>
-                </a:solidFill>
-                <a:latin typeface="+mj-lt"/>
-                <a:ea typeface="+mj-ea"/>
-                <a:cs typeface="+mj-cs"/>
-              </a:defRPr>
-            </a:lvl1pPr>
-          </a:lstStyle>
-          <a:p>
-            <a:r>
-              <a:rPr lang="uk-UA" sz="2800" dirty="0" err="1" smtClean="0">
-                <a:solidFill>
-                  <a:srgbClr val="D04E1D"/>
-                </a:solidFill>
-                <a:latin typeface="Segoe UI Light" panose="020B0502040204020203" pitchFamily="34" charset="0"/>
-                <a:cs typeface="Segoe UI Light" panose="020B0502040204020203" pitchFamily="34" charset="0"/>
-              </a:rPr>
-              <a:t>Подзаголовок</a:t>
-            </a:r>
-            <a:r>
-              <a:rPr lang="uk-UA" sz="2800" dirty="0" smtClean="0">
-                <a:solidFill>
-                  <a:srgbClr val="D04E1D"/>
-                </a:solidFill>
-                <a:latin typeface="Segoe UI Light" panose="020B0502040204020203" pitchFamily="34" charset="0"/>
-                <a:cs typeface="Segoe UI Light" panose="020B0502040204020203" pitchFamily="34" charset="0"/>
-              </a:rPr>
-              <a:t> слайда</a:t>
-            </a:r>
-            <a:endParaRPr lang="en-US" sz="2800" dirty="0">
-              <a:solidFill>
-                <a:srgbClr val="D04E1D"/>
-              </a:solidFill>
-              <a:latin typeface="Segoe UI Light" panose="020B0502040204020203" pitchFamily="34" charset="0"/>
-              <a:cs typeface="Segoe UI Light" panose="020B0502040204020203" pitchFamily="34" charset="0"/>
-            </a:endParaRPr>
-          </a:p>
-        </p:txBody>
-      </p:sp>
-      <p:sp>
-        <p:nvSpPr>
-          <p:cNvPr id="26" name="Заголовок 1"/>
+            <a:endParaRPr lang="en-US"/>
+          </a:p>
+        </p:txBody>
+      </p:sp>
+      <p:sp>
+        <p:nvSpPr>
+          <p:cNvPr id="22" name="Заголовок 1"/>
           <p:cNvSpPr txBox="1">
             <a:spLocks/>
           </p:cNvSpPr>
@@ -13197,7 +9636,7 @@
           </a:lstStyle>
           <a:p>
             <a:r>
-              <a:rPr lang="ru-RU" sz="3600" dirty="0" smtClean="0">
+              <a:rPr lang="en-US" sz="3600" dirty="0">
                 <a:solidFill>
                   <a:schemeClr val="bg1"/>
                 </a:solidFill>
@@ -13205,23 +9644,178 @@
                 <a:ea typeface="Segoe UI" pitchFamily="34" charset="0"/>
                 <a:cs typeface="Segoe UI Light" panose="020B0502040204020203" pitchFamily="34" charset="0"/>
               </a:rPr>
-              <a:t>Тема курса</a:t>
-            </a:r>
-            <a:endParaRPr lang="en-US" sz="3600" dirty="0">
+              <a:t>PHP Essentials</a:t>
+            </a:r>
+          </a:p>
+        </p:txBody>
+      </p:sp>
+      <p:sp>
+        <p:nvSpPr>
+          <p:cNvPr id="2" name="Rectangle 1"/>
+          <p:cNvSpPr/>
+          <p:nvPr/>
+        </p:nvSpPr>
+        <p:spPr>
+          <a:xfrm>
+            <a:off x="533400" y="1809750"/>
+            <a:ext cx="10058400" cy="4240212"/>
+          </a:xfrm>
+          <a:prstGeom prst="rect">
+            <a:avLst/>
+          </a:prstGeom>
+          <a:noFill/>
+          <a:ln>
+            <a:noFill/>
+          </a:ln>
+        </p:spPr>
+        <p:style>
+          <a:lnRef idx="2">
+            <a:schemeClr val="accent1">
+              <a:shade val="50000"/>
+            </a:schemeClr>
+          </a:lnRef>
+          <a:fillRef idx="1">
+            <a:schemeClr val="accent1"/>
+          </a:fillRef>
+          <a:effectRef idx="0">
+            <a:schemeClr val="accent1"/>
+          </a:effectRef>
+          <a:fontRef idx="minor">
+            <a:schemeClr val="lt1"/>
+          </a:fontRef>
+        </p:style>
+        <p:txBody>
+          <a:bodyPr rtlCol="0" anchor="t"/>
+          <a:lstStyle/>
+          <a:p>
+            <a:r>
+              <a:rPr lang="ru-RU" b="1" dirty="0">
+                <a:solidFill>
+                  <a:schemeClr val="tx1"/>
+                </a:solidFill>
+                <a:latin typeface="Segoe UI" panose="020B0502040204020203" pitchFamily="34" charset="0"/>
+                <a:cs typeface="Segoe UI" panose="020B0502040204020203" pitchFamily="34" charset="0"/>
+              </a:rPr>
+              <a:t>Новые ключевые слова</a:t>
+            </a:r>
+            <a:endParaRPr lang="en-US" b="1" dirty="0">
               <a:solidFill>
-                <a:schemeClr val="bg1"/>
+                <a:schemeClr val="tx1"/>
               </a:solidFill>
-              <a:latin typeface="Segoe UI Light" panose="020B0502040204020203" pitchFamily="34" charset="0"/>
-              <a:ea typeface="Segoe UI" pitchFamily="34" charset="0"/>
-              <a:cs typeface="Segoe UI Light" panose="020B0502040204020203" pitchFamily="34" charset="0"/>
+              <a:latin typeface="Segoe UI" panose="020B0502040204020203" pitchFamily="34" charset="0"/>
+              <a:cs typeface="Segoe UI" panose="020B0502040204020203" pitchFamily="34" charset="0"/>
             </a:endParaRPr>
           </a:p>
-        </p:txBody>
-      </p:sp>
+          <a:p>
+            <a:pPr marL="342900" indent="-342900">
+              <a:buFont typeface="+mj-lt"/>
+              <a:buAutoNum type="arabicPeriod"/>
+            </a:pPr>
+            <a:endParaRPr lang="en-US" b="1" dirty="0">
+              <a:solidFill>
+                <a:schemeClr val="tx1"/>
+              </a:solidFill>
+              <a:latin typeface="Segoe UI" panose="020B0502040204020203" pitchFamily="34" charset="0"/>
+              <a:cs typeface="Segoe UI" panose="020B0502040204020203" pitchFamily="34" charset="0"/>
+            </a:endParaRPr>
+          </a:p>
+          <a:p>
+            <a:pPr marL="342900" indent="-342900">
+              <a:buFont typeface="+mj-lt"/>
+              <a:buAutoNum type="arabicPeriod"/>
+            </a:pPr>
+            <a:r>
+              <a:rPr lang="en-US" dirty="0">
+                <a:solidFill>
+                  <a:schemeClr val="tx1"/>
+                </a:solidFill>
+                <a:latin typeface="Segoe UI" panose="020B0502040204020203" pitchFamily="34" charset="0"/>
+                <a:cs typeface="Segoe UI" panose="020B0502040204020203" pitchFamily="34" charset="0"/>
+              </a:rPr>
+              <a:t>namespace</a:t>
+            </a:r>
+          </a:p>
+          <a:p>
+            <a:pPr marL="342900" indent="-342900">
+              <a:buFont typeface="+mj-lt"/>
+              <a:buAutoNum type="arabicPeriod"/>
+            </a:pPr>
+            <a:r>
+              <a:rPr lang="en-US" dirty="0">
+                <a:solidFill>
+                  <a:schemeClr val="tx1"/>
+                </a:solidFill>
+                <a:latin typeface="Segoe UI" panose="020B0502040204020203" pitchFamily="34" charset="0"/>
+                <a:cs typeface="Segoe UI" panose="020B0502040204020203" pitchFamily="34" charset="0"/>
+              </a:rPr>
+              <a:t>use</a:t>
+            </a:r>
+            <a:endParaRPr lang="ru-RU" dirty="0">
+              <a:solidFill>
+                <a:schemeClr val="tx1"/>
+              </a:solidFill>
+              <a:latin typeface="Segoe UI" panose="020B0502040204020203" pitchFamily="34" charset="0"/>
+              <a:cs typeface="Segoe UI" panose="020B0502040204020203" pitchFamily="34" charset="0"/>
+            </a:endParaRPr>
+          </a:p>
+          <a:p>
+            <a:pPr marL="800100" lvl="1" indent="-342900">
+              <a:buFont typeface="+mj-lt"/>
+              <a:buAutoNum type="arabicPeriod"/>
+            </a:pPr>
+            <a:endParaRPr lang="en-US" dirty="0">
+              <a:solidFill>
+                <a:schemeClr val="tx1"/>
+              </a:solidFill>
+              <a:latin typeface="Segoe UI" panose="020B0502040204020203" pitchFamily="34" charset="0"/>
+              <a:cs typeface="Segoe UI" panose="020B0502040204020203" pitchFamily="34" charset="0"/>
+            </a:endParaRPr>
+          </a:p>
+          <a:p>
+            <a:endParaRPr lang="en-US" dirty="0">
+              <a:solidFill>
+                <a:schemeClr val="tx1"/>
+              </a:solidFill>
+              <a:latin typeface="Segoe UI" panose="020B0502040204020203" pitchFamily="34" charset="0"/>
+              <a:cs typeface="Segoe UI" panose="020B0502040204020203" pitchFamily="34" charset="0"/>
+            </a:endParaRPr>
+          </a:p>
+        </p:txBody>
+      </p:sp>
+      <p:pic>
+        <p:nvPicPr>
+          <p:cNvPr id="3" name="Рисунок 2">
+            <a:extLst>
+              <a:ext uri="{FF2B5EF4-FFF2-40B4-BE49-F238E27FC236}">
+                <a16:creationId xmlns:a16="http://schemas.microsoft.com/office/drawing/2014/main" id="{27193254-F9D1-41F1-BDC3-DD11E0871026}"/>
+              </a:ext>
+            </a:extLst>
+          </p:cNvPr>
+          <p:cNvPicPr>
+            <a:picLocks noChangeAspect="1"/>
+          </p:cNvPicPr>
+          <p:nvPr/>
+        </p:nvPicPr>
+        <p:blipFill>
+          <a:blip r:embed="rId3"/>
+          <a:stretch>
+            <a:fillRect/>
+          </a:stretch>
+        </p:blipFill>
+        <p:spPr>
+          <a:xfrm>
+            <a:off x="7162800" y="1447882"/>
+            <a:ext cx="3744357" cy="4817102"/>
+          </a:xfrm>
+          <a:prstGeom prst="rect">
+            <a:avLst/>
+          </a:prstGeom>
+        </p:spPr>
+      </p:pic>
     </p:spTree>
     <p:extLst>
       <p:ext uri="{BB962C8B-B14F-4D97-AF65-F5344CB8AC3E}">
-        <p14:creationId xmlns:p14="http://schemas.microsoft.com/office/powerpoint/2010/main" val="100693470"/>
+        <p14:creationId xmlns:p14="http://schemas.microsoft.com/office/powerpoint/2010/main" val="2129041508"/>
       </p:ext>
     </p:extLst>
   </p:cSld>
@@ -13231,321 +9825,6 @@
   <p:transition spd="slow">
     <p:cover/>
   </p:transition>
-  <p:timing>
-    <p:tnLst>
-      <p:par>
-        <p:cTn id="1" dur="indefinite" restart="never" nodeType="tmRoot">
-          <p:childTnLst>
-            <p:seq concurrent="1" nextAc="seek">
-              <p:cTn id="2" dur="indefinite" nodeType="mainSeq">
-                <p:childTnLst>
-                  <p:par>
-                    <p:cTn id="3" fill="hold">
-                      <p:stCondLst>
-                        <p:cond delay="indefinite"/>
-                      </p:stCondLst>
-                      <p:childTnLst>
-                        <p:par>
-                          <p:cTn id="4" fill="hold">
-                            <p:stCondLst>
-                              <p:cond delay="0"/>
-                            </p:stCondLst>
-                            <p:childTnLst>
-                              <p:par>
-                                <p:cTn id="5" presetID="1" presetClass="entr" presetSubtype="0" fill="hold" nodeType="clickEffect">
-                                  <p:stCondLst>
-                                    <p:cond delay="0"/>
-                                  </p:stCondLst>
-                                  <p:childTnLst>
-                                    <p:set>
-                                      <p:cBhvr>
-                                        <p:cTn id="6" dur="1" fill="hold">
-                                          <p:stCondLst>
-                                            <p:cond delay="0"/>
-                                          </p:stCondLst>
-                                        </p:cTn>
-                                        <p:tgtEl>
-                                          <p:spTgt spid="3"/>
-                                        </p:tgtEl>
-                                        <p:attrNameLst>
-                                          <p:attrName>style.visibility</p:attrName>
-                                        </p:attrNameLst>
-                                      </p:cBhvr>
-                                      <p:to>
-                                        <p:strVal val="visible"/>
-                                      </p:to>
-                                    </p:set>
-                                  </p:childTnLst>
-                                </p:cTn>
-                              </p:par>
-                            </p:childTnLst>
-                          </p:cTn>
-                        </p:par>
-                      </p:childTnLst>
-                    </p:cTn>
-                  </p:par>
-                  <p:par>
-                    <p:cTn id="7" fill="hold">
-                      <p:stCondLst>
-                        <p:cond delay="indefinite"/>
-                      </p:stCondLst>
-                      <p:childTnLst>
-                        <p:par>
-                          <p:cTn id="8" fill="hold">
-                            <p:stCondLst>
-                              <p:cond delay="0"/>
-                            </p:stCondLst>
-                            <p:childTnLst>
-                              <p:par>
-                                <p:cTn id="9" presetID="1" presetClass="entr" presetSubtype="0" fill="hold" nodeType="clickEffect">
-                                  <p:stCondLst>
-                                    <p:cond delay="0"/>
-                                  </p:stCondLst>
-                                  <p:childTnLst>
-                                    <p:set>
-                                      <p:cBhvr>
-                                        <p:cTn id="10" dur="1" fill="hold">
-                                          <p:stCondLst>
-                                            <p:cond delay="0"/>
-                                          </p:stCondLst>
-                                        </p:cTn>
-                                        <p:tgtEl>
-                                          <p:spTgt spid="4"/>
-                                        </p:tgtEl>
-                                        <p:attrNameLst>
-                                          <p:attrName>style.visibility</p:attrName>
-                                        </p:attrNameLst>
-                                      </p:cBhvr>
-                                      <p:to>
-                                        <p:strVal val="visible"/>
-                                      </p:to>
-                                    </p:set>
-                                  </p:childTnLst>
-                                </p:cTn>
-                              </p:par>
-                            </p:childTnLst>
-                          </p:cTn>
-                        </p:par>
-                      </p:childTnLst>
-                    </p:cTn>
-                  </p:par>
-                  <p:par>
-                    <p:cTn id="11" fill="hold">
-                      <p:stCondLst>
-                        <p:cond delay="indefinite"/>
-                      </p:stCondLst>
-                      <p:childTnLst>
-                        <p:par>
-                          <p:cTn id="12" fill="hold">
-                            <p:stCondLst>
-                              <p:cond delay="0"/>
-                            </p:stCondLst>
-                            <p:childTnLst>
-                              <p:par>
-                                <p:cTn id="13" presetID="1" presetClass="entr" presetSubtype="0" fill="hold" nodeType="clickEffect">
-                                  <p:stCondLst>
-                                    <p:cond delay="0"/>
-                                  </p:stCondLst>
-                                  <p:childTnLst>
-                                    <p:set>
-                                      <p:cBhvr>
-                                        <p:cTn id="14" dur="1" fill="hold">
-                                          <p:stCondLst>
-                                            <p:cond delay="0"/>
-                                          </p:stCondLst>
-                                        </p:cTn>
-                                        <p:tgtEl>
-                                          <p:spTgt spid="6"/>
-                                        </p:tgtEl>
-                                        <p:attrNameLst>
-                                          <p:attrName>style.visibility</p:attrName>
-                                        </p:attrNameLst>
-                                      </p:cBhvr>
-                                      <p:to>
-                                        <p:strVal val="visible"/>
-                                      </p:to>
-                                    </p:set>
-                                  </p:childTnLst>
-                                </p:cTn>
-                              </p:par>
-                            </p:childTnLst>
-                          </p:cTn>
-                        </p:par>
-                      </p:childTnLst>
-                    </p:cTn>
-                  </p:par>
-                  <p:par>
-                    <p:cTn id="15" fill="hold">
-                      <p:stCondLst>
-                        <p:cond delay="indefinite"/>
-                      </p:stCondLst>
-                      <p:childTnLst>
-                        <p:par>
-                          <p:cTn id="16" fill="hold">
-                            <p:stCondLst>
-                              <p:cond delay="0"/>
-                            </p:stCondLst>
-                            <p:childTnLst>
-                              <p:par>
-                                <p:cTn id="17" presetID="1" presetClass="entr" presetSubtype="0" fill="hold" grpId="0" nodeType="clickEffect">
-                                  <p:stCondLst>
-                                    <p:cond delay="0"/>
-                                  </p:stCondLst>
-                                  <p:childTnLst>
-                                    <p:set>
-                                      <p:cBhvr>
-                                        <p:cTn id="18" dur="1" fill="hold">
-                                          <p:stCondLst>
-                                            <p:cond delay="0"/>
-                                          </p:stCondLst>
-                                        </p:cTn>
-                                        <p:tgtEl>
-                                          <p:spTgt spid="7"/>
-                                        </p:tgtEl>
-                                        <p:attrNameLst>
-                                          <p:attrName>style.visibility</p:attrName>
-                                        </p:attrNameLst>
-                                      </p:cBhvr>
-                                      <p:to>
-                                        <p:strVal val="visible"/>
-                                      </p:to>
-                                    </p:set>
-                                  </p:childTnLst>
-                                </p:cTn>
-                              </p:par>
-                              <p:par>
-                                <p:cTn id="19" presetID="1" presetClass="entr" presetSubtype="0" fill="hold" grpId="0" nodeType="withEffect">
-                                  <p:stCondLst>
-                                    <p:cond delay="0"/>
-                                  </p:stCondLst>
-                                  <p:childTnLst>
-                                    <p:set>
-                                      <p:cBhvr>
-                                        <p:cTn id="20" dur="1" fill="hold">
-                                          <p:stCondLst>
-                                            <p:cond delay="0"/>
-                                          </p:stCondLst>
-                                        </p:cTn>
-                                        <p:tgtEl>
-                                          <p:spTgt spid="23"/>
-                                        </p:tgtEl>
-                                        <p:attrNameLst>
-                                          <p:attrName>style.visibility</p:attrName>
-                                        </p:attrNameLst>
-                                      </p:cBhvr>
-                                      <p:to>
-                                        <p:strVal val="visible"/>
-                                      </p:to>
-                                    </p:set>
-                                  </p:childTnLst>
-                                </p:cTn>
-                              </p:par>
-                            </p:childTnLst>
-                          </p:cTn>
-                        </p:par>
-                      </p:childTnLst>
-                    </p:cTn>
-                  </p:par>
-                  <p:par>
-                    <p:cTn id="21" fill="hold">
-                      <p:stCondLst>
-                        <p:cond delay="indefinite"/>
-                      </p:stCondLst>
-                      <p:childTnLst>
-                        <p:par>
-                          <p:cTn id="22" fill="hold">
-                            <p:stCondLst>
-                              <p:cond delay="0"/>
-                            </p:stCondLst>
-                            <p:childTnLst>
-                              <p:par>
-                                <p:cTn id="23" presetID="1" presetClass="entr" presetSubtype="0" fill="hold" grpId="0" nodeType="clickEffect">
-                                  <p:stCondLst>
-                                    <p:cond delay="0"/>
-                                  </p:stCondLst>
-                                  <p:childTnLst>
-                                    <p:set>
-                                      <p:cBhvr>
-                                        <p:cTn id="24" dur="1" fill="hold">
-                                          <p:stCondLst>
-                                            <p:cond delay="0"/>
-                                          </p:stCondLst>
-                                        </p:cTn>
-                                        <p:tgtEl>
-                                          <p:spTgt spid="17"/>
-                                        </p:tgtEl>
-                                        <p:attrNameLst>
-                                          <p:attrName>style.visibility</p:attrName>
-                                        </p:attrNameLst>
-                                      </p:cBhvr>
-                                      <p:to>
-                                        <p:strVal val="visible"/>
-                                      </p:to>
-                                    </p:set>
-                                  </p:childTnLst>
-                                </p:cTn>
-                              </p:par>
-                              <p:par>
-                                <p:cTn id="25" presetID="1" presetClass="entr" presetSubtype="0" fill="hold" grpId="0" nodeType="withEffect">
-                                  <p:stCondLst>
-                                    <p:cond delay="0"/>
-                                  </p:stCondLst>
-                                  <p:childTnLst>
-                                    <p:set>
-                                      <p:cBhvr>
-                                        <p:cTn id="26" dur="1" fill="hold">
-                                          <p:stCondLst>
-                                            <p:cond delay="0"/>
-                                          </p:stCondLst>
-                                        </p:cTn>
-                                        <p:tgtEl>
-                                          <p:spTgt spid="24"/>
-                                        </p:tgtEl>
-                                        <p:attrNameLst>
-                                          <p:attrName>style.visibility</p:attrName>
-                                        </p:attrNameLst>
-                                      </p:cBhvr>
-                                      <p:to>
-                                        <p:strVal val="visible"/>
-                                      </p:to>
-                                    </p:set>
-                                  </p:childTnLst>
-                                </p:cTn>
-                              </p:par>
-                            </p:childTnLst>
-                          </p:cTn>
-                        </p:par>
-                      </p:childTnLst>
-                    </p:cTn>
-                  </p:par>
-                </p:childTnLst>
-              </p:cTn>
-              <p:prevCondLst>
-                <p:cond evt="onPrev" delay="0">
-                  <p:tgtEl>
-                    <p:sldTgt/>
-                  </p:tgtEl>
-                </p:cond>
-              </p:prevCondLst>
-              <p:nextCondLst>
-                <p:cond evt="onNext" delay="0">
-                  <p:tgtEl>
-                    <p:sldTgt/>
-                  </p:tgtEl>
-                </p:cond>
-              </p:nextCondLst>
-            </p:seq>
-          </p:childTnLst>
-        </p:cTn>
-      </p:par>
-    </p:tnLst>
-    <p:bldLst>
-      <p:bldP spid="7" grpId="0" animBg="1"/>
-      <p:bldP spid="17" grpId="0" animBg="1"/>
-      <p:bldP spid="23" grpId="0" animBg="1"/>
-      <p:bldP spid="24" grpId="0" animBg="1"/>
-    </p:bldLst>
-  </p:timing>
 </p:sld>
 </file>
 
@@ -14210,7 +10489,7 @@
         <p:spPr>
           <a:xfrm>
             <a:off x="5638800" y="2140714"/>
-            <a:ext cx="5715000" cy="2585323"/>
+            <a:ext cx="5715000" cy="2862322"/>
           </a:xfrm>
           <a:prstGeom prst="rect">
             <a:avLst/>
@@ -14240,8 +10519,8 @@
                     <a:lumOff val="35000"/>
                   </a:schemeClr>
                 </a:solidFill>
-                <a:latin typeface="Segoe UI Light" panose="020B0502040204020203" pitchFamily="34" charset="0"/>
-                <a:cs typeface="Segoe UI Light" panose="020B0502040204020203" pitchFamily="34" charset="0"/>
+                <a:latin typeface="Segoe UI" panose="020B0502040204020203" pitchFamily="34" charset="0"/>
+                <a:cs typeface="Segoe UI" panose="020B0502040204020203" pitchFamily="34" charset="0"/>
               </a:rPr>
               <a:t>TestProvider</a:t>
             </a:r>
@@ -14253,8 +10532,8 @@
                     <a:lumOff val="35000"/>
                   </a:schemeClr>
                 </a:solidFill>
-                <a:latin typeface="Segoe UI Light" panose="020B0502040204020203" pitchFamily="34" charset="0"/>
-                <a:cs typeface="Segoe UI Light" panose="020B0502040204020203" pitchFamily="34" charset="0"/>
+                <a:latin typeface="Segoe UI" panose="020B0502040204020203" pitchFamily="34" charset="0"/>
+                <a:cs typeface="Segoe UI" panose="020B0502040204020203" pitchFamily="34" charset="0"/>
               </a:rPr>
               <a:t> – это </a:t>
             </a:r>
@@ -14266,8 +10545,8 @@
                     <a:lumOff val="35000"/>
                   </a:schemeClr>
                 </a:solidFill>
-                <a:latin typeface="Segoe UI Light" panose="020B0502040204020203" pitchFamily="34" charset="0"/>
-                <a:cs typeface="Segoe UI Light" panose="020B0502040204020203" pitchFamily="34" charset="0"/>
+                <a:latin typeface="Segoe UI" panose="020B0502040204020203" pitchFamily="34" charset="0"/>
+                <a:cs typeface="Segoe UI" panose="020B0502040204020203" pitchFamily="34" charset="0"/>
               </a:rPr>
               <a:t>online </a:t>
             </a:r>
@@ -14279,23 +10558,23 @@
                     <a:lumOff val="35000"/>
                   </a:schemeClr>
                 </a:solidFill>
-                <a:latin typeface="Segoe UI Light" panose="020B0502040204020203" pitchFamily="34" charset="0"/>
-                <a:cs typeface="Segoe UI Light" panose="020B0502040204020203" pitchFamily="34" charset="0"/>
+                <a:latin typeface="Segoe UI" panose="020B0502040204020203" pitchFamily="34" charset="0"/>
+                <a:cs typeface="Segoe UI" panose="020B0502040204020203" pitchFamily="34" charset="0"/>
               </a:rPr>
-              <a:t>сервис проверки знаний по информационным технологиям. С его помощью Вы можете оценить Ваш уровень и выявить слабые места. Он будет полезен как в процессе изучения технологии, так и </a:t>
-            </a:r>
-            <a:r>
-              <a:rPr lang="ru-RU" dirty="0" smtClean="0">
+              <a:t>сервис проверки знаний по информационным технологиям. С его помощью Вы можете оценить Ваш уровень и выявить слабые места. Он будет полезен как в процессе изучения технологии, так и для общей оценки знаний </a:t>
+            </a:r>
+            <a:r>
+              <a:rPr lang="en-US" dirty="0">
                 <a:solidFill>
                   <a:schemeClr val="tx1">
                     <a:lumMod val="65000"/>
                     <a:lumOff val="35000"/>
                   </a:schemeClr>
                 </a:solidFill>
-                <a:latin typeface="Segoe UI Light" panose="020B0502040204020203" pitchFamily="34" charset="0"/>
-                <a:cs typeface="Segoe UI Light" panose="020B0502040204020203" pitchFamily="34" charset="0"/>
+                <a:latin typeface="Segoe UI" panose="020B0502040204020203" pitchFamily="34" charset="0"/>
+                <a:cs typeface="Segoe UI" panose="020B0502040204020203" pitchFamily="34" charset="0"/>
               </a:rPr>
-              <a:t>для общей </a:t>
+              <a:t>IT </a:t>
             </a:r>
             <a:r>
               <a:rPr lang="ru-RU" dirty="0">
@@ -14305,34 +10584,8 @@
                     <a:lumOff val="35000"/>
                   </a:schemeClr>
                 </a:solidFill>
-                <a:latin typeface="Segoe UI Light" panose="020B0502040204020203" pitchFamily="34" charset="0"/>
-                <a:cs typeface="Segoe UI Light" panose="020B0502040204020203" pitchFamily="34" charset="0"/>
-              </a:rPr>
-              <a:t>оценки знаний </a:t>
-            </a:r>
-            <a:r>
-              <a:rPr lang="en-US" dirty="0">
-                <a:solidFill>
-                  <a:schemeClr val="tx1">
-                    <a:lumMod val="65000"/>
-                    <a:lumOff val="35000"/>
-                  </a:schemeClr>
-                </a:solidFill>
-                <a:latin typeface="Segoe UI Light" panose="020B0502040204020203" pitchFamily="34" charset="0"/>
-                <a:cs typeface="Segoe UI Light" panose="020B0502040204020203" pitchFamily="34" charset="0"/>
-              </a:rPr>
-              <a:t>IT </a:t>
-            </a:r>
-            <a:r>
-              <a:rPr lang="ru-RU" dirty="0">
-                <a:solidFill>
-                  <a:schemeClr val="tx1">
-                    <a:lumMod val="65000"/>
-                    <a:lumOff val="35000"/>
-                  </a:schemeClr>
-                </a:solidFill>
-                <a:latin typeface="Segoe UI Light" panose="020B0502040204020203" pitchFamily="34" charset="0"/>
-                <a:cs typeface="Segoe UI Light" panose="020B0502040204020203" pitchFamily="34" charset="0"/>
+                <a:latin typeface="Segoe UI" panose="020B0502040204020203" pitchFamily="34" charset="0"/>
+                <a:cs typeface="Segoe UI" panose="020B0502040204020203" pitchFamily="34" charset="0"/>
               </a:rPr>
               <a:t>специалиста.</a:t>
             </a:r>
@@ -14343,8 +10596,8 @@
                   <a:lumOff val="35000"/>
                 </a:schemeClr>
               </a:solidFill>
-              <a:latin typeface="Segoe UI Light" panose="020B0502040204020203" pitchFamily="34" charset="0"/>
-              <a:cs typeface="Segoe UI Light" panose="020B0502040204020203" pitchFamily="34" charset="0"/>
+              <a:latin typeface="Segoe UI" panose="020B0502040204020203" pitchFamily="34" charset="0"/>
+              <a:cs typeface="Segoe UI" panose="020B0502040204020203" pitchFamily="34" charset="0"/>
             </a:endParaRPr>
           </a:p>
           <a:p>
@@ -14364,8 +10617,8 @@
                   <a:lumOff val="35000"/>
                 </a:schemeClr>
               </a:solidFill>
-              <a:latin typeface="Segoe UI Light" panose="020B0502040204020203" pitchFamily="34" charset="0"/>
-              <a:cs typeface="Segoe UI Light" panose="020B0502040204020203" pitchFamily="34" charset="0"/>
+              <a:latin typeface="Segoe UI" panose="020B0502040204020203" pitchFamily="34" charset="0"/>
+              <a:cs typeface="Segoe UI" panose="020B0502040204020203" pitchFamily="34" charset="0"/>
             </a:endParaRPr>
           </a:p>
           <a:p>
@@ -14386,8 +10639,8 @@
                     <a:lumOff val="35000"/>
                   </a:schemeClr>
                 </a:solidFill>
-                <a:latin typeface="Segoe UI Light" panose="020B0502040204020203" pitchFamily="34" charset="0"/>
-                <a:cs typeface="Segoe UI Light" panose="020B0502040204020203" pitchFamily="34" charset="0"/>
+                <a:latin typeface="Segoe UI" panose="020B0502040204020203" pitchFamily="34" charset="0"/>
+                <a:cs typeface="Segoe UI" panose="020B0502040204020203" pitchFamily="34" charset="0"/>
               </a:rPr>
               <a:t>Успешное прохождение финального тестирования позволит Вам получить соответствующий Сертификат.</a:t>
             </a:r>
@@ -14459,62 +10712,52 @@
           <a:lstStyle/>
           <a:p>
             <a:r>
-              <a:rPr lang="ru-RU" sz="2000" dirty="0" smtClean="0">
+              <a:rPr lang="ru-RU" sz="2000" dirty="0">
                 <a:solidFill>
                   <a:schemeClr val="tx1">
                     <a:lumMod val="65000"/>
                     <a:lumOff val="35000"/>
                   </a:schemeClr>
                 </a:solidFill>
-                <a:latin typeface="Segoe UI Light" panose="020B0502040204020203" pitchFamily="34" charset="0"/>
-                <a:cs typeface="Segoe UI Light" panose="020B0502040204020203" pitchFamily="34" charset="0"/>
+                <a:latin typeface="Segoe UI" panose="020B0502040204020203" pitchFamily="34" charset="0"/>
+                <a:cs typeface="Segoe UI" panose="020B0502040204020203" pitchFamily="34" charset="0"/>
               </a:rPr>
               <a:t>Проверьте как Вы усвоили данный материал на </a:t>
             </a:r>
             <a:r>
-              <a:rPr lang="en-US" sz="2000" dirty="0" smtClean="0">
+              <a:rPr lang="en-US" sz="2000" dirty="0">
                 <a:solidFill>
                   <a:schemeClr val="tx1">
                     <a:lumMod val="65000"/>
                     <a:lumOff val="35000"/>
                   </a:schemeClr>
                 </a:solidFill>
-                <a:latin typeface="Segoe UI Light" panose="020B0502040204020203" pitchFamily="34" charset="0"/>
-                <a:cs typeface="Segoe UI Light" panose="020B0502040204020203" pitchFamily="34" charset="0"/>
+                <a:latin typeface="Segoe UI" panose="020B0502040204020203" pitchFamily="34" charset="0"/>
+                <a:cs typeface="Segoe UI" panose="020B0502040204020203" pitchFamily="34" charset="0"/>
                 <a:hlinkClick r:id="rId3"/>
               </a:rPr>
               <a:t>TestProvider.com</a:t>
             </a:r>
             <a:r>
-              <a:rPr lang="en-US" sz="2000" dirty="0" smtClean="0">
+              <a:rPr lang="en-US" sz="2000" dirty="0">
                 <a:solidFill>
                   <a:schemeClr val="tx1">
                     <a:lumMod val="65000"/>
                     <a:lumOff val="35000"/>
                   </a:schemeClr>
                 </a:solidFill>
-                <a:latin typeface="Segoe UI Light" panose="020B0502040204020203" pitchFamily="34" charset="0"/>
-                <a:cs typeface="Segoe UI Light" panose="020B0502040204020203" pitchFamily="34" charset="0"/>
+                <a:latin typeface="Segoe UI" panose="020B0502040204020203" pitchFamily="34" charset="0"/>
+                <a:cs typeface="Segoe UI" panose="020B0502040204020203" pitchFamily="34" charset="0"/>
               </a:rPr>
               <a:t> </a:t>
             </a:r>
-            <a:endParaRPr lang="en-US" sz="2000" dirty="0">
-              <a:solidFill>
-                <a:schemeClr val="tx1">
-                  <a:lumMod val="65000"/>
-                  <a:lumOff val="35000"/>
-                </a:schemeClr>
-              </a:solidFill>
-              <a:latin typeface="Segoe UI Light" panose="020B0502040204020203" pitchFamily="34" charset="0"/>
-              <a:cs typeface="Segoe UI Light" panose="020B0502040204020203" pitchFamily="34" charset="0"/>
-            </a:endParaRPr>
           </a:p>
         </p:txBody>
       </p:sp>
     </p:spTree>
     <p:extLst>
       <p:ext uri="{BB962C8B-B14F-4D97-AF65-F5344CB8AC3E}">
-        <p14:creationId xmlns:p14="http://schemas.microsoft.com/office/powerpoint/2010/main" val="2529021111"/>
+        <p14:creationId xmlns:p14="http://schemas.microsoft.com/office/powerpoint/2010/main" val="743340723"/>
       </p:ext>
     </p:extLst>
   </p:cSld>
@@ -14524,13 +10767,6 @@
   <p:transition spd="slow">
     <p:cover/>
   </p:transition>
-  <p:timing>
-    <p:tnLst>
-      <p:par>
-        <p:cTn id="1" dur="indefinite" restart="never" nodeType="tmRoot"/>
-      </p:par>
-    </p:tnLst>
-  </p:timing>
 </p:sld>
 </file>
 
@@ -14614,7 +10850,7 @@
         </p:spPr>
         <p:txBody>
           <a:bodyPr vert="horz" lIns="91440" tIns="45720" rIns="91440" bIns="45720" rtlCol="0" anchor="ctr">
-            <a:normAutofit fontScale="67500" lnSpcReduction="20000"/>
+            <a:normAutofit fontScale="90000" lnSpcReduction="10000"/>
           </a:bodyPr>
           <a:lstStyle>
             <a:lvl1pPr algn="ctr" defTabSz="914400" rtl="0" eaLnBrk="1" latinLnBrk="0" hangingPunct="1">
@@ -14634,17 +10870,6 @@
           </a:lstStyle>
           <a:p>
             <a:r>
-              <a:rPr lang="ru-RU" sz="3600" dirty="0">
-                <a:solidFill>
-                  <a:schemeClr val="bg1"/>
-                </a:solidFill>
-                <a:latin typeface="Segoe UI Light" panose="020B0502040204020203" pitchFamily="34" charset="0"/>
-                <a:ea typeface="Segoe UI" pitchFamily="34" charset="0"/>
-                <a:cs typeface="Segoe UI Light" panose="020B0502040204020203" pitchFamily="34" charset="0"/>
-              </a:rPr>
-              <a:t>Создание пользовательского интерфейса в </a:t>
-            </a:r>
-            <a:r>
               <a:rPr lang="en-US" sz="3600" dirty="0">
                 <a:solidFill>
                   <a:schemeClr val="bg1"/>
@@ -14653,60 +10878,7 @@
                 <a:ea typeface="Segoe UI" pitchFamily="34" charset="0"/>
                 <a:cs typeface="Segoe UI Light" panose="020B0502040204020203" pitchFamily="34" charset="0"/>
               </a:rPr>
-              <a:t>ASP.NET Core</a:t>
-            </a:r>
-          </a:p>
-        </p:txBody>
-      </p:sp>
-      <p:sp>
-        <p:nvSpPr>
-          <p:cNvPr id="6" name="Прямоугольник 1"/>
-          <p:cNvSpPr/>
-          <p:nvPr/>
-        </p:nvSpPr>
-        <p:spPr>
-          <a:xfrm>
-            <a:off x="2590800" y="4673563"/>
-            <a:ext cx="2286000" cy="584775"/>
-          </a:xfrm>
-          <a:prstGeom prst="rect">
-            <a:avLst/>
-          </a:prstGeom>
-        </p:spPr>
-        <p:txBody>
-          <a:bodyPr wrap="square">
-            <a:spAutoFit/>
-          </a:bodyPr>
-          <a:lstStyle/>
-          <a:p>
-            <a:r>
-              <a:rPr lang="ru-RU" sz="1400" dirty="0" smtClean="0">
-                <a:solidFill>
-                  <a:srgbClr val="D04E1D"/>
-                </a:solidFill>
-                <a:latin typeface="Segoe UI Light" panose="020B0502040204020203" pitchFamily="34" charset="0"/>
-                <a:cs typeface="Segoe UI Light" panose="020B0502040204020203" pitchFamily="34" charset="0"/>
-              </a:rPr>
-              <a:t>Охрименко Дмитрий</a:t>
-            </a:r>
-            <a:endParaRPr lang="ru-RU" sz="1400" dirty="0">
-              <a:solidFill>
-                <a:srgbClr val="D04E1D"/>
-              </a:solidFill>
-              <a:latin typeface="Segoe UI Light" panose="020B0502040204020203" pitchFamily="34" charset="0"/>
-              <a:cs typeface="Segoe UI Light" panose="020B0502040204020203" pitchFamily="34" charset="0"/>
-            </a:endParaRPr>
-          </a:p>
-          <a:p>
-            <a:r>
-              <a:rPr lang="en-US" dirty="0">
-                <a:solidFill>
-                  <a:srgbClr val="D04E1D"/>
-                </a:solidFill>
-                <a:latin typeface="Segoe UI Light" panose="020B0502040204020203" pitchFamily="34" charset="0"/>
-                <a:cs typeface="Segoe UI Light" panose="020B0502040204020203" pitchFamily="34" charset="0"/>
-              </a:rPr>
-              <a:t>MCT</a:t>
+              <a:t>PHP Essential</a:t>
             </a:r>
           </a:p>
         </p:txBody>
@@ -14757,66 +10929,8 @@
                 <a:latin typeface="Segoe UI Light" panose="020B0502040204020203" pitchFamily="34" charset="0"/>
                 <a:cs typeface="Segoe UI Light" panose="020B0502040204020203" pitchFamily="34" charset="0"/>
               </a:rPr>
-              <a:t>Спасибо за внимание! До новых встреч</a:t>
-            </a:r>
-            <a:r>
-              <a:rPr lang="ru-RU" sz="2800" dirty="0" smtClean="0">
-                <a:solidFill>
-                  <a:srgbClr val="D04E1D"/>
-                </a:solidFill>
-                <a:latin typeface="Segoe UI Light" panose="020B0502040204020203" pitchFamily="34" charset="0"/>
-                <a:cs typeface="Segoe UI Light" panose="020B0502040204020203" pitchFamily="34" charset="0"/>
-              </a:rPr>
-              <a:t>!</a:t>
-            </a:r>
-            <a:endParaRPr lang="ru-RU" sz="2800" dirty="0">
-              <a:solidFill>
-                <a:srgbClr val="D04E1D"/>
-              </a:solidFill>
-              <a:latin typeface="Segoe UI Light" panose="020B0502040204020203" pitchFamily="34" charset="0"/>
-              <a:cs typeface="Segoe UI Light" panose="020B0502040204020203" pitchFamily="34" charset="0"/>
-            </a:endParaRPr>
-          </a:p>
-        </p:txBody>
-      </p:sp>
-      <p:sp>
-        <p:nvSpPr>
-          <p:cNvPr id="12" name="Прямоугольник 1"/>
-          <p:cNvSpPr/>
-          <p:nvPr/>
-        </p:nvSpPr>
-        <p:spPr>
-          <a:xfrm>
-            <a:off x="5715000" y="4834135"/>
-            <a:ext cx="2286000" cy="338554"/>
-          </a:xfrm>
-          <a:prstGeom prst="rect">
-            <a:avLst/>
-          </a:prstGeom>
-        </p:spPr>
-        <p:txBody>
-          <a:bodyPr wrap="square">
-            <a:spAutoFit/>
-          </a:bodyPr>
-          <a:lstStyle/>
-          <a:p>
-            <a:r>
-              <a:rPr lang="en-US" sz="1600" dirty="0">
-                <a:solidFill>
-                  <a:srgbClr val="6E6E6E"/>
-                </a:solidFill>
-                <a:latin typeface="Segoe UI Light" panose="020B0502040204020203" pitchFamily="34" charset="0"/>
-                <a:cs typeface="Segoe UI Light" panose="020B0502040204020203" pitchFamily="34" charset="0"/>
-              </a:rPr>
-              <a:t>MCID: 9210561 </a:t>
-            </a:r>
-            <a:endParaRPr lang="ru-RU" sz="1600" dirty="0">
-              <a:solidFill>
-                <a:srgbClr val="6E6E6E"/>
-              </a:solidFill>
-              <a:latin typeface="Segoe UI Light" panose="020B0502040204020203" pitchFamily="34" charset="0"/>
-              <a:cs typeface="Segoe UI Light" panose="020B0502040204020203" pitchFamily="34" charset="0"/>
-            </a:endParaRPr>
+              <a:t>Спасибо за внимание! До новых встреч!</a:t>
+            </a:r>
           </a:p>
         </p:txBody>
       </p:sp>
@@ -14893,45 +11007,8 @@
                 <a:latin typeface="Segoe UI Light" panose="020B0502040204020203" pitchFamily="34" charset="0"/>
                 <a:cs typeface="Segoe UI Light" panose="020B0502040204020203" pitchFamily="34" charset="0"/>
               </a:rPr>
-              <a:t>Information Technology Video Developer </a:t>
-            </a:r>
-            <a:r>
-              <a:rPr lang="en-US" sz="1400" dirty="0" smtClean="0">
-                <a:solidFill>
-                  <a:schemeClr val="bg1"/>
-                </a:solidFill>
-                <a:latin typeface="Segoe UI Light" panose="020B0502040204020203" pitchFamily="34" charset="0"/>
-                <a:cs typeface="Segoe UI Light" panose="020B0502040204020203" pitchFamily="34" charset="0"/>
-              </a:rPr>
-              <a:t>Network                                                       http</a:t>
-            </a:r>
-            <a:r>
-              <a:rPr lang="en-US" sz="1400" dirty="0">
-                <a:solidFill>
-                  <a:schemeClr val="bg1"/>
-                </a:solidFill>
-                <a:latin typeface="Segoe UI Light" panose="020B0502040204020203" pitchFamily="34" charset="0"/>
-                <a:cs typeface="Segoe UI Light" panose="020B0502040204020203" pitchFamily="34" charset="0"/>
-              </a:rPr>
-              <a:t>://</a:t>
-            </a:r>
-            <a:r>
-              <a:rPr lang="en-US" sz="1400" dirty="0" smtClean="0">
-                <a:solidFill>
-                  <a:schemeClr val="bg1"/>
-                </a:solidFill>
-                <a:latin typeface="Segoe UI Light" panose="020B0502040204020203" pitchFamily="34" charset="0"/>
-                <a:cs typeface="Segoe UI Light" panose="020B0502040204020203" pitchFamily="34" charset="0"/>
-              </a:rPr>
-              <a:t>itvdn.com</a:t>
-            </a:r>
-            <a:endParaRPr lang="en-US" sz="1400" dirty="0">
-              <a:solidFill>
-                <a:schemeClr val="bg1"/>
-              </a:solidFill>
-              <a:latin typeface="Segoe UI Light" panose="020B0502040204020203" pitchFamily="34" charset="0"/>
-              <a:cs typeface="Segoe UI Light" panose="020B0502040204020203" pitchFamily="34" charset="0"/>
-            </a:endParaRPr>
+              <a:t>Information Technology Video Developer Network                                                       http://itvdn.com</a:t>
+            </a:r>
           </a:p>
         </p:txBody>
       </p:sp>
@@ -14957,7 +11034,7 @@
           <a:lstStyle/>
           <a:p>
             <a:r>
-              <a:rPr lang="en-US" sz="2000" dirty="0" smtClean="0">
+              <a:rPr lang="en-US" sz="2000" dirty="0">
                 <a:solidFill>
                   <a:schemeClr val="bg1"/>
                 </a:solidFill>
@@ -15281,53 +11358,134 @@
           </p:txBody>
         </p:sp>
       </p:grpSp>
+      <p:sp>
+        <p:nvSpPr>
+          <p:cNvPr id="14" name="Прямоугольник 1"/>
+          <p:cNvSpPr/>
+          <p:nvPr/>
+        </p:nvSpPr>
+        <p:spPr>
+          <a:xfrm>
+            <a:off x="3246120" y="4845385"/>
+            <a:ext cx="3703463" cy="584775"/>
+          </a:xfrm>
+          <a:prstGeom prst="rect">
+            <a:avLst/>
+          </a:prstGeom>
+        </p:spPr>
+        <p:txBody>
+          <a:bodyPr wrap="square">
+            <a:spAutoFit/>
+          </a:bodyPr>
+          <a:lstStyle/>
+          <a:p>
+            <a:r>
+              <a:rPr lang="ru-RU" sz="1600" b="1" dirty="0">
+                <a:solidFill>
+                  <a:srgbClr val="D04E1D"/>
+                </a:solidFill>
+                <a:latin typeface="Segoe UI Light" panose="020B0502040204020203" pitchFamily="34" charset="0"/>
+                <a:cs typeface="Segoe UI Light" panose="020B0502040204020203" pitchFamily="34" charset="0"/>
+              </a:rPr>
+              <a:t>Александр </a:t>
+            </a:r>
+            <a:r>
+              <a:rPr lang="ru-RU" sz="1600" b="1" dirty="0" err="1">
+                <a:solidFill>
+                  <a:srgbClr val="D04E1D"/>
+                </a:solidFill>
+                <a:latin typeface="Segoe UI Light" panose="020B0502040204020203" pitchFamily="34" charset="0"/>
+                <a:cs typeface="Segoe UI Light" panose="020B0502040204020203" pitchFamily="34" charset="0"/>
+              </a:rPr>
+              <a:t>Хонько</a:t>
+            </a:r>
+            <a:endParaRPr lang="ru-RU" sz="1600" b="1" dirty="0">
+              <a:solidFill>
+                <a:srgbClr val="D04E1D"/>
+              </a:solidFill>
+              <a:latin typeface="Segoe UI Light" panose="020B0502040204020203" pitchFamily="34" charset="0"/>
+              <a:cs typeface="Segoe UI Light" panose="020B0502040204020203" pitchFamily="34" charset="0"/>
+            </a:endParaRPr>
+          </a:p>
+          <a:p>
+            <a:r>
+              <a:rPr lang="en-US" sz="1600" dirty="0">
+                <a:solidFill>
+                  <a:srgbClr val="D04E1D"/>
+                </a:solidFill>
+                <a:latin typeface="Segoe UI Light" panose="020B0502040204020203" pitchFamily="34" charset="0"/>
+                <a:cs typeface="Segoe UI Light" panose="020B0502040204020203" pitchFamily="34" charset="0"/>
+              </a:rPr>
+              <a:t>PHP Developer</a:t>
+            </a:r>
+          </a:p>
+        </p:txBody>
+      </p:sp>
       <p:pic>
         <p:nvPicPr>
-          <p:cNvPr id="2" name="Picture 1"/>
+          <p:cNvPr id="17" name="Picture 2" descr="Файл:PHP-logo.svg — Википедия"/>
+          <p:cNvPicPr>
+            <a:picLocks noChangeAspect="1" noChangeArrowheads="1"/>
+          </p:cNvPicPr>
+          <p:nvPr/>
+        </p:nvPicPr>
+        <p:blipFill>
+          <a:blip r:embed="rId3" cstate="print">
+            <a:extLst>
+              <a:ext uri="{28A0092B-C50C-407E-A947-70E740481C1C}">
+                <a14:useLocalDpi xmlns:a14="http://schemas.microsoft.com/office/drawing/2010/main" val="0"/>
+              </a:ext>
+            </a:extLst>
+          </a:blip>
+          <a:srcRect/>
+          <a:stretch>
+            <a:fillRect/>
+          </a:stretch>
+        </p:blipFill>
+        <p:spPr bwMode="auto">
+          <a:xfrm>
+            <a:off x="6522863" y="3429000"/>
+            <a:ext cx="2623694" cy="1416385"/>
+          </a:xfrm>
+          <a:prstGeom prst="rect">
+            <a:avLst/>
+          </a:prstGeom>
+          <a:noFill/>
+          <a:extLst>
+            <a:ext uri="{909E8E84-426E-40DD-AFC4-6F175D3DCCD1}">
+              <a14:hiddenFill xmlns:a14="http://schemas.microsoft.com/office/drawing/2010/main">
+                <a:solidFill>
+                  <a:srgbClr val="FFFFFF"/>
+                </a:solidFill>
+              </a14:hiddenFill>
+            </a:ext>
+          </a:extLst>
+        </p:spPr>
+      </p:pic>
+      <p:pic>
+        <p:nvPicPr>
+          <p:cNvPr id="18" name="Picture 2"/>
           <p:cNvPicPr>
             <a:picLocks noChangeAspect="1"/>
           </p:cNvPicPr>
           <p:nvPr/>
         </p:nvPicPr>
         <p:blipFill>
-          <a:blip r:embed="rId3"/>
-          <a:stretch>
-            <a:fillRect/>
-          </a:stretch>
-        </p:blipFill>
-        <p:spPr>
-          <a:xfrm>
-            <a:off x="5791200" y="1900583"/>
-            <a:ext cx="3886200" cy="2739628"/>
-          </a:xfrm>
-          <a:prstGeom prst="rect">
-            <a:avLst/>
-          </a:prstGeom>
-        </p:spPr>
-      </p:pic>
-      <p:pic>
-        <p:nvPicPr>
-          <p:cNvPr id="17" name="Picture 16"/>
-          <p:cNvPicPr>
-            <a:picLocks noChangeAspect="1"/>
-          </p:cNvPicPr>
-          <p:nvPr/>
-        </p:nvPicPr>
-        <p:blipFill rotWithShape="1">
-          <a:blip r:embed="rId4">
+          <a:blip r:embed="rId4" cstate="print">
             <a:extLst>
               <a:ext uri="{28A0092B-C50C-407E-A947-70E740481C1C}">
                 <a14:useLocalDpi xmlns:a14="http://schemas.microsoft.com/office/drawing/2010/main" val="0"/>
               </a:ext>
             </a:extLst>
           </a:blip>
-          <a:srcRect l="9272" r="8952"/>
-          <a:stretch/>
+          <a:stretch>
+            <a:fillRect/>
+          </a:stretch>
         </p:blipFill>
         <p:spPr>
           <a:xfrm>
-            <a:off x="2590800" y="1900583"/>
-            <a:ext cx="2209801" cy="2702265"/>
+            <a:off x="3276600" y="2119111"/>
+            <a:ext cx="2209801" cy="2619777"/>
           </a:xfrm>
           <a:prstGeom prst="rect">
             <a:avLst/>
@@ -15337,7 +11495,7 @@
     </p:spTree>
     <p:extLst>
       <p:ext uri="{BB962C8B-B14F-4D97-AF65-F5344CB8AC3E}">
-        <p14:creationId xmlns:p14="http://schemas.microsoft.com/office/powerpoint/2010/main" val="1822675830"/>
+        <p14:creationId xmlns:p14="http://schemas.microsoft.com/office/powerpoint/2010/main" val="2578516977"/>
       </p:ext>
     </p:extLst>
   </p:cSld>
@@ -15347,13 +11505,6 @@
   <p:transition spd="slow">
     <p:cover/>
   </p:transition>
-  <p:timing>
-    <p:tnLst>
-      <p:par>
-        <p:cTn id="1" dur="indefinite" restart="never" nodeType="tmRoot"/>
-      </p:par>
-    </p:tnLst>
-  </p:timing>
 </p:sld>
 </file>
 
